--- a/Results_Presentation.pptx
+++ b/Results_Presentation.pptx
@@ -12,6 +12,10 @@
     <p:sldId id="260" r:id="rId6"/>
     <p:sldId id="261" r:id="rId7"/>
     <p:sldId id="262" r:id="rId8"/>
+    <p:sldId id="264" r:id="rId9"/>
+    <p:sldId id="266" r:id="rId10"/>
+    <p:sldId id="265" r:id="rId11"/>
+    <p:sldId id="267" r:id="rId12"/>
   </p:sldIdLst>
   <p:sldSz cx="12192000" cy="6858000"/>
   <p:notesSz cx="6858000" cy="9144000"/>
@@ -110,7 +114,269 @@
       </a:defRPr>
     </a:lvl9pPr>
   </p:defaultTextStyle>
+  <p:extLst>
+    <p:ext uri="{EFAFB233-063F-42B5-8137-9DF3F51BA10A}">
+      <p15:sldGuideLst xmlns:p15="http://schemas.microsoft.com/office/powerpoint/2012/main"/>
+    </p:ext>
+  </p:extLst>
 </p:presentation>
+</file>
+
+<file path=ppt/revisionInfo.xml><?xml version="1.0" encoding="utf-8"?>
+<p1510:revInfo xmlns:a="http://schemas.openxmlformats.org/drawingml/2006/main" xmlns:r="http://schemas.openxmlformats.org/officeDocument/2006/relationships" xmlns:p1510="http://schemas.microsoft.com/office/powerpoint/2015/10/main">
+  <p1510:revLst>
+    <p1510:client id="{99B89918-4C40-40E6-96AD-AAEB896620B6}" v="18" dt="2022-03-17T12:37:22.445"/>
+  </p1510:revLst>
+</p1510:revInfo>
+</file>
+
+<file path=ppt/changesInfos/changesInfo1.xml><?xml version="1.0" encoding="utf-8"?>
+<pc:chgInfo xmlns:a="http://schemas.openxmlformats.org/drawingml/2006/main" xmlns:r="http://schemas.openxmlformats.org/officeDocument/2006/relationships" xmlns:ac="http://schemas.microsoft.com/office/drawing/2013/main/command" xmlns:pc="http://schemas.microsoft.com/office/powerpoint/2013/main/command">
+  <pc:docChgLst>
+    <pc:chgData name="Thijs Oudes" userId="1c4e1f6e80555f8e" providerId="LiveId" clId="{99B89918-4C40-40E6-96AD-AAEB896620B6}"/>
+    <pc:docChg chg="undo custSel addSld modSld">
+      <pc:chgData name="Thijs Oudes" userId="1c4e1f6e80555f8e" providerId="LiveId" clId="{99B89918-4C40-40E6-96AD-AAEB896620B6}" dt="2022-03-17T12:48:10.165" v="2399" actId="20577"/>
+      <pc:docMkLst>
+        <pc:docMk/>
+      </pc:docMkLst>
+      <pc:sldChg chg="addSp modSp mod">
+        <pc:chgData name="Thijs Oudes" userId="1c4e1f6e80555f8e" providerId="LiveId" clId="{99B89918-4C40-40E6-96AD-AAEB896620B6}" dt="2022-03-17T11:22:20.634" v="63" actId="1076"/>
+        <pc:sldMkLst>
+          <pc:docMk/>
+          <pc:sldMk cId="2720453373" sldId="262"/>
+        </pc:sldMkLst>
+        <pc:spChg chg="add mod">
+          <ac:chgData name="Thijs Oudes" userId="1c4e1f6e80555f8e" providerId="LiveId" clId="{99B89918-4C40-40E6-96AD-AAEB896620B6}" dt="2022-03-17T11:22:20.634" v="63" actId="1076"/>
+          <ac:spMkLst>
+            <pc:docMk/>
+            <pc:sldMk cId="2720453373" sldId="262"/>
+            <ac:spMk id="5" creationId="{33635052-D7E8-477A-9323-2B94562FC720}"/>
+          </ac:spMkLst>
+        </pc:spChg>
+        <pc:spChg chg="mod">
+          <ac:chgData name="Thijs Oudes" userId="1c4e1f6e80555f8e" providerId="LiveId" clId="{99B89918-4C40-40E6-96AD-AAEB896620B6}" dt="2022-03-17T11:22:17.487" v="62" actId="20577"/>
+          <ac:spMkLst>
+            <pc:docMk/>
+            <pc:sldMk cId="2720453373" sldId="262"/>
+            <ac:spMk id="6" creationId="{80A230A9-C4EE-49FD-9099-05E70EE7DF42}"/>
+          </ac:spMkLst>
+        </pc:spChg>
+        <pc:spChg chg="add mod">
+          <ac:chgData name="Thijs Oudes" userId="1c4e1f6e80555f8e" providerId="LiveId" clId="{99B89918-4C40-40E6-96AD-AAEB896620B6}" dt="2022-03-17T11:22:11.920" v="55" actId="20577"/>
+          <ac:spMkLst>
+            <pc:docMk/>
+            <pc:sldMk cId="2720453373" sldId="262"/>
+            <ac:spMk id="7" creationId="{A7B5124C-3B9D-4887-A8F2-172FAF33E74E}"/>
+          </ac:spMkLst>
+        </pc:spChg>
+      </pc:sldChg>
+      <pc:sldChg chg="addSp delSp modSp new mod">
+        <pc:chgData name="Thijs Oudes" userId="1c4e1f6e80555f8e" providerId="LiveId" clId="{99B89918-4C40-40E6-96AD-AAEB896620B6}" dt="2022-03-17T12:10:24.393" v="1663" actId="20577"/>
+        <pc:sldMkLst>
+          <pc:docMk/>
+          <pc:sldMk cId="4231696852" sldId="264"/>
+        </pc:sldMkLst>
+        <pc:spChg chg="del">
+          <ac:chgData name="Thijs Oudes" userId="1c4e1f6e80555f8e" providerId="LiveId" clId="{99B89918-4C40-40E6-96AD-AAEB896620B6}" dt="2022-03-17T11:22:31.782" v="66" actId="478"/>
+          <ac:spMkLst>
+            <pc:docMk/>
+            <pc:sldMk cId="4231696852" sldId="264"/>
+            <ac:spMk id="2" creationId="{CBF5FC23-5D64-437D-82CD-5713CCAA6FEE}"/>
+          </ac:spMkLst>
+        </pc:spChg>
+        <pc:spChg chg="del">
+          <ac:chgData name="Thijs Oudes" userId="1c4e1f6e80555f8e" providerId="LiveId" clId="{99B89918-4C40-40E6-96AD-AAEB896620B6}" dt="2022-03-17T11:22:30.463" v="65" actId="478"/>
+          <ac:spMkLst>
+            <pc:docMk/>
+            <pc:sldMk cId="4231696852" sldId="264"/>
+            <ac:spMk id="3" creationId="{472DC1BB-AAEE-44EB-B638-07395F4176DF}"/>
+          </ac:spMkLst>
+        </pc:spChg>
+        <pc:spChg chg="add mod">
+          <ac:chgData name="Thijs Oudes" userId="1c4e1f6e80555f8e" providerId="LiveId" clId="{99B89918-4C40-40E6-96AD-AAEB896620B6}" dt="2022-03-17T11:37:43.390" v="504" actId="1076"/>
+          <ac:spMkLst>
+            <pc:docMk/>
+            <pc:sldMk cId="4231696852" sldId="264"/>
+            <ac:spMk id="8" creationId="{E5D9141D-6592-4A14-95F1-F9FC7AFF50BC}"/>
+          </ac:spMkLst>
+        </pc:spChg>
+        <pc:spChg chg="add mod">
+          <ac:chgData name="Thijs Oudes" userId="1c4e1f6e80555f8e" providerId="LiveId" clId="{99B89918-4C40-40E6-96AD-AAEB896620B6}" dt="2022-03-17T11:50:41.477" v="786"/>
+          <ac:spMkLst>
+            <pc:docMk/>
+            <pc:sldMk cId="4231696852" sldId="264"/>
+            <ac:spMk id="9" creationId="{F988CE14-D35E-428B-9936-062339C8F103}"/>
+          </ac:spMkLst>
+        </pc:spChg>
+        <pc:spChg chg="add mod">
+          <ac:chgData name="Thijs Oudes" userId="1c4e1f6e80555f8e" providerId="LiveId" clId="{99B89918-4C40-40E6-96AD-AAEB896620B6}" dt="2022-03-17T11:37:34.972" v="501" actId="1076"/>
+          <ac:spMkLst>
+            <pc:docMk/>
+            <pc:sldMk cId="4231696852" sldId="264"/>
+            <ac:spMk id="10" creationId="{BBBD92E9-AD98-4E84-BAB1-63DED0F47318}"/>
+          </ac:spMkLst>
+        </pc:spChg>
+        <pc:spChg chg="add mod">
+          <ac:chgData name="Thijs Oudes" userId="1c4e1f6e80555f8e" providerId="LiveId" clId="{99B89918-4C40-40E6-96AD-AAEB896620B6}" dt="2022-03-17T12:10:24.393" v="1663" actId="20577"/>
+          <ac:spMkLst>
+            <pc:docMk/>
+            <pc:sldMk cId="4231696852" sldId="264"/>
+            <ac:spMk id="11" creationId="{6DB754ED-F6A2-4B28-9BA6-433128788421}"/>
+          </ac:spMkLst>
+        </pc:spChg>
+        <pc:spChg chg="add del mod">
+          <ac:chgData name="Thijs Oudes" userId="1c4e1f6e80555f8e" providerId="LiveId" clId="{99B89918-4C40-40E6-96AD-AAEB896620B6}" dt="2022-03-17T12:03:36.736" v="1196" actId="478"/>
+          <ac:spMkLst>
+            <pc:docMk/>
+            <pc:sldMk cId="4231696852" sldId="264"/>
+            <ac:spMk id="12" creationId="{94EBB42A-06F1-40CE-BC26-CDBF1BED1794}"/>
+          </ac:spMkLst>
+        </pc:spChg>
+        <pc:picChg chg="add del mod">
+          <ac:chgData name="Thijs Oudes" userId="1c4e1f6e80555f8e" providerId="LiveId" clId="{99B89918-4C40-40E6-96AD-AAEB896620B6}" dt="2022-03-17T11:26:46.545" v="68" actId="478"/>
+          <ac:picMkLst>
+            <pc:docMk/>
+            <pc:sldMk cId="4231696852" sldId="264"/>
+            <ac:picMk id="5" creationId="{EA5DF070-E4C9-4845-870A-F2D41F81D73E}"/>
+          </ac:picMkLst>
+        </pc:picChg>
+        <pc:picChg chg="add mod">
+          <ac:chgData name="Thijs Oudes" userId="1c4e1f6e80555f8e" providerId="LiveId" clId="{99B89918-4C40-40E6-96AD-AAEB896620B6}" dt="2022-03-17T11:28:11.438" v="73" actId="1076"/>
+          <ac:picMkLst>
+            <pc:docMk/>
+            <pc:sldMk cId="4231696852" sldId="264"/>
+            <ac:picMk id="7" creationId="{0D549A20-47F9-4FD3-ACC7-04DBE7B52F99}"/>
+          </ac:picMkLst>
+        </pc:picChg>
+      </pc:sldChg>
+      <pc:sldChg chg="addSp delSp modSp new mod">
+        <pc:chgData name="Thijs Oudes" userId="1c4e1f6e80555f8e" providerId="LiveId" clId="{99B89918-4C40-40E6-96AD-AAEB896620B6}" dt="2022-03-17T11:55:37.210" v="830" actId="1076"/>
+        <pc:sldMkLst>
+          <pc:docMk/>
+          <pc:sldMk cId="2986890126" sldId="265"/>
+        </pc:sldMkLst>
+        <pc:spChg chg="del">
+          <ac:chgData name="Thijs Oudes" userId="1c4e1f6e80555f8e" providerId="LiveId" clId="{99B89918-4C40-40E6-96AD-AAEB896620B6}" dt="2022-03-17T11:53:46.029" v="788" actId="478"/>
+          <ac:spMkLst>
+            <pc:docMk/>
+            <pc:sldMk cId="2986890126" sldId="265"/>
+            <ac:spMk id="2" creationId="{0EFC8FE4-9ED4-4961-BC45-81B815D88899}"/>
+          </ac:spMkLst>
+        </pc:spChg>
+        <pc:spChg chg="del">
+          <ac:chgData name="Thijs Oudes" userId="1c4e1f6e80555f8e" providerId="LiveId" clId="{99B89918-4C40-40E6-96AD-AAEB896620B6}" dt="2022-03-17T11:53:44.890" v="787" actId="478"/>
+          <ac:spMkLst>
+            <pc:docMk/>
+            <pc:sldMk cId="2986890126" sldId="265"/>
+            <ac:spMk id="3" creationId="{0ACD1795-2D2B-4180-956E-73A914C79EAE}"/>
+          </ac:spMkLst>
+        </pc:spChg>
+        <pc:picChg chg="add mod modCrop">
+          <ac:chgData name="Thijs Oudes" userId="1c4e1f6e80555f8e" providerId="LiveId" clId="{99B89918-4C40-40E6-96AD-AAEB896620B6}" dt="2022-03-17T11:55:31.734" v="828" actId="14100"/>
+          <ac:picMkLst>
+            <pc:docMk/>
+            <pc:sldMk cId="2986890126" sldId="265"/>
+            <ac:picMk id="5" creationId="{6BAFFB86-340D-4248-8EA7-8058366FAB55}"/>
+          </ac:picMkLst>
+        </pc:picChg>
+        <pc:picChg chg="add mod modCrop">
+          <ac:chgData name="Thijs Oudes" userId="1c4e1f6e80555f8e" providerId="LiveId" clId="{99B89918-4C40-40E6-96AD-AAEB896620B6}" dt="2022-03-17T11:55:35.440" v="829" actId="1076"/>
+          <ac:picMkLst>
+            <pc:docMk/>
+            <pc:sldMk cId="2986890126" sldId="265"/>
+            <ac:picMk id="7" creationId="{B89E934B-910C-4789-813C-5436E0FB77D6}"/>
+          </ac:picMkLst>
+        </pc:picChg>
+        <pc:picChg chg="add mod modCrop">
+          <ac:chgData name="Thijs Oudes" userId="1c4e1f6e80555f8e" providerId="LiveId" clId="{99B89918-4C40-40E6-96AD-AAEB896620B6}" dt="2022-03-17T11:55:37.210" v="830" actId="1076"/>
+          <ac:picMkLst>
+            <pc:docMk/>
+            <pc:sldMk cId="2986890126" sldId="265"/>
+            <ac:picMk id="9" creationId="{BBA077DD-237D-46C5-93BD-46331AEB654D}"/>
+          </ac:picMkLst>
+        </pc:picChg>
+      </pc:sldChg>
+      <pc:sldChg chg="addSp delSp modSp new mod">
+        <pc:chgData name="Thijs Oudes" userId="1c4e1f6e80555f8e" providerId="LiveId" clId="{99B89918-4C40-40E6-96AD-AAEB896620B6}" dt="2022-03-17T12:48:10.165" v="2399" actId="20577"/>
+        <pc:sldMkLst>
+          <pc:docMk/>
+          <pc:sldMk cId="1316816158" sldId="266"/>
+        </pc:sldMkLst>
+        <pc:spChg chg="del">
+          <ac:chgData name="Thijs Oudes" userId="1c4e1f6e80555f8e" providerId="LiveId" clId="{99B89918-4C40-40E6-96AD-AAEB896620B6}" dt="2022-03-17T12:03:10.663" v="1190" actId="478"/>
+          <ac:spMkLst>
+            <pc:docMk/>
+            <pc:sldMk cId="1316816158" sldId="266"/>
+            <ac:spMk id="3" creationId="{CB6A60BC-2110-4E7B-ADBA-3D9DF6C16F7C}"/>
+          </ac:spMkLst>
+        </pc:spChg>
+        <pc:spChg chg="add mod">
+          <ac:chgData name="Thijs Oudes" userId="1c4e1f6e80555f8e" providerId="LiveId" clId="{99B89918-4C40-40E6-96AD-AAEB896620B6}" dt="2022-03-17T12:43:12.324" v="2119"/>
+          <ac:spMkLst>
+            <pc:docMk/>
+            <pc:sldMk cId="1316816158" sldId="266"/>
+            <ac:spMk id="5" creationId="{E9A298FD-5C24-4C8C-A5F9-2DC06010FBC2}"/>
+          </ac:spMkLst>
+        </pc:spChg>
+        <pc:spChg chg="add mod">
+          <ac:chgData name="Thijs Oudes" userId="1c4e1f6e80555f8e" providerId="LiveId" clId="{99B89918-4C40-40E6-96AD-AAEB896620B6}" dt="2022-03-17T12:04:12.059" v="1301"/>
+          <ac:spMkLst>
+            <pc:docMk/>
+            <pc:sldMk cId="1316816158" sldId="266"/>
+            <ac:spMk id="6" creationId="{31C5670B-DB82-4E3D-BC7C-0A19E4F0D10F}"/>
+          </ac:spMkLst>
+        </pc:spChg>
+        <pc:spChg chg="add mod">
+          <ac:chgData name="Thijs Oudes" userId="1c4e1f6e80555f8e" providerId="LiveId" clId="{99B89918-4C40-40E6-96AD-AAEB896620B6}" dt="2022-03-17T12:48:10.165" v="2399" actId="20577"/>
+          <ac:spMkLst>
+            <pc:docMk/>
+            <pc:sldMk cId="1316816158" sldId="266"/>
+            <ac:spMk id="7" creationId="{6A034EFA-ADD9-48FD-B4DB-0111787D6E1A}"/>
+          </ac:spMkLst>
+        </pc:spChg>
+        <pc:picChg chg="add mod modCrop">
+          <ac:chgData name="Thijs Oudes" userId="1c4e1f6e80555f8e" providerId="LiveId" clId="{99B89918-4C40-40E6-96AD-AAEB896620B6}" dt="2022-03-17T12:03:21.565" v="1192" actId="732"/>
+          <ac:picMkLst>
+            <pc:docMk/>
+            <pc:sldMk cId="1316816158" sldId="266"/>
+            <ac:picMk id="4" creationId="{A9BB92B1-EA33-439E-8E75-B2AD72BAE7A7}"/>
+          </ac:picMkLst>
+        </pc:picChg>
+      </pc:sldChg>
+      <pc:sldChg chg="addSp delSp modSp new mod">
+        <pc:chgData name="Thijs Oudes" userId="1c4e1f6e80555f8e" providerId="LiveId" clId="{99B89918-4C40-40E6-96AD-AAEB896620B6}" dt="2022-03-17T12:37:24.749" v="1993" actId="20577"/>
+        <pc:sldMkLst>
+          <pc:docMk/>
+          <pc:sldMk cId="2580228770" sldId="267"/>
+        </pc:sldMkLst>
+        <pc:spChg chg="mod">
+          <ac:chgData name="Thijs Oudes" userId="1c4e1f6e80555f8e" providerId="LiveId" clId="{99B89918-4C40-40E6-96AD-AAEB896620B6}" dt="2022-03-17T12:37:11.868" v="1981" actId="20577"/>
+          <ac:spMkLst>
+            <pc:docMk/>
+            <pc:sldMk cId="2580228770" sldId="267"/>
+            <ac:spMk id="2" creationId="{7A560A3C-5048-42D5-9676-20B3F4DFE7C8}"/>
+          </ac:spMkLst>
+        </pc:spChg>
+        <pc:spChg chg="del">
+          <ac:chgData name="Thijs Oudes" userId="1c4e1f6e80555f8e" providerId="LiveId" clId="{99B89918-4C40-40E6-96AD-AAEB896620B6}" dt="2022-03-17T12:37:15.159" v="1982" actId="478"/>
+          <ac:spMkLst>
+            <pc:docMk/>
+            <pc:sldMk cId="2580228770" sldId="267"/>
+            <ac:spMk id="3" creationId="{65E79F9B-BD6C-47D6-92CD-D3175ACB50A8}"/>
+          </ac:spMkLst>
+        </pc:spChg>
+        <pc:spChg chg="add mod">
+          <ac:chgData name="Thijs Oudes" userId="1c4e1f6e80555f8e" providerId="LiveId" clId="{99B89918-4C40-40E6-96AD-AAEB896620B6}" dt="2022-03-17T12:37:24.749" v="1993" actId="20577"/>
+          <ac:spMkLst>
+            <pc:docMk/>
+            <pc:sldMk cId="2580228770" sldId="267"/>
+            <ac:spMk id="4" creationId="{0C13E555-1B68-4A2C-8D48-34E194F1117F}"/>
+          </ac:spMkLst>
+        </pc:spChg>
+      </pc:sldChg>
+    </pc:docChg>
+  </pc:docChgLst>
+</pc:chgInfo>
 </file>
 
 <file path=ppt/charts/chart1.xml><?xml version="1.0" encoding="utf-8"?>
@@ -172,7 +438,7 @@
               <a:cs typeface="+mn-cs"/>
             </a:defRPr>
           </a:pPr>
-          <a:endParaRPr lang="en-US"/>
+          <a:endParaRPr lang="en-NL"/>
         </a:p>
       </c:txPr>
     </c:title>
@@ -2805,7 +3071,7 @@
                   <a:cs typeface="+mn-cs"/>
                 </a:defRPr>
               </a:pPr>
-              <a:endParaRPr lang="en-US"/>
+              <a:endParaRPr lang="en-NL"/>
             </a:p>
           </c:txPr>
         </c:title>
@@ -2843,7 +3109,7 @@
                 <a:cs typeface="+mn-cs"/>
               </a:defRPr>
             </a:pPr>
-            <a:endParaRPr lang="en-US"/>
+            <a:endParaRPr lang="en-NL"/>
           </a:p>
         </c:txPr>
         <c:crossAx val="1767837104"/>
@@ -2944,7 +3210,7 @@
                   <a:cs typeface="+mn-cs"/>
                 </a:defRPr>
               </a:pPr>
-              <a:endParaRPr lang="en-US"/>
+              <a:endParaRPr lang="en-NL"/>
             </a:p>
           </c:txPr>
         </c:title>
@@ -2982,7 +3248,7 @@
                 <a:cs typeface="+mn-cs"/>
               </a:defRPr>
             </a:pPr>
-            <a:endParaRPr lang="en-US"/>
+            <a:endParaRPr lang="en-NL"/>
           </a:p>
         </c:txPr>
         <c:crossAx val="1593113264"/>
@@ -3034,7 +3300,7 @@
               <a:cs typeface="+mn-cs"/>
             </a:defRPr>
           </a:pPr>
-          <a:endParaRPr lang="en-US"/>
+          <a:endParaRPr lang="en-NL"/>
         </a:p>
       </c:txPr>
     </c:legend>
@@ -3063,7 +3329,7 @@
       <a:pPr>
         <a:defRPr/>
       </a:pPr>
-      <a:endParaRPr lang="en-US"/>
+      <a:endParaRPr lang="en-NL"/>
     </a:p>
   </c:txPr>
   <c:externalData r:id="rId3">
@@ -3131,7 +3397,7 @@
               <a:cs typeface="+mn-cs"/>
             </a:defRPr>
           </a:pPr>
-          <a:endParaRPr lang="en-US"/>
+          <a:endParaRPr lang="en-NL"/>
         </a:p>
       </c:txPr>
     </c:title>
@@ -5641,7 +5907,7 @@
                   <a:cs typeface="+mn-cs"/>
                 </a:defRPr>
               </a:pPr>
-              <a:endParaRPr lang="en-US"/>
+              <a:endParaRPr lang="en-NL"/>
             </a:p>
           </c:txPr>
         </c:title>
@@ -5679,7 +5945,7 @@
                 <a:cs typeface="+mn-cs"/>
               </a:defRPr>
             </a:pPr>
-            <a:endParaRPr lang="en-US"/>
+            <a:endParaRPr lang="en-NL"/>
           </a:p>
         </c:txPr>
         <c:crossAx val="1767837104"/>
@@ -5780,7 +6046,7 @@
                   <a:cs typeface="+mn-cs"/>
                 </a:defRPr>
               </a:pPr>
-              <a:endParaRPr lang="en-US"/>
+              <a:endParaRPr lang="en-NL"/>
             </a:p>
           </c:txPr>
         </c:title>
@@ -5818,7 +6084,7 @@
                 <a:cs typeface="+mn-cs"/>
               </a:defRPr>
             </a:pPr>
-            <a:endParaRPr lang="en-US"/>
+            <a:endParaRPr lang="en-NL"/>
           </a:p>
         </c:txPr>
         <c:crossAx val="1593113264"/>
@@ -5858,7 +6124,7 @@
       <a:pPr>
         <a:defRPr/>
       </a:pPr>
-      <a:endParaRPr lang="en-US"/>
+      <a:endParaRPr lang="en-NL"/>
     </a:p>
   </c:txPr>
   <c:externalData r:id="rId3">
@@ -5926,7 +6192,7 @@
               <a:cs typeface="+mn-cs"/>
             </a:defRPr>
           </a:pPr>
-          <a:endParaRPr lang="en-US"/>
+          <a:endParaRPr lang="en-NL"/>
         </a:p>
       </c:txPr>
     </c:title>
@@ -8562,7 +8828,7 @@
                   <a:cs typeface="+mn-cs"/>
                 </a:defRPr>
               </a:pPr>
-              <a:endParaRPr lang="en-US"/>
+              <a:endParaRPr lang="en-NL"/>
             </a:p>
           </c:txPr>
         </c:title>
@@ -8600,7 +8866,7 @@
                 <a:cs typeface="+mn-cs"/>
               </a:defRPr>
             </a:pPr>
-            <a:endParaRPr lang="en-US"/>
+            <a:endParaRPr lang="en-NL"/>
           </a:p>
         </c:txPr>
         <c:crossAx val="1767837104"/>
@@ -8709,7 +8975,7 @@
                   <a:cs typeface="+mn-cs"/>
                 </a:defRPr>
               </a:pPr>
-              <a:endParaRPr lang="en-US"/>
+              <a:endParaRPr lang="en-NL"/>
             </a:p>
           </c:txPr>
         </c:title>
@@ -8747,7 +9013,7 @@
                 <a:cs typeface="+mn-cs"/>
               </a:defRPr>
             </a:pPr>
-            <a:endParaRPr lang="en-US"/>
+            <a:endParaRPr lang="en-NL"/>
           </a:p>
         </c:txPr>
         <c:crossAx val="1593113264"/>
@@ -8787,7 +9053,7 @@
       <a:pPr>
         <a:defRPr/>
       </a:pPr>
-      <a:endParaRPr lang="en-US"/>
+      <a:endParaRPr lang="en-NL"/>
     </a:p>
   </c:txPr>
   <c:externalData r:id="rId3">
@@ -10613,7 +10879,7 @@
           <a:p>
             <a:fld id="{ED1D69A2-FB5B-402A-AF16-977A1EC30EE5}" type="datetimeFigureOut">
               <a:rPr lang="en-GB" smtClean="0"/>
-              <a:t>15/03/2022</a:t>
+              <a:t>17/03/2022</a:t>
             </a:fld>
             <a:endParaRPr lang="en-GB"/>
           </a:p>
@@ -10813,7 +11079,7 @@
           <a:p>
             <a:fld id="{ED1D69A2-FB5B-402A-AF16-977A1EC30EE5}" type="datetimeFigureOut">
               <a:rPr lang="en-GB" smtClean="0"/>
-              <a:t>15/03/2022</a:t>
+              <a:t>17/03/2022</a:t>
             </a:fld>
             <a:endParaRPr lang="en-GB"/>
           </a:p>
@@ -11023,7 +11289,7 @@
           <a:p>
             <a:fld id="{ED1D69A2-FB5B-402A-AF16-977A1EC30EE5}" type="datetimeFigureOut">
               <a:rPr lang="en-GB" smtClean="0"/>
-              <a:t>15/03/2022</a:t>
+              <a:t>17/03/2022</a:t>
             </a:fld>
             <a:endParaRPr lang="en-GB"/>
           </a:p>
@@ -11223,7 +11489,7 @@
           <a:p>
             <a:fld id="{ED1D69A2-FB5B-402A-AF16-977A1EC30EE5}" type="datetimeFigureOut">
               <a:rPr lang="en-GB" smtClean="0"/>
-              <a:t>15/03/2022</a:t>
+              <a:t>17/03/2022</a:t>
             </a:fld>
             <a:endParaRPr lang="en-GB"/>
           </a:p>
@@ -11499,7 +11765,7 @@
           <a:p>
             <a:fld id="{ED1D69A2-FB5B-402A-AF16-977A1EC30EE5}" type="datetimeFigureOut">
               <a:rPr lang="en-GB" smtClean="0"/>
-              <a:t>15/03/2022</a:t>
+              <a:t>17/03/2022</a:t>
             </a:fld>
             <a:endParaRPr lang="en-GB"/>
           </a:p>
@@ -11767,7 +12033,7 @@
           <a:p>
             <a:fld id="{ED1D69A2-FB5B-402A-AF16-977A1EC30EE5}" type="datetimeFigureOut">
               <a:rPr lang="en-GB" smtClean="0"/>
-              <a:t>15/03/2022</a:t>
+              <a:t>17/03/2022</a:t>
             </a:fld>
             <a:endParaRPr lang="en-GB"/>
           </a:p>
@@ -12182,7 +12448,7 @@
           <a:p>
             <a:fld id="{ED1D69A2-FB5B-402A-AF16-977A1EC30EE5}" type="datetimeFigureOut">
               <a:rPr lang="en-GB" smtClean="0"/>
-              <a:t>15/03/2022</a:t>
+              <a:t>17/03/2022</a:t>
             </a:fld>
             <a:endParaRPr lang="en-GB"/>
           </a:p>
@@ -12324,7 +12590,7 @@
           <a:p>
             <a:fld id="{ED1D69A2-FB5B-402A-AF16-977A1EC30EE5}" type="datetimeFigureOut">
               <a:rPr lang="en-GB" smtClean="0"/>
-              <a:t>15/03/2022</a:t>
+              <a:t>17/03/2022</a:t>
             </a:fld>
             <a:endParaRPr lang="en-GB"/>
           </a:p>
@@ -12437,7 +12703,7 @@
           <a:p>
             <a:fld id="{ED1D69A2-FB5B-402A-AF16-977A1EC30EE5}" type="datetimeFigureOut">
               <a:rPr lang="en-GB" smtClean="0"/>
-              <a:t>15/03/2022</a:t>
+              <a:t>17/03/2022</a:t>
             </a:fld>
             <a:endParaRPr lang="en-GB"/>
           </a:p>
@@ -12750,7 +13016,7 @@
           <a:p>
             <a:fld id="{ED1D69A2-FB5B-402A-AF16-977A1EC30EE5}" type="datetimeFigureOut">
               <a:rPr lang="en-GB" smtClean="0"/>
-              <a:t>15/03/2022</a:t>
+              <a:t>17/03/2022</a:t>
             </a:fld>
             <a:endParaRPr lang="en-GB"/>
           </a:p>
@@ -13039,7 +13305,7 @@
           <a:p>
             <a:fld id="{ED1D69A2-FB5B-402A-AF16-977A1EC30EE5}" type="datetimeFigureOut">
               <a:rPr lang="en-GB" smtClean="0"/>
-              <a:t>15/03/2022</a:t>
+              <a:t>17/03/2022</a:t>
             </a:fld>
             <a:endParaRPr lang="en-GB"/>
           </a:p>
@@ -13282,7 +13548,7 @@
           <a:p>
             <a:fld id="{ED1D69A2-FB5B-402A-AF16-977A1EC30EE5}" type="datetimeFigureOut">
               <a:rPr lang="en-GB" smtClean="0"/>
-              <a:t>15/03/2022</a:t>
+              <a:t>17/03/2022</a:t>
             </a:fld>
             <a:endParaRPr lang="en-GB"/>
           </a:p>
@@ -13740,6 +14006,222 @@
 </p:sld>
 </file>
 
+<file path=ppt/slides/slide10.xml><?xml version="1.0" encoding="utf-8"?>
+<p:sld xmlns:a="http://schemas.openxmlformats.org/drawingml/2006/main" xmlns:r="http://schemas.openxmlformats.org/officeDocument/2006/relationships" xmlns:p="http://schemas.openxmlformats.org/presentationml/2006/main">
+  <p:cSld>
+    <p:spTree>
+      <p:nvGrpSpPr>
+        <p:cNvPr id="1" name=""/>
+        <p:cNvGrpSpPr/>
+        <p:nvPr/>
+      </p:nvGrpSpPr>
+      <p:grpSpPr>
+        <a:xfrm>
+          <a:off x="0" y="0"/>
+          <a:ext cx="0" cy="0"/>
+          <a:chOff x="0" y="0"/>
+          <a:chExt cx="0" cy="0"/>
+        </a:xfrm>
+      </p:grpSpPr>
+      <p:pic>
+        <p:nvPicPr>
+          <p:cNvPr id="5" name="Picture 4">
+            <a:extLst>
+              <a:ext uri="{FF2B5EF4-FFF2-40B4-BE49-F238E27FC236}">
+                <a16:creationId xmlns:a16="http://schemas.microsoft.com/office/drawing/2014/main" id="{6BAFFB86-340D-4248-8EA7-8058366FAB55}"/>
+              </a:ext>
+            </a:extLst>
+          </p:cNvPr>
+          <p:cNvPicPr>
+            <a:picLocks noChangeAspect="1"/>
+          </p:cNvPicPr>
+          <p:nvPr/>
+        </p:nvPicPr>
+        <p:blipFill rotWithShape="1">
+          <a:blip r:embed="rId2"/>
+          <a:srcRect r="49901" b="50000"/>
+          <a:stretch/>
+        </p:blipFill>
+        <p:spPr>
+          <a:xfrm>
+            <a:off x="1" y="-1"/>
+            <a:ext cx="3684156" cy="2443737"/>
+          </a:xfrm>
+          <a:prstGeom prst="rect">
+            <a:avLst/>
+          </a:prstGeom>
+        </p:spPr>
+      </p:pic>
+      <p:pic>
+        <p:nvPicPr>
+          <p:cNvPr id="7" name="Picture 6">
+            <a:extLst>
+              <a:ext uri="{FF2B5EF4-FFF2-40B4-BE49-F238E27FC236}">
+                <a16:creationId xmlns:a16="http://schemas.microsoft.com/office/drawing/2014/main" id="{B89E934B-910C-4789-813C-5436E0FB77D6}"/>
+              </a:ext>
+            </a:extLst>
+          </p:cNvPr>
+          <p:cNvPicPr>
+            <a:picLocks noChangeAspect="1"/>
+          </p:cNvPicPr>
+          <p:nvPr/>
+        </p:nvPicPr>
+        <p:blipFill rotWithShape="1">
+          <a:blip r:embed="rId2"/>
+          <a:srcRect l="50000" b="50000"/>
+          <a:stretch/>
+        </p:blipFill>
+        <p:spPr>
+          <a:xfrm>
+            <a:off x="4024445" y="0"/>
+            <a:ext cx="3676876" cy="2443738"/>
+          </a:xfrm>
+          <a:prstGeom prst="rect">
+            <a:avLst/>
+          </a:prstGeom>
+        </p:spPr>
+      </p:pic>
+      <p:pic>
+        <p:nvPicPr>
+          <p:cNvPr id="9" name="Picture 8">
+            <a:extLst>
+              <a:ext uri="{FF2B5EF4-FFF2-40B4-BE49-F238E27FC236}">
+                <a16:creationId xmlns:a16="http://schemas.microsoft.com/office/drawing/2014/main" id="{BBA077DD-237D-46C5-93BD-46331AEB654D}"/>
+              </a:ext>
+            </a:extLst>
+          </p:cNvPr>
+          <p:cNvPicPr>
+            <a:picLocks noChangeAspect="1"/>
+          </p:cNvPicPr>
+          <p:nvPr/>
+        </p:nvPicPr>
+        <p:blipFill rotWithShape="1">
+          <a:blip r:embed="rId2"/>
+          <a:srcRect t="52277" r="51170"/>
+          <a:stretch/>
+        </p:blipFill>
+        <p:spPr>
+          <a:xfrm>
+            <a:off x="8471024" y="116297"/>
+            <a:ext cx="3404103" cy="2211139"/>
+          </a:xfrm>
+          <a:prstGeom prst="rect">
+            <a:avLst/>
+          </a:prstGeom>
+        </p:spPr>
+      </p:pic>
+    </p:spTree>
+    <p:extLst>
+      <p:ext uri="{BB962C8B-B14F-4D97-AF65-F5344CB8AC3E}">
+        <p14:creationId xmlns:p14="http://schemas.microsoft.com/office/powerpoint/2010/main" val="2986890126"/>
+      </p:ext>
+    </p:extLst>
+  </p:cSld>
+  <p:clrMapOvr>
+    <a:masterClrMapping/>
+  </p:clrMapOvr>
+</p:sld>
+</file>
+
+<file path=ppt/slides/slide11.xml><?xml version="1.0" encoding="utf-8"?>
+<p:sld xmlns:a="http://schemas.openxmlformats.org/drawingml/2006/main" xmlns:r="http://schemas.openxmlformats.org/officeDocument/2006/relationships" xmlns:p="http://schemas.openxmlformats.org/presentationml/2006/main">
+  <p:cSld>
+    <p:spTree>
+      <p:nvGrpSpPr>
+        <p:cNvPr id="1" name=""/>
+        <p:cNvGrpSpPr/>
+        <p:nvPr/>
+      </p:nvGrpSpPr>
+      <p:grpSpPr>
+        <a:xfrm>
+          <a:off x="0" y="0"/>
+          <a:ext cx="0" cy="0"/>
+          <a:chOff x="0" y="0"/>
+          <a:chExt cx="0" cy="0"/>
+        </a:xfrm>
+      </p:grpSpPr>
+      <p:sp>
+        <p:nvSpPr>
+          <p:cNvPr id="2" name="Title 1">
+            <a:extLst>
+              <a:ext uri="{FF2B5EF4-FFF2-40B4-BE49-F238E27FC236}">
+                <a16:creationId xmlns:a16="http://schemas.microsoft.com/office/drawing/2014/main" id="{7A560A3C-5048-42D5-9676-20B3F4DFE7C8}"/>
+              </a:ext>
+            </a:extLst>
+          </p:cNvPr>
+          <p:cNvSpPr>
+            <a:spLocks noGrp="1"/>
+          </p:cNvSpPr>
+          <p:nvPr>
+            <p:ph type="title"/>
+          </p:nvPr>
+        </p:nvSpPr>
+        <p:spPr/>
+        <p:txBody>
+          <a:bodyPr/>
+          <a:lstStyle/>
+          <a:p>
+            <a:r>
+              <a:rPr lang="en-US" dirty="0"/>
+              <a:t>Next steps</a:t>
+            </a:r>
+            <a:endParaRPr lang="en-NL" dirty="0"/>
+          </a:p>
+        </p:txBody>
+      </p:sp>
+      <p:sp>
+        <p:nvSpPr>
+          <p:cNvPr id="4" name="TextBox 3">
+            <a:extLst>
+              <a:ext uri="{FF2B5EF4-FFF2-40B4-BE49-F238E27FC236}">
+                <a16:creationId xmlns:a16="http://schemas.microsoft.com/office/drawing/2014/main" id="{0C13E555-1B68-4A2C-8D48-34E194F1117F}"/>
+              </a:ext>
+            </a:extLst>
+          </p:cNvPr>
+          <p:cNvSpPr txBox="1"/>
+          <p:nvPr/>
+        </p:nvSpPr>
+        <p:spPr>
+          <a:xfrm>
+            <a:off x="1312752" y="1690688"/>
+            <a:ext cx="4092167" cy="369332"/>
+          </a:xfrm>
+          <a:prstGeom prst="rect">
+            <a:avLst/>
+          </a:prstGeom>
+          <a:noFill/>
+        </p:spPr>
+        <p:txBody>
+          <a:bodyPr wrap="square" rtlCol="0">
+            <a:spAutoFit/>
+          </a:bodyPr>
+          <a:lstStyle/>
+          <a:p>
+            <a:pPr marL="285750" indent="-285750">
+              <a:buFont typeface="Arial" panose="020B0604020202020204" pitchFamily="34" charset="0"/>
+              <a:buChar char="•"/>
+            </a:pPr>
+            <a:r>
+              <a:rPr lang="en-US" dirty="0" err="1"/>
+              <a:t>sfdsfdsgf</a:t>
+            </a:r>
+            <a:endParaRPr lang="en-NL" dirty="0"/>
+          </a:p>
+        </p:txBody>
+      </p:sp>
+    </p:spTree>
+    <p:extLst>
+      <p:ext uri="{BB962C8B-B14F-4D97-AF65-F5344CB8AC3E}">
+        <p14:creationId xmlns:p14="http://schemas.microsoft.com/office/powerpoint/2010/main" val="2580228770"/>
+      </p:ext>
+    </p:extLst>
+  </p:cSld>
+  <p:clrMapOvr>
+    <a:masterClrMapping/>
+  </p:clrMapOvr>
+</p:sld>
+</file>
+
 <file path=ppt/slides/slide2.xml><?xml version="1.0" encoding="utf-8"?>
 <p:sld xmlns:a="http://schemas.openxmlformats.org/drawingml/2006/main" xmlns:r="http://schemas.openxmlformats.org/officeDocument/2006/relationships" xmlns:p="http://schemas.openxmlformats.org/presentationml/2006/main">
   <p:cSld>
@@ -14644,8 +15126,8 @@
         </p:nvSpPr>
         <p:spPr>
           <a:xfrm>
-            <a:off x="1045029" y="1410789"/>
-            <a:ext cx="10110651" cy="1477328"/>
+            <a:off x="2430209" y="2343295"/>
+            <a:ext cx="3834789" cy="1754326"/>
           </a:xfrm>
           <a:prstGeom prst="rect">
             <a:avLst/>
@@ -14664,12 +15146,81 @@
             </a:pPr>
             <a:r>
               <a:rPr lang="en-GB" dirty="0"/>
-              <a:t>4 MATERIALS: AA6070-O, STEEL 4340, Ti-6Al-4V, TUNGSTEN ALLOY</a:t>
+              <a:t>4 MATERIALS:</a:t>
             </a:r>
           </a:p>
           <a:p>
             <a:endParaRPr lang="en-GB" dirty="0"/>
           </a:p>
+          <a:p>
+            <a:pPr marL="742950" lvl="1" indent="-285750">
+              <a:buFont typeface="Arial" panose="020B0604020202020204" pitchFamily="34" charset="0"/>
+              <a:buChar char="•"/>
+            </a:pPr>
+            <a:r>
+              <a:rPr lang="en-GB" dirty="0"/>
+              <a:t>AA6070-O </a:t>
+            </a:r>
+          </a:p>
+          <a:p>
+            <a:pPr marL="742950" lvl="1" indent="-285750">
+              <a:buFont typeface="Arial" panose="020B0604020202020204" pitchFamily="34" charset="0"/>
+              <a:buChar char="•"/>
+            </a:pPr>
+            <a:r>
+              <a:rPr lang="en-GB" dirty="0"/>
+              <a:t>STEEL 4340</a:t>
+            </a:r>
+          </a:p>
+          <a:p>
+            <a:pPr marL="742950" lvl="1" indent="-285750">
+              <a:buFont typeface="Arial" panose="020B0604020202020204" pitchFamily="34" charset="0"/>
+              <a:buChar char="•"/>
+            </a:pPr>
+            <a:r>
+              <a:rPr lang="en-GB" dirty="0"/>
+              <a:t>Ti-6Al-4V</a:t>
+            </a:r>
+          </a:p>
+          <a:p>
+            <a:pPr marL="742950" lvl="1" indent="-285750">
+              <a:buFont typeface="Arial" panose="020B0604020202020204" pitchFamily="34" charset="0"/>
+              <a:buChar char="•"/>
+            </a:pPr>
+            <a:r>
+              <a:rPr lang="en-GB" dirty="0"/>
+              <a:t>TUNGSTEN ALLOY</a:t>
+            </a:r>
+          </a:p>
+        </p:txBody>
+      </p:sp>
+      <p:sp>
+        <p:nvSpPr>
+          <p:cNvPr id="5" name="TextBox 4">
+            <a:extLst>
+              <a:ext uri="{FF2B5EF4-FFF2-40B4-BE49-F238E27FC236}">
+                <a16:creationId xmlns:a16="http://schemas.microsoft.com/office/drawing/2014/main" id="{33635052-D7E8-477A-9323-2B94562FC720}"/>
+              </a:ext>
+            </a:extLst>
+          </p:cNvPr>
+          <p:cNvSpPr txBox="1"/>
+          <p:nvPr/>
+        </p:nvSpPr>
+        <p:spPr>
+          <a:xfrm>
+            <a:off x="4958507" y="2343294"/>
+            <a:ext cx="3834789" cy="1477328"/>
+          </a:xfrm>
+          <a:prstGeom prst="rect">
+            <a:avLst/>
+          </a:prstGeom>
+          <a:noFill/>
+        </p:spPr>
+        <p:txBody>
+          <a:bodyPr wrap="square" rtlCol="0">
+            <a:spAutoFit/>
+          </a:bodyPr>
+          <a:lstStyle/>
           <a:p>
             <a:pPr marL="285750" indent="-285750">
               <a:buFont typeface="Arial" panose="020B0604020202020204" pitchFamily="34" charset="0"/>
@@ -14677,12 +15228,74 @@
             </a:pPr>
             <a:r>
               <a:rPr lang="en-GB" dirty="0"/>
-              <a:t>3 t/d RATIOS: 0.042, 0.084, 0.126</a:t>
+              <a:t>3 t/d RATIOS:</a:t>
             </a:r>
           </a:p>
           <a:p>
-            <a:endParaRPr lang="en-GB" dirty="0"/>
-          </a:p>
+            <a:r>
+              <a:rPr lang="en-GB" dirty="0"/>
+              <a:t> </a:t>
+            </a:r>
+          </a:p>
+          <a:p>
+            <a:pPr marL="742950" lvl="1" indent="-285750">
+              <a:buFont typeface="Arial" panose="020B0604020202020204" pitchFamily="34" charset="0"/>
+              <a:buChar char="•"/>
+            </a:pPr>
+            <a:r>
+              <a:rPr lang="en-GB" dirty="0"/>
+              <a:t>0.042 </a:t>
+            </a:r>
+          </a:p>
+          <a:p>
+            <a:pPr marL="742950" lvl="1" indent="-285750">
+              <a:buFont typeface="Arial" panose="020B0604020202020204" pitchFamily="34" charset="0"/>
+              <a:buChar char="•"/>
+            </a:pPr>
+            <a:r>
+              <a:rPr lang="en-GB" dirty="0"/>
+              <a:t>0.084 </a:t>
+            </a:r>
+          </a:p>
+          <a:p>
+            <a:pPr marL="742950" lvl="1" indent="-285750">
+              <a:buFont typeface="Arial" panose="020B0604020202020204" pitchFamily="34" charset="0"/>
+              <a:buChar char="•"/>
+            </a:pPr>
+            <a:r>
+              <a:rPr lang="en-GB" dirty="0"/>
+              <a:t>0.126</a:t>
+            </a:r>
+          </a:p>
+        </p:txBody>
+      </p:sp>
+      <p:sp>
+        <p:nvSpPr>
+          <p:cNvPr id="7" name="TextBox 6">
+            <a:extLst>
+              <a:ext uri="{FF2B5EF4-FFF2-40B4-BE49-F238E27FC236}">
+                <a16:creationId xmlns:a16="http://schemas.microsoft.com/office/drawing/2014/main" id="{A7B5124C-3B9D-4887-A8F2-172FAF33E74E}"/>
+              </a:ext>
+            </a:extLst>
+          </p:cNvPr>
+          <p:cNvSpPr txBox="1"/>
+          <p:nvPr/>
+        </p:nvSpPr>
+        <p:spPr>
+          <a:xfrm>
+            <a:off x="7029809" y="2343294"/>
+            <a:ext cx="3834789" cy="1477328"/>
+          </a:xfrm>
+          <a:prstGeom prst="rect">
+            <a:avLst/>
+          </a:prstGeom>
+          <a:noFill/>
+        </p:spPr>
+        <p:txBody>
+          <a:bodyPr wrap="square" rtlCol="0">
+            <a:spAutoFit/>
+          </a:bodyPr>
+          <a:lstStyle/>
           <a:p>
             <a:pPr marL="285750" indent="-285750">
               <a:buFont typeface="Arial" panose="020B0604020202020204" pitchFamily="34" charset="0"/>
@@ -14690,7 +15303,40 @@
             </a:pPr>
             <a:r>
               <a:rPr lang="en-GB" dirty="0"/>
-              <a:t>3 VELOCITIES: 5.5, 6.7, 7.5 km/s</a:t>
+              <a:t>3 VELOCITIES [km/s]: </a:t>
+            </a:r>
+          </a:p>
+          <a:p>
+            <a:endParaRPr lang="en-GB" dirty="0"/>
+          </a:p>
+          <a:p>
+            <a:pPr marL="742950" lvl="1" indent="-285750">
+              <a:buFont typeface="Arial" panose="020B0604020202020204" pitchFamily="34" charset="0"/>
+              <a:buChar char="•"/>
+            </a:pPr>
+            <a:r>
+              <a:rPr lang="en-GB" dirty="0"/>
+              <a:t>5.5</a:t>
+            </a:r>
+          </a:p>
+          <a:p>
+            <a:pPr marL="742950" lvl="1" indent="-285750">
+              <a:buFont typeface="Arial" panose="020B0604020202020204" pitchFamily="34" charset="0"/>
+              <a:buChar char="•"/>
+            </a:pPr>
+            <a:r>
+              <a:rPr lang="en-GB" dirty="0"/>
+              <a:t>6.7 </a:t>
+            </a:r>
+          </a:p>
+          <a:p>
+            <a:pPr marL="742950" lvl="1" indent="-285750">
+              <a:buFont typeface="Arial" panose="020B0604020202020204" pitchFamily="34" charset="0"/>
+              <a:buChar char="•"/>
+            </a:pPr>
+            <a:r>
+              <a:rPr lang="en-GB" dirty="0"/>
+              <a:t>7.5</a:t>
             </a:r>
           </a:p>
         </p:txBody>
@@ -14699,6 +15345,837 @@
     <p:extLst>
       <p:ext uri="{BB962C8B-B14F-4D97-AF65-F5344CB8AC3E}">
         <p14:creationId xmlns:p14="http://schemas.microsoft.com/office/powerpoint/2010/main" val="2720453373"/>
+      </p:ext>
+    </p:extLst>
+  </p:cSld>
+  <p:clrMapOvr>
+    <a:masterClrMapping/>
+  </p:clrMapOvr>
+</p:sld>
+</file>
+
+<file path=ppt/slides/slide8.xml><?xml version="1.0" encoding="utf-8"?>
+<p:sld xmlns:a="http://schemas.openxmlformats.org/drawingml/2006/main" xmlns:r="http://schemas.openxmlformats.org/officeDocument/2006/relationships" xmlns:p="http://schemas.openxmlformats.org/presentationml/2006/main">
+  <p:cSld>
+    <p:spTree>
+      <p:nvGrpSpPr>
+        <p:cNvPr id="1" name=""/>
+        <p:cNvGrpSpPr/>
+        <p:nvPr/>
+      </p:nvGrpSpPr>
+      <p:grpSpPr>
+        <a:xfrm>
+          <a:off x="0" y="0"/>
+          <a:ext cx="0" cy="0"/>
+          <a:chOff x="0" y="0"/>
+          <a:chExt cx="0" cy="0"/>
+        </a:xfrm>
+      </p:grpSpPr>
+      <p:pic>
+        <p:nvPicPr>
+          <p:cNvPr id="7" name="Picture 6">
+            <a:extLst>
+              <a:ext uri="{FF2B5EF4-FFF2-40B4-BE49-F238E27FC236}">
+                <a16:creationId xmlns:a16="http://schemas.microsoft.com/office/drawing/2014/main" id="{0D549A20-47F9-4FD3-ACC7-04DBE7B52F99}"/>
+              </a:ext>
+            </a:extLst>
+          </p:cNvPr>
+          <p:cNvPicPr>
+            <a:picLocks noChangeAspect="1"/>
+          </p:cNvPicPr>
+          <p:nvPr/>
+        </p:nvPicPr>
+        <p:blipFill>
+          <a:blip r:embed="rId2"/>
+          <a:stretch>
+            <a:fillRect/>
+          </a:stretch>
+        </p:blipFill>
+        <p:spPr>
+          <a:xfrm>
+            <a:off x="315362" y="174835"/>
+            <a:ext cx="11561275" cy="3737969"/>
+          </a:xfrm>
+          <a:prstGeom prst="rect">
+            <a:avLst/>
+          </a:prstGeom>
+        </p:spPr>
+      </p:pic>
+      <p:sp>
+        <p:nvSpPr>
+          <p:cNvPr id="8" name="TextBox 7">
+            <a:extLst>
+              <a:ext uri="{FF2B5EF4-FFF2-40B4-BE49-F238E27FC236}">
+                <a16:creationId xmlns:a16="http://schemas.microsoft.com/office/drawing/2014/main" id="{E5D9141D-6592-4A14-95F1-F9FC7AFF50BC}"/>
+              </a:ext>
+            </a:extLst>
+          </p:cNvPr>
+          <p:cNvSpPr txBox="1"/>
+          <p:nvPr/>
+        </p:nvSpPr>
+        <p:spPr>
+          <a:xfrm>
+            <a:off x="870641" y="3685981"/>
+            <a:ext cx="2518373" cy="954107"/>
+          </a:xfrm>
+          <a:prstGeom prst="rect">
+            <a:avLst/>
+          </a:prstGeom>
+          <a:noFill/>
+        </p:spPr>
+        <p:txBody>
+          <a:bodyPr wrap="square" rtlCol="0">
+            <a:spAutoFit/>
+          </a:bodyPr>
+          <a:lstStyle/>
+          <a:p>
+            <a:r>
+              <a:rPr lang="en-US" sz="1400" dirty="0">
+                <a:solidFill>
+                  <a:srgbClr val="FF0000"/>
+                </a:solidFill>
+              </a:rPr>
+              <a:t>Red 	– </a:t>
+            </a:r>
+            <a:r>
+              <a:rPr lang="en-GB" sz="1400" dirty="0">
+                <a:solidFill>
+                  <a:srgbClr val="FF0000"/>
+                </a:solidFill>
+              </a:rPr>
+              <a:t>Aluminium</a:t>
+            </a:r>
+          </a:p>
+          <a:p>
+            <a:r>
+              <a:rPr lang="en-US" sz="1400" dirty="0">
+                <a:solidFill>
+                  <a:srgbClr val="002060"/>
+                </a:solidFill>
+              </a:rPr>
+              <a:t>Blue	– Titanium</a:t>
+            </a:r>
+          </a:p>
+          <a:p>
+            <a:r>
+              <a:rPr lang="en-US" sz="1400" dirty="0">
+                <a:solidFill>
+                  <a:srgbClr val="00B0F0"/>
+                </a:solidFill>
+              </a:rPr>
+              <a:t>Cyan 	– Steel</a:t>
+            </a:r>
+          </a:p>
+          <a:p>
+            <a:r>
+              <a:rPr lang="en-US" sz="1400" dirty="0"/>
+              <a:t>Black 	– Tungsten</a:t>
+            </a:r>
+            <a:endParaRPr lang="en-NL" sz="1400" dirty="0"/>
+          </a:p>
+        </p:txBody>
+      </p:sp>
+      <p:sp>
+        <p:nvSpPr>
+          <p:cNvPr id="9" name="TextBox 8">
+            <a:extLst>
+              <a:ext uri="{FF2B5EF4-FFF2-40B4-BE49-F238E27FC236}">
+                <a16:creationId xmlns:a16="http://schemas.microsoft.com/office/drawing/2014/main" id="{F988CE14-D35E-428B-9936-062339C8F103}"/>
+              </a:ext>
+            </a:extLst>
+          </p:cNvPr>
+          <p:cNvSpPr txBox="1"/>
+          <p:nvPr/>
+        </p:nvSpPr>
+        <p:spPr>
+          <a:xfrm>
+            <a:off x="2981612" y="3912804"/>
+            <a:ext cx="2643611" cy="1015663"/>
+          </a:xfrm>
+          <a:prstGeom prst="rect">
+            <a:avLst/>
+          </a:prstGeom>
+          <a:noFill/>
+        </p:spPr>
+        <p:txBody>
+          <a:bodyPr wrap="square" rtlCol="0">
+            <a:spAutoFit/>
+          </a:bodyPr>
+          <a:lstStyle/>
+          <a:p>
+            <a:r>
+              <a:rPr lang="en-US" sz="1400" dirty="0">
+                <a:latin typeface="Calibri" panose="020F0502020204030204" pitchFamily="34" charset="0"/>
+                <a:cs typeface="Calibri" panose="020F0502020204030204" pitchFamily="34" charset="0"/>
+              </a:rPr>
+              <a:t>∆ - t/d = 0.0418</a:t>
+            </a:r>
+          </a:p>
+          <a:p>
+            <a:r>
+              <a:rPr lang="en-US" sz="1400" dirty="0">
+                <a:latin typeface="Calibri" panose="020F0502020204030204" pitchFamily="34" charset="0"/>
+                <a:cs typeface="Calibri" panose="020F0502020204030204" pitchFamily="34" charset="0"/>
+              </a:rPr>
+              <a:t>▪ - t/d = 0.0835</a:t>
+            </a:r>
+          </a:p>
+          <a:p>
+            <a:r>
+              <a:rPr lang="en-US" sz="1400" dirty="0">
+                <a:latin typeface="Calibri" panose="020F0502020204030204" pitchFamily="34" charset="0"/>
+                <a:cs typeface="Calibri" panose="020F0502020204030204" pitchFamily="34" charset="0"/>
+              </a:rPr>
+              <a:t>▫ - t/d = 0.1253</a:t>
+            </a:r>
+          </a:p>
+          <a:p>
+            <a:endParaRPr lang="en-NL" dirty="0"/>
+          </a:p>
+        </p:txBody>
+      </p:sp>
+      <p:sp>
+        <p:nvSpPr>
+          <p:cNvPr id="10" name="TextBox 9">
+            <a:extLst>
+              <a:ext uri="{FF2B5EF4-FFF2-40B4-BE49-F238E27FC236}">
+                <a16:creationId xmlns:a16="http://schemas.microsoft.com/office/drawing/2014/main" id="{BBBD92E9-AD98-4E84-BAB1-63DED0F47318}"/>
+              </a:ext>
+            </a:extLst>
+          </p:cNvPr>
+          <p:cNvSpPr txBox="1"/>
+          <p:nvPr/>
+        </p:nvSpPr>
+        <p:spPr>
+          <a:xfrm>
+            <a:off x="6636188" y="3439760"/>
+            <a:ext cx="2996699" cy="1446550"/>
+          </a:xfrm>
+          <a:prstGeom prst="rect">
+            <a:avLst/>
+          </a:prstGeom>
+          <a:noFill/>
+        </p:spPr>
+        <p:txBody>
+          <a:bodyPr wrap="square" rtlCol="0">
+            <a:spAutoFit/>
+          </a:bodyPr>
+          <a:lstStyle/>
+          <a:p>
+            <a:r>
+              <a:rPr lang="en-US" sz="1400" dirty="0">
+                <a:latin typeface="Calibri" panose="020F0502020204030204" pitchFamily="34" charset="0"/>
+                <a:cs typeface="Calibri" panose="020F0502020204030204" pitchFamily="34" charset="0"/>
+              </a:rPr>
+              <a:t>R1 = Target hole diameter</a:t>
+            </a:r>
+          </a:p>
+          <a:p>
+            <a:r>
+              <a:rPr lang="en-US" sz="1400" dirty="0">
+                <a:latin typeface="Calibri" panose="020F0502020204030204" pitchFamily="34" charset="0"/>
+                <a:cs typeface="Calibri" panose="020F0502020204030204" pitchFamily="34" charset="0"/>
+              </a:rPr>
+              <a:t>R2 = Debris cloud diameter</a:t>
+            </a:r>
+          </a:p>
+          <a:p>
+            <a:r>
+              <a:rPr lang="en-US" sz="1400" dirty="0">
+                <a:latin typeface="Calibri" panose="020F0502020204030204" pitchFamily="34" charset="0"/>
+                <a:cs typeface="Calibri" panose="020F0502020204030204" pitchFamily="34" charset="0"/>
+              </a:rPr>
+              <a:t>R3 = Percentage of solid material</a:t>
+            </a:r>
+          </a:p>
+          <a:p>
+            <a:r>
+              <a:rPr lang="en-US" sz="1400" dirty="0">
+                <a:latin typeface="Calibri" panose="020F0502020204030204" pitchFamily="34" charset="0"/>
+                <a:cs typeface="Calibri" panose="020F0502020204030204" pitchFamily="34" charset="0"/>
+              </a:rPr>
+              <a:t>R4 = Residual velocity</a:t>
+            </a:r>
+          </a:p>
+          <a:p>
+            <a:r>
+              <a:rPr lang="en-US" sz="1400" dirty="0">
+                <a:latin typeface="Calibri" panose="020F0502020204030204" pitchFamily="34" charset="0"/>
+                <a:cs typeface="Calibri" panose="020F0502020204030204" pitchFamily="34" charset="0"/>
+              </a:rPr>
+              <a:t>R5 = Conversion due to temperature</a:t>
+            </a:r>
+          </a:p>
+          <a:p>
+            <a:endParaRPr lang="en-NL" dirty="0"/>
+          </a:p>
+        </p:txBody>
+      </p:sp>
+      <p:sp>
+        <p:nvSpPr>
+          <p:cNvPr id="11" name="TextBox 10">
+            <a:extLst>
+              <a:ext uri="{FF2B5EF4-FFF2-40B4-BE49-F238E27FC236}">
+                <a16:creationId xmlns:a16="http://schemas.microsoft.com/office/drawing/2014/main" id="{6DB754ED-F6A2-4B28-9BA6-433128788421}"/>
+              </a:ext>
+            </a:extLst>
+          </p:cNvPr>
+          <p:cNvSpPr txBox="1"/>
+          <p:nvPr/>
+        </p:nvSpPr>
+        <p:spPr>
+          <a:xfrm>
+            <a:off x="383263" y="4762122"/>
+            <a:ext cx="6011501" cy="2308324"/>
+          </a:xfrm>
+          <a:prstGeom prst="rect">
+            <a:avLst/>
+          </a:prstGeom>
+          <a:noFill/>
+        </p:spPr>
+        <p:txBody>
+          <a:bodyPr wrap="square" rtlCol="0">
+            <a:spAutoFit/>
+          </a:bodyPr>
+          <a:lstStyle/>
+          <a:p>
+            <a:r>
+              <a:rPr lang="en-US" dirty="0"/>
+              <a:t>Observations:</a:t>
+            </a:r>
+          </a:p>
+          <a:p>
+            <a:pPr marL="285750" indent="-285750">
+              <a:buFont typeface="Arial" panose="020B0604020202020204" pitchFamily="34" charset="0"/>
+              <a:buChar char="•"/>
+            </a:pPr>
+            <a:r>
+              <a:rPr lang="en-US" dirty="0"/>
+              <a:t>PC1 &gt; 3PC2</a:t>
+            </a:r>
+          </a:p>
+          <a:p>
+            <a:pPr marL="285750" indent="-285750">
+              <a:buFont typeface="Arial" panose="020B0604020202020204" pitchFamily="34" charset="0"/>
+              <a:buChar char="•"/>
+            </a:pPr>
+            <a:r>
+              <a:rPr lang="en-US" dirty="0"/>
+              <a:t>Equal spacing between material groups</a:t>
+            </a:r>
+          </a:p>
+          <a:p>
+            <a:pPr marL="285750" indent="-285750">
+              <a:buFont typeface="Arial" panose="020B0604020202020204" pitchFamily="34" charset="0"/>
+              <a:buChar char="•"/>
+            </a:pPr>
+            <a:r>
+              <a:rPr lang="en-US" dirty="0"/>
+              <a:t>Overlap between groups</a:t>
+            </a:r>
+          </a:p>
+          <a:p>
+            <a:pPr marL="742950" lvl="1" indent="-285750">
+              <a:buFont typeface="Arial" panose="020B0604020202020204" pitchFamily="34" charset="0"/>
+              <a:buChar char="•"/>
+            </a:pPr>
+            <a:r>
+              <a:rPr lang="en-US" dirty="0"/>
+              <a:t>E.g. Thick wall Alu. low vel. ≈ Thin wall </a:t>
+            </a:r>
+            <a:r>
+              <a:rPr lang="en-US" dirty="0" err="1"/>
+              <a:t>Ti</a:t>
+            </a:r>
+            <a:r>
+              <a:rPr lang="en-US" dirty="0"/>
+              <a:t>. low vel.</a:t>
+            </a:r>
+          </a:p>
+          <a:p>
+            <a:pPr marL="285750" indent="-285750">
+              <a:buFont typeface="Arial" panose="020B0604020202020204" pitchFamily="34" charset="0"/>
+              <a:buChar char="•"/>
+            </a:pPr>
+            <a:endParaRPr lang="en-US" dirty="0"/>
+          </a:p>
+          <a:p>
+            <a:pPr marL="285750" indent="-285750">
+              <a:buFont typeface="Arial" panose="020B0604020202020204" pitchFamily="34" charset="0"/>
+              <a:buChar char="•"/>
+            </a:pPr>
+            <a:endParaRPr lang="en-US" dirty="0"/>
+          </a:p>
+          <a:p>
+            <a:pPr marL="285750" indent="-285750">
+              <a:buFont typeface="Arial" panose="020B0604020202020204" pitchFamily="34" charset="0"/>
+              <a:buChar char="•"/>
+            </a:pPr>
+            <a:endParaRPr lang="en-US" dirty="0"/>
+          </a:p>
+        </p:txBody>
+      </p:sp>
+    </p:spTree>
+    <p:extLst>
+      <p:ext uri="{BB962C8B-B14F-4D97-AF65-F5344CB8AC3E}">
+        <p14:creationId xmlns:p14="http://schemas.microsoft.com/office/powerpoint/2010/main" val="4231696852"/>
+      </p:ext>
+    </p:extLst>
+  </p:cSld>
+  <p:clrMapOvr>
+    <a:masterClrMapping/>
+  </p:clrMapOvr>
+</p:sld>
+</file>
+
+<file path=ppt/slides/slide9.xml><?xml version="1.0" encoding="utf-8"?>
+<p:sld xmlns:a="http://schemas.openxmlformats.org/drawingml/2006/main" xmlns:r="http://schemas.openxmlformats.org/officeDocument/2006/relationships" xmlns:p="http://schemas.openxmlformats.org/presentationml/2006/main">
+  <p:cSld>
+    <p:spTree>
+      <p:nvGrpSpPr>
+        <p:cNvPr id="1" name=""/>
+        <p:cNvGrpSpPr/>
+        <p:nvPr/>
+      </p:nvGrpSpPr>
+      <p:grpSpPr>
+        <a:xfrm>
+          <a:off x="0" y="0"/>
+          <a:ext cx="0" cy="0"/>
+          <a:chOff x="0" y="0"/>
+          <a:chExt cx="0" cy="0"/>
+        </a:xfrm>
+      </p:grpSpPr>
+      <p:sp>
+        <p:nvSpPr>
+          <p:cNvPr id="2" name="Title 1">
+            <a:extLst>
+              <a:ext uri="{FF2B5EF4-FFF2-40B4-BE49-F238E27FC236}">
+                <a16:creationId xmlns:a16="http://schemas.microsoft.com/office/drawing/2014/main" id="{EA18D626-D15E-41AF-AA32-2162A26305C5}"/>
+              </a:ext>
+            </a:extLst>
+          </p:cNvPr>
+          <p:cNvSpPr>
+            <a:spLocks noGrp="1"/>
+          </p:cNvSpPr>
+          <p:nvPr>
+            <p:ph type="title"/>
+          </p:nvPr>
+        </p:nvSpPr>
+        <p:spPr/>
+        <p:txBody>
+          <a:bodyPr/>
+          <a:lstStyle/>
+          <a:p>
+            <a:endParaRPr lang="en-NL"/>
+          </a:p>
+        </p:txBody>
+      </p:sp>
+      <p:pic>
+        <p:nvPicPr>
+          <p:cNvPr id="4" name="Picture 3">
+            <a:extLst>
+              <a:ext uri="{FF2B5EF4-FFF2-40B4-BE49-F238E27FC236}">
+                <a16:creationId xmlns:a16="http://schemas.microsoft.com/office/drawing/2014/main" id="{A9BB92B1-EA33-439E-8E75-B2AD72BAE7A7}"/>
+              </a:ext>
+            </a:extLst>
+          </p:cNvPr>
+          <p:cNvPicPr>
+            <a:picLocks noChangeAspect="1"/>
+          </p:cNvPicPr>
+          <p:nvPr/>
+        </p:nvPicPr>
+        <p:blipFill>
+          <a:blip r:embed="rId2"/>
+          <a:stretch>
+            <a:fillRect/>
+          </a:stretch>
+        </p:blipFill>
+        <p:spPr>
+          <a:xfrm>
+            <a:off x="315362" y="174835"/>
+            <a:ext cx="11561275" cy="3737969"/>
+          </a:xfrm>
+          <a:prstGeom prst="rect">
+            <a:avLst/>
+          </a:prstGeom>
+        </p:spPr>
+      </p:pic>
+      <p:sp>
+        <p:nvSpPr>
+          <p:cNvPr id="5" name="TextBox 4">
+            <a:extLst>
+              <a:ext uri="{FF2B5EF4-FFF2-40B4-BE49-F238E27FC236}">
+                <a16:creationId xmlns:a16="http://schemas.microsoft.com/office/drawing/2014/main" id="{E9A298FD-5C24-4C8C-A5F9-2DC06010FBC2}"/>
+              </a:ext>
+            </a:extLst>
+          </p:cNvPr>
+          <p:cNvSpPr txBox="1"/>
+          <p:nvPr/>
+        </p:nvSpPr>
+        <p:spPr>
+          <a:xfrm>
+            <a:off x="84498" y="3912804"/>
+            <a:ext cx="6011501" cy="4524315"/>
+          </a:xfrm>
+          <a:prstGeom prst="rect">
+            <a:avLst/>
+          </a:prstGeom>
+          <a:noFill/>
+        </p:spPr>
+        <p:txBody>
+          <a:bodyPr wrap="square" rtlCol="0">
+            <a:spAutoFit/>
+          </a:bodyPr>
+          <a:lstStyle/>
+          <a:p>
+            <a:r>
+              <a:rPr lang="en-US" dirty="0"/>
+              <a:t>Observations:</a:t>
+            </a:r>
+          </a:p>
+          <a:p>
+            <a:pPr marL="285750" indent="-285750">
+              <a:buFont typeface="Arial" panose="020B0604020202020204" pitchFamily="34" charset="0"/>
+              <a:buChar char="•"/>
+            </a:pPr>
+            <a:r>
+              <a:rPr lang="en-US" dirty="0"/>
+              <a:t>Material properties and t/d ratio affect all</a:t>
+            </a:r>
+          </a:p>
+          <a:p>
+            <a:pPr marL="742950" lvl="1" indent="-285750">
+              <a:buFont typeface="Arial" panose="020B0604020202020204" pitchFamily="34" charset="0"/>
+              <a:buChar char="•"/>
+            </a:pPr>
+            <a:r>
+              <a:rPr lang="en-US" dirty="0"/>
+              <a:t>Percentage of solid material more sensitive than residual velocity (horizontal axis)</a:t>
+            </a:r>
+          </a:p>
+          <a:p>
+            <a:pPr marL="285750" indent="-285750">
+              <a:buFont typeface="Arial" panose="020B0604020202020204" pitchFamily="34" charset="0"/>
+              <a:buChar char="•"/>
+            </a:pPr>
+            <a:r>
+              <a:rPr lang="en-US" b="1" dirty="0"/>
+              <a:t>Input velocity has little impact on</a:t>
+            </a:r>
+            <a:r>
+              <a:rPr lang="en-US" dirty="0"/>
+              <a:t>:</a:t>
+            </a:r>
+          </a:p>
+          <a:p>
+            <a:pPr marL="742950" lvl="1" indent="-285750">
+              <a:buFont typeface="Arial" panose="020B0604020202020204" pitchFamily="34" charset="0"/>
+              <a:buChar char="•"/>
+            </a:pPr>
+            <a:r>
+              <a:rPr lang="en-US" dirty="0"/>
+              <a:t>Hole diameter</a:t>
+            </a:r>
+          </a:p>
+          <a:p>
+            <a:pPr marL="742950" lvl="1" indent="-285750">
+              <a:buFont typeface="Arial" panose="020B0604020202020204" pitchFamily="34" charset="0"/>
+              <a:buChar char="•"/>
+            </a:pPr>
+            <a:r>
+              <a:rPr lang="en-US" dirty="0"/>
+              <a:t>Cloud diameter</a:t>
+            </a:r>
+          </a:p>
+          <a:p>
+            <a:pPr marL="742950" lvl="1" indent="-285750">
+              <a:buFont typeface="Arial" panose="020B0604020202020204" pitchFamily="34" charset="0"/>
+              <a:buChar char="•"/>
+            </a:pPr>
+            <a:r>
+              <a:rPr lang="en-US" dirty="0"/>
+              <a:t>Conversion due to temperature</a:t>
+            </a:r>
+          </a:p>
+          <a:p>
+            <a:pPr marL="285750" indent="-285750">
+              <a:buFont typeface="Arial" panose="020B0604020202020204" pitchFamily="34" charset="0"/>
+              <a:buChar char="•"/>
+            </a:pPr>
+            <a:r>
+              <a:rPr lang="en-US" dirty="0"/>
+              <a:t>Input velocity affects: percentage of solid material &amp; residual velocity</a:t>
+            </a:r>
+          </a:p>
+          <a:p>
+            <a:pPr marL="285750" indent="-285750">
+              <a:buFont typeface="Arial" panose="020B0604020202020204" pitchFamily="34" charset="0"/>
+              <a:buChar char="•"/>
+            </a:pPr>
+            <a:r>
+              <a:rPr lang="en-US" dirty="0"/>
+              <a:t>Inverse correlation between percentage of solid material and residual velocity</a:t>
+            </a:r>
+          </a:p>
+          <a:p>
+            <a:pPr marL="285750" indent="-285750">
+              <a:buFont typeface="Arial" panose="020B0604020202020204" pitchFamily="34" charset="0"/>
+              <a:buChar char="•"/>
+            </a:pPr>
+            <a:endParaRPr lang="en-US" dirty="0"/>
+          </a:p>
+          <a:p>
+            <a:pPr marL="742950" lvl="1" indent="-285750">
+              <a:buFont typeface="Arial" panose="020B0604020202020204" pitchFamily="34" charset="0"/>
+              <a:buChar char="•"/>
+            </a:pPr>
+            <a:endParaRPr lang="en-US" dirty="0"/>
+          </a:p>
+          <a:p>
+            <a:pPr marL="285750" indent="-285750">
+              <a:buFont typeface="Arial" panose="020B0604020202020204" pitchFamily="34" charset="0"/>
+              <a:buChar char="•"/>
+            </a:pPr>
+            <a:endParaRPr lang="en-US" dirty="0"/>
+          </a:p>
+          <a:p>
+            <a:pPr marL="285750" indent="-285750">
+              <a:buFont typeface="Arial" panose="020B0604020202020204" pitchFamily="34" charset="0"/>
+              <a:buChar char="•"/>
+            </a:pPr>
+            <a:endParaRPr lang="en-US" dirty="0"/>
+          </a:p>
+        </p:txBody>
+      </p:sp>
+      <p:sp>
+        <p:nvSpPr>
+          <p:cNvPr id="6" name="TextBox 5">
+            <a:extLst>
+              <a:ext uri="{FF2B5EF4-FFF2-40B4-BE49-F238E27FC236}">
+                <a16:creationId xmlns:a16="http://schemas.microsoft.com/office/drawing/2014/main" id="{31C5670B-DB82-4E3D-BC7C-0A19E4F0D10F}"/>
+              </a:ext>
+            </a:extLst>
+          </p:cNvPr>
+          <p:cNvSpPr txBox="1"/>
+          <p:nvPr/>
+        </p:nvSpPr>
+        <p:spPr>
+          <a:xfrm>
+            <a:off x="6636188" y="3439760"/>
+            <a:ext cx="2996699" cy="1446550"/>
+          </a:xfrm>
+          <a:prstGeom prst="rect">
+            <a:avLst/>
+          </a:prstGeom>
+          <a:noFill/>
+        </p:spPr>
+        <p:txBody>
+          <a:bodyPr wrap="square" rtlCol="0">
+            <a:spAutoFit/>
+          </a:bodyPr>
+          <a:lstStyle/>
+          <a:p>
+            <a:r>
+              <a:rPr lang="en-US" sz="1400" dirty="0">
+                <a:latin typeface="Calibri" panose="020F0502020204030204" pitchFamily="34" charset="0"/>
+                <a:cs typeface="Calibri" panose="020F0502020204030204" pitchFamily="34" charset="0"/>
+              </a:rPr>
+              <a:t>R1 = Target hole diameter</a:t>
+            </a:r>
+          </a:p>
+          <a:p>
+            <a:r>
+              <a:rPr lang="en-US" sz="1400" dirty="0">
+                <a:latin typeface="Calibri" panose="020F0502020204030204" pitchFamily="34" charset="0"/>
+                <a:cs typeface="Calibri" panose="020F0502020204030204" pitchFamily="34" charset="0"/>
+              </a:rPr>
+              <a:t>R2 = Debris cloud diameter</a:t>
+            </a:r>
+          </a:p>
+          <a:p>
+            <a:r>
+              <a:rPr lang="en-US" sz="1400" dirty="0">
+                <a:latin typeface="Calibri" panose="020F0502020204030204" pitchFamily="34" charset="0"/>
+                <a:cs typeface="Calibri" panose="020F0502020204030204" pitchFamily="34" charset="0"/>
+              </a:rPr>
+              <a:t>R3 = Percentage of solid material</a:t>
+            </a:r>
+          </a:p>
+          <a:p>
+            <a:r>
+              <a:rPr lang="en-US" sz="1400" dirty="0">
+                <a:latin typeface="Calibri" panose="020F0502020204030204" pitchFamily="34" charset="0"/>
+                <a:cs typeface="Calibri" panose="020F0502020204030204" pitchFamily="34" charset="0"/>
+              </a:rPr>
+              <a:t>R4 = Residual velocity</a:t>
+            </a:r>
+          </a:p>
+          <a:p>
+            <a:r>
+              <a:rPr lang="en-US" sz="1400" dirty="0">
+                <a:latin typeface="Calibri" panose="020F0502020204030204" pitchFamily="34" charset="0"/>
+                <a:cs typeface="Calibri" panose="020F0502020204030204" pitchFamily="34" charset="0"/>
+              </a:rPr>
+              <a:t>R5 = Conversion due to temperature</a:t>
+            </a:r>
+          </a:p>
+          <a:p>
+            <a:endParaRPr lang="en-NL" dirty="0"/>
+          </a:p>
+        </p:txBody>
+      </p:sp>
+      <p:sp>
+        <p:nvSpPr>
+          <p:cNvPr id="7" name="TextBox 6">
+            <a:extLst>
+              <a:ext uri="{FF2B5EF4-FFF2-40B4-BE49-F238E27FC236}">
+                <a16:creationId xmlns:a16="http://schemas.microsoft.com/office/drawing/2014/main" id="{6A034EFA-ADD9-48FD-B4DB-0111787D6E1A}"/>
+              </a:ext>
+            </a:extLst>
+          </p:cNvPr>
+          <p:cNvSpPr txBox="1"/>
+          <p:nvPr/>
+        </p:nvSpPr>
+        <p:spPr>
+          <a:xfrm>
+            <a:off x="5865136" y="4656925"/>
+            <a:ext cx="6011501" cy="4524315"/>
+          </a:xfrm>
+          <a:prstGeom prst="rect">
+            <a:avLst/>
+          </a:prstGeom>
+          <a:noFill/>
+        </p:spPr>
+        <p:txBody>
+          <a:bodyPr wrap="square" rtlCol="0">
+            <a:spAutoFit/>
+          </a:bodyPr>
+          <a:lstStyle/>
+          <a:p>
+            <a:pPr marL="742950" lvl="1" indent="-285750">
+              <a:buFont typeface="Arial" panose="020B0604020202020204" pitchFamily="34" charset="0"/>
+              <a:buChar char="•"/>
+            </a:pPr>
+            <a:r>
+              <a:rPr lang="en-US" dirty="0"/>
+              <a:t>Target hole diameter, debris cloud diameter and conversion due to temperature are equally sensitive to all input parameter changes</a:t>
+            </a:r>
+          </a:p>
+          <a:p>
+            <a:pPr marL="742950" lvl="1" indent="-285750">
+              <a:buFont typeface="Arial" panose="020B0604020202020204" pitchFamily="34" charset="0"/>
+              <a:buChar char="•"/>
+            </a:pPr>
+            <a:r>
+              <a:rPr lang="en-US" dirty="0"/>
+              <a:t>Lower velocity simulations have a higher percentage velocity decrease</a:t>
+            </a:r>
+          </a:p>
+          <a:p>
+            <a:pPr marL="742950" lvl="1" indent="-285750">
+              <a:buFont typeface="Arial" panose="020B0604020202020204" pitchFamily="34" charset="0"/>
+              <a:buChar char="•"/>
+            </a:pPr>
+            <a:r>
+              <a:rPr lang="en-US" dirty="0"/>
+              <a:t>Increasing velocity does not strictly result in larger target hole diameter</a:t>
+            </a:r>
+          </a:p>
+          <a:p>
+            <a:pPr marL="742950" lvl="1" indent="-285750">
+              <a:buFont typeface="Arial" panose="020B0604020202020204" pitchFamily="34" charset="0"/>
+              <a:buChar char="•"/>
+            </a:pPr>
+            <a:r>
+              <a:rPr lang="en-US" dirty="0"/>
+              <a:t>Increasing t/d leads:</a:t>
+            </a:r>
+          </a:p>
+          <a:p>
+            <a:pPr marL="1200150" lvl="2" indent="-285750">
+              <a:buFont typeface="Arial" panose="020B0604020202020204" pitchFamily="34" charset="0"/>
+              <a:buChar char="•"/>
+            </a:pPr>
+            <a:r>
+              <a:rPr lang="en-US" dirty="0"/>
+              <a:t>to lower percentage of solid material</a:t>
+            </a:r>
+          </a:p>
+          <a:p>
+            <a:pPr marL="1200150" lvl="2" indent="-285750">
+              <a:buFont typeface="Arial" panose="020B0604020202020204" pitchFamily="34" charset="0"/>
+              <a:buChar char="•"/>
+            </a:pPr>
+            <a:r>
+              <a:rPr lang="en-US" dirty="0"/>
+              <a:t>higher conversion due to temperature</a:t>
+            </a:r>
+          </a:p>
+          <a:p>
+            <a:pPr marL="1200150" lvl="2" indent="-285750">
+              <a:buFont typeface="Arial" panose="020B0604020202020204" pitchFamily="34" charset="0"/>
+              <a:buChar char="•"/>
+            </a:pPr>
+            <a:r>
+              <a:rPr lang="en-US" dirty="0"/>
+              <a:t>decreasing residual velocity </a:t>
+            </a:r>
+          </a:p>
+          <a:p>
+            <a:pPr marL="1200150" lvl="2" indent="-285750">
+              <a:buFont typeface="Arial" panose="020B0604020202020204" pitchFamily="34" charset="0"/>
+              <a:buChar char="•"/>
+            </a:pPr>
+            <a:r>
+              <a:rPr lang="en-US" dirty="0"/>
+              <a:t>increased cloud diameter </a:t>
+            </a:r>
+          </a:p>
+          <a:p>
+            <a:pPr marL="1200150" lvl="2" indent="-285750">
+              <a:buFont typeface="Arial" panose="020B0604020202020204" pitchFamily="34" charset="0"/>
+              <a:buChar char="•"/>
+            </a:pPr>
+            <a:r>
+              <a:rPr lang="en-US" dirty="0"/>
+              <a:t>i</a:t>
+            </a:r>
+            <a:r>
+              <a:rPr lang="en-US"/>
+              <a:t>ncreased </a:t>
+            </a:r>
+            <a:r>
+              <a:rPr lang="en-US" dirty="0"/>
+              <a:t>hole diameter</a:t>
+            </a:r>
+          </a:p>
+          <a:p>
+            <a:pPr marL="742950" lvl="1" indent="-285750">
+              <a:buFont typeface="Arial" panose="020B0604020202020204" pitchFamily="34" charset="0"/>
+              <a:buChar char="•"/>
+            </a:pPr>
+            <a:endParaRPr lang="en-US" dirty="0"/>
+          </a:p>
+          <a:p>
+            <a:pPr marL="285750" indent="-285750">
+              <a:buFont typeface="Arial" panose="020B0604020202020204" pitchFamily="34" charset="0"/>
+              <a:buChar char="•"/>
+            </a:pPr>
+            <a:endParaRPr lang="en-US" dirty="0"/>
+          </a:p>
+          <a:p>
+            <a:pPr marL="285750" indent="-285750">
+              <a:buFont typeface="Arial" panose="020B0604020202020204" pitchFamily="34" charset="0"/>
+              <a:buChar char="•"/>
+            </a:pPr>
+            <a:endParaRPr lang="en-US" dirty="0"/>
+          </a:p>
+        </p:txBody>
+      </p:sp>
+    </p:spTree>
+    <p:extLst>
+      <p:ext uri="{BB962C8B-B14F-4D97-AF65-F5344CB8AC3E}">
+        <p14:creationId xmlns:p14="http://schemas.microsoft.com/office/powerpoint/2010/main" val="1316816158"/>
       </p:ext>
     </p:extLst>
   </p:cSld>

--- a/Results_Presentation.pptx
+++ b/Results_Presentation.pptx
@@ -6,9 +6,9 @@
   </p:sldMasterIdLst>
   <p:sldIdLst>
     <p:sldId id="256" r:id="rId2"/>
-    <p:sldId id="259" r:id="rId3"/>
-    <p:sldId id="263" r:id="rId4"/>
-    <p:sldId id="257" r:id="rId5"/>
+    <p:sldId id="257" r:id="rId3"/>
+    <p:sldId id="259" r:id="rId4"/>
+    <p:sldId id="263" r:id="rId5"/>
     <p:sldId id="260" r:id="rId6"/>
     <p:sldId id="261" r:id="rId7"/>
     <p:sldId id="262" r:id="rId8"/>
@@ -409,8 +409,8 @@
         <c:manualLayout>
           <c:xMode val="edge"/>
           <c:yMode val="edge"/>
-          <c:x val="0.20079717313584067"/>
-          <c:y val="5.3910538974868048E-2"/>
+          <c:x val="0.23627626557214176"/>
+          <c:y val="4.3976395318638457E-2"/>
         </c:manualLayout>
       </c:layout>
       <c:overlay val="0"/>
@@ -438,7 +438,7 @@
               <a:cs typeface="+mn-cs"/>
             </a:defRPr>
           </a:pPr>
-          <a:endParaRPr lang="en-NL"/>
+          <a:endParaRPr lang="en-US"/>
         </a:p>
       </c:txPr>
     </c:title>
@@ -511,7 +511,7 @@
           <c:smooth val="0"/>
           <c:extLst>
             <c:ext xmlns:c16="http://schemas.microsoft.com/office/drawing/2014/chart" uri="{C3380CC4-5D6E-409C-BE32-E72D297353CC}">
-              <c16:uniqueId val="{00000000-D159-4886-9D5F-A6E88C419614}"/>
+              <c16:uniqueId val="{00000000-E55F-427E-912F-EEE1690DF2E9}"/>
             </c:ext>
           </c:extLst>
         </c:ser>
@@ -578,7 +578,7 @@
           <c:smooth val="0"/>
           <c:extLst>
             <c:ext xmlns:c16="http://schemas.microsoft.com/office/drawing/2014/chart" uri="{C3380CC4-5D6E-409C-BE32-E72D297353CC}">
-              <c16:uniqueId val="{00000001-D159-4886-9D5F-A6E88C419614}"/>
+              <c16:uniqueId val="{00000001-E55F-427E-912F-EEE1690DF2E9}"/>
             </c:ext>
           </c:extLst>
         </c:ser>
@@ -645,7 +645,7 @@
           <c:smooth val="0"/>
           <c:extLst>
             <c:ext xmlns:c16="http://schemas.microsoft.com/office/drawing/2014/chart" uri="{C3380CC4-5D6E-409C-BE32-E72D297353CC}">
-              <c16:uniqueId val="{00000002-D159-4886-9D5F-A6E88C419614}"/>
+              <c16:uniqueId val="{00000002-E55F-427E-912F-EEE1690DF2E9}"/>
             </c:ext>
           </c:extLst>
         </c:ser>
@@ -712,7 +712,77 @@
           <c:smooth val="0"/>
           <c:extLst>
             <c:ext xmlns:c16="http://schemas.microsoft.com/office/drawing/2014/chart" uri="{C3380CC4-5D6E-409C-BE32-E72D297353CC}">
-              <c16:uniqueId val="{00000003-D159-4886-9D5F-A6E88C419614}"/>
+              <c16:uniqueId val="{00000003-E55F-427E-912F-EEE1690DF2E9}"/>
+            </c:ext>
+          </c:extLst>
+        </c:ser>
+        <c:ser>
+          <c:idx val="25"/>
+          <c:order val="25"/>
+          <c:tx>
+            <c:strRef>
+              <c:f>sim_results!$F$31</c:f>
+              <c:strCache>
+                <c:ptCount val="1"/>
+                <c:pt idx="0">
+                  <c:v>AA6061-T6 (SPH)</c:v>
+                </c:pt>
+              </c:strCache>
+              <c:extLst xmlns:c15="http://schemas.microsoft.com/office/drawing/2012/chart"/>
+            </c:strRef>
+          </c:tx>
+          <c:spPr>
+            <a:ln w="25400" cap="rnd">
+              <a:noFill/>
+              <a:round/>
+            </a:ln>
+            <a:effectLst/>
+          </c:spPr>
+          <c:marker>
+            <c:symbol val="square"/>
+            <c:size val="5"/>
+            <c:spPr>
+              <a:solidFill>
+                <a:schemeClr val="accent1"/>
+              </a:solidFill>
+              <a:ln w="9525">
+                <a:solidFill>
+                  <a:schemeClr val="accent1"/>
+                </a:solidFill>
+              </a:ln>
+              <a:effectLst/>
+            </c:spPr>
+          </c:marker>
+          <c:xVal>
+            <c:numRef>
+              <c:f>sim_results!$G$6</c:f>
+              <c:numCache>
+                <c:formatCode>General</c:formatCode>
+                <c:ptCount val="1"/>
+                <c:pt idx="0">
+                  <c:v>2.7000000000000002E-9</c:v>
+                </c:pt>
+              </c:numCache>
+              <c:extLst xmlns:c15="http://schemas.microsoft.com/office/drawing/2012/chart"/>
+            </c:numRef>
+          </c:xVal>
+          <c:yVal>
+            <c:numRef>
+              <c:f>sim_results!$F$33</c:f>
+              <c:numCache>
+                <c:formatCode>General</c:formatCode>
+                <c:ptCount val="1"/>
+                <c:pt idx="0">
+                  <c:v>14.62</c:v>
+                </c:pt>
+              </c:numCache>
+              <c:extLst xmlns:c15="http://schemas.microsoft.com/office/drawing/2012/chart"/>
+            </c:numRef>
+          </c:yVal>
+          <c:smooth val="0"/>
+          <c:extLst xmlns:c15="http://schemas.microsoft.com/office/drawing/2012/chart">
+            <c:ext xmlns:c16="http://schemas.microsoft.com/office/drawing/2014/chart" uri="{C3380CC4-5D6E-409C-BE32-E72D297353CC}">
+              <c16:uniqueId val="{00000004-E55F-427E-912F-EEE1690DF2E9}"/>
             </c:ext>
           </c:extLst>
         </c:ser>
@@ -779,7 +849,7 @@
           <c:smooth val="0"/>
           <c:extLst>
             <c:ext xmlns:c16="http://schemas.microsoft.com/office/drawing/2014/chart" uri="{C3380CC4-5D6E-409C-BE32-E72D297353CC}">
-              <c16:uniqueId val="{00000004-D159-4886-9D5F-A6E88C419614}"/>
+              <c16:uniqueId val="{00000005-E55F-427E-912F-EEE1690DF2E9}"/>
             </c:ext>
           </c:extLst>
         </c:ser>
@@ -846,7 +916,7 @@
           <c:smooth val="0"/>
           <c:extLst>
             <c:ext xmlns:c16="http://schemas.microsoft.com/office/drawing/2014/chart" uri="{C3380CC4-5D6E-409C-BE32-E72D297353CC}">
-              <c16:uniqueId val="{00000005-D159-4886-9D5F-A6E88C419614}"/>
+              <c16:uniqueId val="{00000006-E55F-427E-912F-EEE1690DF2E9}"/>
             </c:ext>
           </c:extLst>
         </c:ser>
@@ -913,72 +983,7 @@
           <c:smooth val="0"/>
           <c:extLst>
             <c:ext xmlns:c16="http://schemas.microsoft.com/office/drawing/2014/chart" uri="{C3380CC4-5D6E-409C-BE32-E72D297353CC}">
-              <c16:uniqueId val="{00000006-D159-4886-9D5F-A6E88C419614}"/>
-            </c:ext>
-          </c:extLst>
-        </c:ser>
-        <c:ser>
-          <c:idx val="29"/>
-          <c:order val="29"/>
-          <c:tx>
-            <c:v>bestfit</c:v>
-          </c:tx>
-          <c:spPr>
-            <a:ln w="19050" cap="rnd">
-              <a:noFill/>
-              <a:round/>
-            </a:ln>
-            <a:effectLst/>
-          </c:spPr>
-          <c:marker>
-            <c:symbol val="none"/>
-          </c:marker>
-          <c:xVal>
-            <c:numRef>
-              <c:f>plots!$BD$12:$BD$15</c:f>
-              <c:numCache>
-                <c:formatCode>General</c:formatCode>
-                <c:ptCount val="4"/>
-                <c:pt idx="0">
-                  <c:v>2.7000000000000002E-9</c:v>
-                </c:pt>
-                <c:pt idx="1">
-                  <c:v>4.4299999999999998E-9</c:v>
-                </c:pt>
-                <c:pt idx="2">
-                  <c:v>7.8500000000000008E-9</c:v>
-                </c:pt>
-                <c:pt idx="3">
-                  <c:v>1.7599999999999999E-8</c:v>
-                </c:pt>
-              </c:numCache>
-            </c:numRef>
-          </c:xVal>
-          <c:yVal>
-            <c:numRef>
-              <c:f>plots!$BE$12:$BE$15</c:f>
-              <c:numCache>
-                <c:formatCode>0.00</c:formatCode>
-                <c:ptCount val="4"/>
-                <c:pt idx="0">
-                  <c:v>11.46923</c:v>
-                </c:pt>
-                <c:pt idx="1">
-                  <c:v>13.5</c:v>
-                </c:pt>
-                <c:pt idx="2" formatCode="General">
-                  <c:v>15.44</c:v>
-                </c:pt>
-                <c:pt idx="3">
-                  <c:v>15.72</c:v>
-                </c:pt>
-              </c:numCache>
-            </c:numRef>
-          </c:yVal>
-          <c:smooth val="1"/>
-          <c:extLst>
-            <c:ext xmlns:c16="http://schemas.microsoft.com/office/drawing/2014/chart" uri="{C3380CC4-5D6E-409C-BE32-E72D297353CC}">
-              <c16:uniqueId val="{00000007-D159-4886-9D5F-A6E88C419614}"/>
+              <c16:uniqueId val="{00000007-E55F-427E-912F-EEE1690DF2E9}"/>
             </c:ext>
           </c:extLst>
         </c:ser>
@@ -1062,7 +1067,7 @@
                 <c:smooth val="0"/>
                 <c:extLst>
                   <c:ext xmlns:c16="http://schemas.microsoft.com/office/drawing/2014/chart" uri="{C3380CC4-5D6E-409C-BE32-E72D297353CC}">
-                    <c16:uniqueId val="{00000008-D159-4886-9D5F-A6E88C419614}"/>
+                    <c16:uniqueId val="{00000008-E55F-427E-912F-EEE1690DF2E9}"/>
                   </c:ext>
                 </c:extLst>
               </c15:ser>
@@ -1135,7 +1140,7 @@
                 <c:smooth val="0"/>
                 <c:extLst xmlns:c15="http://schemas.microsoft.com/office/drawing/2012/chart">
                   <c:ext xmlns:c16="http://schemas.microsoft.com/office/drawing/2014/chart" uri="{C3380CC4-5D6E-409C-BE32-E72D297353CC}">
-                    <c16:uniqueId val="{00000009-D159-4886-9D5F-A6E88C419614}"/>
+                    <c16:uniqueId val="{00000009-E55F-427E-912F-EEE1690DF2E9}"/>
                   </c:ext>
                 </c:extLst>
               </c15:ser>
@@ -1208,7 +1213,7 @@
                 <c:smooth val="0"/>
                 <c:extLst xmlns:c15="http://schemas.microsoft.com/office/drawing/2012/chart">
                   <c:ext xmlns:c16="http://schemas.microsoft.com/office/drawing/2014/chart" uri="{C3380CC4-5D6E-409C-BE32-E72D297353CC}">
-                    <c16:uniqueId val="{0000000A-D159-4886-9D5F-A6E88C419614}"/>
+                    <c16:uniqueId val="{0000000A-E55F-427E-912F-EEE1690DF2E9}"/>
                   </c:ext>
                 </c:extLst>
               </c15:ser>
@@ -1281,7 +1286,7 @@
                 <c:smooth val="0"/>
                 <c:extLst xmlns:c15="http://schemas.microsoft.com/office/drawing/2012/chart">
                   <c:ext xmlns:c16="http://schemas.microsoft.com/office/drawing/2014/chart" uri="{C3380CC4-5D6E-409C-BE32-E72D297353CC}">
-                    <c16:uniqueId val="{0000000B-D159-4886-9D5F-A6E88C419614}"/>
+                    <c16:uniqueId val="{0000000B-E55F-427E-912F-EEE1690DF2E9}"/>
                   </c:ext>
                 </c:extLst>
               </c15:ser>
@@ -1361,7 +1366,7 @@
                   <c:bubble3D val="0"/>
                   <c:extLst xmlns:c15="http://schemas.microsoft.com/office/drawing/2012/chart">
                     <c:ext xmlns:c16="http://schemas.microsoft.com/office/drawing/2014/chart" uri="{C3380CC4-5D6E-409C-BE32-E72D297353CC}">
-                      <c16:uniqueId val="{0000000C-D159-4886-9D5F-A6E88C419614}"/>
+                      <c16:uniqueId val="{0000000C-E55F-427E-912F-EEE1690DF2E9}"/>
                     </c:ext>
                   </c:extLst>
                 </c:dPt>
@@ -1404,7 +1409,7 @@
                 <c:smooth val="0"/>
                 <c:extLst xmlns:c15="http://schemas.microsoft.com/office/drawing/2012/chart">
                   <c:ext xmlns:c16="http://schemas.microsoft.com/office/drawing/2014/chart" uri="{C3380CC4-5D6E-409C-BE32-E72D297353CC}">
-                    <c16:uniqueId val="{0000000D-D159-4886-9D5F-A6E88C419614}"/>
+                    <c16:uniqueId val="{0000000D-E55F-427E-912F-EEE1690DF2E9}"/>
                   </c:ext>
                 </c:extLst>
               </c15:ser>
@@ -1497,7 +1502,7 @@
                 <c:smooth val="0"/>
                 <c:extLst xmlns:c15="http://schemas.microsoft.com/office/drawing/2012/chart">
                   <c:ext xmlns:c16="http://schemas.microsoft.com/office/drawing/2014/chart" uri="{C3380CC4-5D6E-409C-BE32-E72D297353CC}">
-                    <c16:uniqueId val="{0000000E-D159-4886-9D5F-A6E88C419614}"/>
+                    <c16:uniqueId val="{0000000E-E55F-427E-912F-EEE1690DF2E9}"/>
                   </c:ext>
                 </c:extLst>
               </c15:ser>
@@ -1590,7 +1595,7 @@
                 <c:smooth val="0"/>
                 <c:extLst xmlns:c15="http://schemas.microsoft.com/office/drawing/2012/chart">
                   <c:ext xmlns:c16="http://schemas.microsoft.com/office/drawing/2014/chart" uri="{C3380CC4-5D6E-409C-BE32-E72D297353CC}">
-                    <c16:uniqueId val="{0000000F-D159-4886-9D5F-A6E88C419614}"/>
+                    <c16:uniqueId val="{0000000F-E55F-427E-912F-EEE1690DF2E9}"/>
                   </c:ext>
                 </c:extLst>
               </c15:ser>
@@ -1611,7 +1616,7 @@
                     <c:strCache>
                       <c:ptCount val="1"/>
                       <c:pt idx="0">
-                        <c:v>2024-T351</c:v>
+                        <c:v>AA2024-T351</c:v>
                       </c:pt>
                     </c:strCache>
                   </c:strRef>
@@ -1681,7 +1686,7 @@
                 <c:smooth val="0"/>
                 <c:extLst xmlns:c15="http://schemas.microsoft.com/office/drawing/2012/chart">
                   <c:ext xmlns:c16="http://schemas.microsoft.com/office/drawing/2014/chart" uri="{C3380CC4-5D6E-409C-BE32-E72D297353CC}">
-                    <c16:uniqueId val="{00000010-D159-4886-9D5F-A6E88C419614}"/>
+                    <c16:uniqueId val="{00000010-E55F-427E-912F-EEE1690DF2E9}"/>
                   </c:ext>
                 </c:extLst>
               </c15:ser>
@@ -1754,7 +1759,7 @@
                 <c:smooth val="0"/>
                 <c:extLst xmlns:c15="http://schemas.microsoft.com/office/drawing/2012/chart">
                   <c:ext xmlns:c16="http://schemas.microsoft.com/office/drawing/2014/chart" uri="{C3380CC4-5D6E-409C-BE32-E72D297353CC}">
-                    <c16:uniqueId val="{00000011-D159-4886-9D5F-A6E88C419614}"/>
+                    <c16:uniqueId val="{00000011-E55F-427E-912F-EEE1690DF2E9}"/>
                   </c:ext>
                 </c:extLst>
               </c15:ser>
@@ -1845,7 +1850,7 @@
                 <c:smooth val="0"/>
                 <c:extLst xmlns:c15="http://schemas.microsoft.com/office/drawing/2012/chart">
                   <c:ext xmlns:c16="http://schemas.microsoft.com/office/drawing/2014/chart" uri="{C3380CC4-5D6E-409C-BE32-E72D297353CC}">
-                    <c16:uniqueId val="{00000012-D159-4886-9D5F-A6E88C419614}"/>
+                    <c16:uniqueId val="{00000012-E55F-427E-912F-EEE1690DF2E9}"/>
                   </c:ext>
                 </c:extLst>
               </c15:ser>
@@ -1936,7 +1941,7 @@
                 <c:smooth val="0"/>
                 <c:extLst xmlns:c15="http://schemas.microsoft.com/office/drawing/2012/chart">
                   <c:ext xmlns:c16="http://schemas.microsoft.com/office/drawing/2014/chart" uri="{C3380CC4-5D6E-409C-BE32-E72D297353CC}">
-                    <c16:uniqueId val="{00000013-D159-4886-9D5F-A6E88C419614}"/>
+                    <c16:uniqueId val="{00000013-E55F-427E-912F-EEE1690DF2E9}"/>
                   </c:ext>
                 </c:extLst>
               </c15:ser>
@@ -2027,7 +2032,7 @@
                 <c:smooth val="0"/>
                 <c:extLst xmlns:c15="http://schemas.microsoft.com/office/drawing/2012/chart">
                   <c:ext xmlns:c16="http://schemas.microsoft.com/office/drawing/2014/chart" uri="{C3380CC4-5D6E-409C-BE32-E72D297353CC}">
-                    <c16:uniqueId val="{00000014-D159-4886-9D5F-A6E88C419614}"/>
+                    <c16:uniqueId val="{00000014-E55F-427E-912F-EEE1690DF2E9}"/>
                   </c:ext>
                 </c:extLst>
               </c15:ser>
@@ -2103,7 +2108,7 @@
                   <c:bubble3D val="0"/>
                   <c:extLst xmlns:c15="http://schemas.microsoft.com/office/drawing/2012/chart">
                     <c:ext xmlns:c16="http://schemas.microsoft.com/office/drawing/2014/chart" uri="{C3380CC4-5D6E-409C-BE32-E72D297353CC}">
-                      <c16:uniqueId val="{00000015-D159-4886-9D5F-A6E88C419614}"/>
+                      <c16:uniqueId val="{00000015-E55F-427E-912F-EEE1690DF2E9}"/>
                     </c:ext>
                   </c:extLst>
                 </c:dPt>
@@ -2146,7 +2151,7 @@
                 <c:smooth val="0"/>
                 <c:extLst xmlns:c15="http://schemas.microsoft.com/office/drawing/2012/chart">
                   <c:ext xmlns:c16="http://schemas.microsoft.com/office/drawing/2014/chart" uri="{C3380CC4-5D6E-409C-BE32-E72D297353CC}">
-                    <c16:uniqueId val="{00000016-D159-4886-9D5F-A6E88C419614}"/>
+                    <c16:uniqueId val="{00000016-E55F-427E-912F-EEE1690DF2E9}"/>
                   </c:ext>
                 </c:extLst>
               </c15:ser>
@@ -2239,7 +2244,7 @@
                 <c:smooth val="0"/>
                 <c:extLst xmlns:c15="http://schemas.microsoft.com/office/drawing/2012/chart">
                   <c:ext xmlns:c16="http://schemas.microsoft.com/office/drawing/2014/chart" uri="{C3380CC4-5D6E-409C-BE32-E72D297353CC}">
-                    <c16:uniqueId val="{00000017-D159-4886-9D5F-A6E88C419614}"/>
+                    <c16:uniqueId val="{00000017-E55F-427E-912F-EEE1690DF2E9}"/>
                   </c:ext>
                 </c:extLst>
               </c15:ser>
@@ -2332,7 +2337,7 @@
                 <c:smooth val="0"/>
                 <c:extLst xmlns:c15="http://schemas.microsoft.com/office/drawing/2012/chart">
                   <c:ext xmlns:c16="http://schemas.microsoft.com/office/drawing/2014/chart" uri="{C3380CC4-5D6E-409C-BE32-E72D297353CC}">
-                    <c16:uniqueId val="{00000018-D159-4886-9D5F-A6E88C419614}"/>
+                    <c16:uniqueId val="{00000018-E55F-427E-912F-EEE1690DF2E9}"/>
                   </c:ext>
                 </c:extLst>
               </c15:ser>
@@ -2425,7 +2430,7 @@
                 <c:smooth val="0"/>
                 <c:extLst xmlns:c15="http://schemas.microsoft.com/office/drawing/2012/chart">
                   <c:ext xmlns:c16="http://schemas.microsoft.com/office/drawing/2014/chart" uri="{C3380CC4-5D6E-409C-BE32-E72D297353CC}">
-                    <c16:uniqueId val="{00000019-D159-4886-9D5F-A6E88C419614}"/>
+                    <c16:uniqueId val="{00000019-E55F-427E-912F-EEE1690DF2E9}"/>
                   </c:ext>
                 </c:extLst>
               </c15:ser>
@@ -2516,7 +2521,7 @@
                 <c:smooth val="0"/>
                 <c:extLst xmlns:c15="http://schemas.microsoft.com/office/drawing/2012/chart">
                   <c:ext xmlns:c16="http://schemas.microsoft.com/office/drawing/2014/chart" uri="{C3380CC4-5D6E-409C-BE32-E72D297353CC}">
-                    <c16:uniqueId val="{0000001A-D159-4886-9D5F-A6E88C419614}"/>
+                    <c16:uniqueId val="{0000001A-E55F-427E-912F-EEE1690DF2E9}"/>
                   </c:ext>
                 </c:extLst>
               </c15:ser>
@@ -2607,7 +2612,7 @@
                 <c:smooth val="0"/>
                 <c:extLst xmlns:c15="http://schemas.microsoft.com/office/drawing/2012/chart">
                   <c:ext xmlns:c16="http://schemas.microsoft.com/office/drawing/2014/chart" uri="{C3380CC4-5D6E-409C-BE32-E72D297353CC}">
-                    <c16:uniqueId val="{0000001B-D159-4886-9D5F-A6E88C419614}"/>
+                    <c16:uniqueId val="{0000001B-E55F-427E-912F-EEE1690DF2E9}"/>
                   </c:ext>
                 </c:extLst>
               </c15:ser>
@@ -2698,7 +2703,7 @@
                 <c:smooth val="0"/>
                 <c:extLst xmlns:c15="http://schemas.microsoft.com/office/drawing/2012/chart">
                   <c:ext xmlns:c16="http://schemas.microsoft.com/office/drawing/2014/chart" uri="{C3380CC4-5D6E-409C-BE32-E72D297353CC}">
-                    <c16:uniqueId val="{0000001C-D159-4886-9D5F-A6E88C419614}"/>
+                    <c16:uniqueId val="{0000001C-E55F-427E-912F-EEE1690DF2E9}"/>
                   </c:ext>
                 </c:extLst>
               </c15:ser>
@@ -2789,7 +2794,7 @@
                 <c:smooth val="0"/>
                 <c:extLst xmlns:c15="http://schemas.microsoft.com/office/drawing/2012/chart">
                   <c:ext xmlns:c16="http://schemas.microsoft.com/office/drawing/2014/chart" uri="{C3380CC4-5D6E-409C-BE32-E72D297353CC}">
-                    <c16:uniqueId val="{0000001D-D159-4886-9D5F-A6E88C419614}"/>
+                    <c16:uniqueId val="{0000001D-E55F-427E-912F-EEE1690DF2E9}"/>
                   </c:ext>
                 </c:extLst>
               </c15:ser>
@@ -2874,7 +2879,7 @@
                       <c:formatCode>0.00</c:formatCode>
                       <c:ptCount val="1"/>
                       <c:pt idx="0">
-                        <c:v>14.808106666666665</c:v>
+                        <c:v>14.940455</c:v>
                       </c:pt>
                     </c:numCache>
                   </c:numRef>
@@ -2882,68 +2887,51 @@
                 <c:smooth val="0"/>
                 <c:extLst xmlns:c15="http://schemas.microsoft.com/office/drawing/2012/chart">
                   <c:ext xmlns:c16="http://schemas.microsoft.com/office/drawing/2014/chart" uri="{C3380CC4-5D6E-409C-BE32-E72D297353CC}">
-                    <c16:uniqueId val="{0000001E-D159-4886-9D5F-A6E88C419614}"/>
+                    <c16:uniqueId val="{0000001E-E55F-427E-912F-EEE1690DF2E9}"/>
                   </c:ext>
                 </c:extLst>
               </c15:ser>
             </c15:filteredScatterSeries>
             <c15:filteredScatterSeries>
               <c15:ser>
-                <c:idx val="25"/>
-                <c:order val="25"/>
+                <c:idx val="29"/>
+                <c:order val="29"/>
                 <c:tx>
-                  <c:strRef>
-                    <c:extLst xmlns:c15="http://schemas.microsoft.com/office/drawing/2012/chart">
-                      <c:ext xmlns:c15="http://schemas.microsoft.com/office/drawing/2012/chart" uri="{02D57815-91ED-43cb-92C2-25804820EDAC}">
-                        <c15:formulaRef>
-                          <c15:sqref>sim_results!$F$31</c15:sqref>
-                        </c15:formulaRef>
-                      </c:ext>
-                    </c:extLst>
-                    <c:strCache>
-                      <c:ptCount val="1"/>
-                      <c:pt idx="0">
-                        <c:v>AA6070-O (SPH)</c:v>
-                      </c:pt>
-                    </c:strCache>
-                  </c:strRef>
+                  <c:v>bestfit</c:v>
                 </c:tx>
                 <c:spPr>
-                  <a:ln w="25400" cap="rnd">
+                  <a:ln w="19050" cap="rnd">
                     <a:noFill/>
                     <a:round/>
                   </a:ln>
                   <a:effectLst/>
                 </c:spPr>
                 <c:marker>
-                  <c:symbol val="square"/>
-                  <c:size val="5"/>
-                  <c:spPr>
-                    <a:solidFill>
-                      <a:schemeClr val="accent1"/>
-                    </a:solidFill>
-                    <a:ln w="9525">
-                      <a:solidFill>
-                        <a:schemeClr val="accent1"/>
-                      </a:solidFill>
-                    </a:ln>
-                    <a:effectLst/>
-                  </c:spPr>
+                  <c:symbol val="none"/>
                 </c:marker>
                 <c:xVal>
                   <c:numRef>
                     <c:extLst xmlns:c15="http://schemas.microsoft.com/office/drawing/2012/chart">
                       <c:ext xmlns:c15="http://schemas.microsoft.com/office/drawing/2012/chart" uri="{02D57815-91ED-43cb-92C2-25804820EDAC}">
                         <c15:formulaRef>
-                          <c15:sqref>sim_results!$G$6</c15:sqref>
+                          <c15:sqref>plots!$BD$12:$BD$15</c15:sqref>
                         </c15:formulaRef>
                       </c:ext>
                     </c:extLst>
                     <c:numCache>
                       <c:formatCode>General</c:formatCode>
-                      <c:ptCount val="1"/>
+                      <c:ptCount val="4"/>
                       <c:pt idx="0">
                         <c:v>2.7000000000000002E-9</c:v>
+                      </c:pt>
+                      <c:pt idx="1">
+                        <c:v>4.4299999999999998E-9</c:v>
+                      </c:pt>
+                      <c:pt idx="2">
+                        <c:v>7.8500000000000008E-9</c:v>
+                      </c:pt>
+                      <c:pt idx="3">
+                        <c:v>1.7599999999999999E-8</c:v>
                       </c:pt>
                     </c:numCache>
                   </c:numRef>
@@ -2953,23 +2941,32 @@
                     <c:extLst xmlns:c15="http://schemas.microsoft.com/office/drawing/2012/chart">
                       <c:ext xmlns:c15="http://schemas.microsoft.com/office/drawing/2012/chart" uri="{02D57815-91ED-43cb-92C2-25804820EDAC}">
                         <c15:formulaRef>
-                          <c15:sqref>sim_results!$F$33</c15:sqref>
+                          <c15:sqref>plots!$BE$12:$BE$15</c15:sqref>
                         </c15:formulaRef>
                       </c:ext>
                     </c:extLst>
                     <c:numCache>
-                      <c:formatCode>General</c:formatCode>
-                      <c:ptCount val="1"/>
-                      <c:pt idx="0">
-                        <c:v>0</c:v>
+                      <c:formatCode>0.00</c:formatCode>
+                      <c:ptCount val="4"/>
+                      <c:pt idx="0">
+                        <c:v>11.46923</c:v>
+                      </c:pt>
+                      <c:pt idx="1">
+                        <c:v>13.5</c:v>
+                      </c:pt>
+                      <c:pt idx="2" formatCode="General">
+                        <c:v>15.44</c:v>
+                      </c:pt>
+                      <c:pt idx="3">
+                        <c:v>15.72</c:v>
                       </c:pt>
                     </c:numCache>
                   </c:numRef>
                 </c:yVal>
-                <c:smooth val="0"/>
+                <c:smooth val="1"/>
                 <c:extLst xmlns:c15="http://schemas.microsoft.com/office/drawing/2012/chart">
                   <c:ext xmlns:c16="http://schemas.microsoft.com/office/drawing/2014/chart" uri="{C3380CC4-5D6E-409C-BE32-E72D297353CC}">
-                    <c16:uniqueId val="{0000001F-D159-4886-9D5F-A6E88C419614}"/>
+                    <c16:uniqueId val="{0000001F-E55F-427E-912F-EEE1690DF2E9}"/>
                   </c:ext>
                 </c:extLst>
               </c15:ser>
@@ -3028,8 +3025,8 @@
             <c:manualLayout>
               <c:xMode val="edge"/>
               <c:yMode val="edge"/>
-              <c:x val="0.32200877323489718"/>
-              <c:y val="0.87606964347996963"/>
+              <c:x val="0.36426043424105564"/>
+              <c:y val="0.88654726913706461"/>
             </c:manualLayout>
           </c:layout>
           <c:overlay val="0"/>
@@ -3071,7 +3068,7 @@
                   <a:cs typeface="+mn-cs"/>
                 </a:defRPr>
               </a:pPr>
-              <a:endParaRPr lang="en-NL"/>
+              <a:endParaRPr lang="en-US"/>
             </a:p>
           </c:txPr>
         </c:title>
@@ -3109,7 +3106,7 @@
                 <a:cs typeface="+mn-cs"/>
               </a:defRPr>
             </a:pPr>
-            <a:endParaRPr lang="en-NL"/>
+            <a:endParaRPr lang="en-US"/>
           </a:p>
         </c:txPr>
         <c:crossAx val="1767837104"/>
@@ -3177,14 +3174,6 @@
               </a:p>
             </c:rich>
           </c:tx>
-          <c:layout>
-            <c:manualLayout>
-              <c:xMode val="edge"/>
-              <c:yMode val="edge"/>
-              <c:x val="1.4281916484750287E-2"/>
-              <c:y val="0.17966069303799631"/>
-            </c:manualLayout>
-          </c:layout>
           <c:overlay val="0"/>
           <c:spPr>
             <a:noFill/>
@@ -3210,7 +3199,7 @@
                   <a:cs typeface="+mn-cs"/>
                 </a:defRPr>
               </a:pPr>
-              <a:endParaRPr lang="en-NL"/>
+              <a:endParaRPr lang="en-US"/>
             </a:p>
           </c:txPr>
         </c:title>
@@ -3248,7 +3237,7 @@
                 <a:cs typeface="+mn-cs"/>
               </a:defRPr>
             </a:pPr>
-            <a:endParaRPr lang="en-NL"/>
+            <a:endParaRPr lang="en-US"/>
           </a:p>
         </c:txPr>
         <c:crossAx val="1593113264"/>
@@ -3269,10 +3258,10 @@
         <c:manualLayout>
           <c:xMode val="edge"/>
           <c:yMode val="edge"/>
-          <c:x val="0.78813830111064964"/>
-          <c:y val="0.1583931618229821"/>
-          <c:w val="0.20801651907117688"/>
-          <c:h val="0.6477614689317176"/>
+          <c:x val="0.75515162385950863"/>
+          <c:y val="0.19448969079341213"/>
+          <c:w val="0.22174167411409587"/>
+          <c:h val="0.54369126675855151"/>
         </c:manualLayout>
       </c:layout>
       <c:overlay val="0"/>
@@ -3288,7 +3277,7 @@
         <a:lstStyle/>
         <a:p>
           <a:pPr>
-            <a:defRPr sz="900" b="1" i="0" u="none" strike="noStrike" kern="1200" baseline="0">
+            <a:defRPr sz="900" b="0" i="0" u="none" strike="noStrike" kern="1200" baseline="0">
               <a:solidFill>
                 <a:schemeClr val="tx1">
                   <a:lumMod val="65000"/>
@@ -3300,7 +3289,7 @@
               <a:cs typeface="+mn-cs"/>
             </a:defRPr>
           </a:pPr>
-          <a:endParaRPr lang="en-NL"/>
+          <a:endParaRPr lang="en-US"/>
         </a:p>
       </c:txPr>
     </c:legend>
@@ -3329,7 +3318,7 @@
       <a:pPr>
         <a:defRPr/>
       </a:pPr>
-      <a:endParaRPr lang="en-NL"/>
+      <a:endParaRPr lang="en-US"/>
     </a:p>
   </c:txPr>
   <c:externalData r:id="rId3">
@@ -3368,8 +3357,8 @@
         <c:manualLayout>
           <c:xMode val="edge"/>
           <c:yMode val="edge"/>
-          <c:x val="0.28641718144713696"/>
-          <c:y val="3.5882172049759298E-2"/>
+          <c:x val="0.23377532076763274"/>
+          <c:y val="6.3448379929927481E-2"/>
         </c:manualLayout>
       </c:layout>
       <c:overlay val="0"/>
@@ -3397,7 +3386,7 @@
               <a:cs typeface="+mn-cs"/>
             </a:defRPr>
           </a:pPr>
-          <a:endParaRPr lang="en-NL"/>
+          <a:endParaRPr lang="en-US"/>
         </a:p>
       </c:txPr>
     </c:title>
@@ -3470,7 +3459,7 @@
           <c:smooth val="0"/>
           <c:extLst>
             <c:ext xmlns:c16="http://schemas.microsoft.com/office/drawing/2014/chart" uri="{C3380CC4-5D6E-409C-BE32-E72D297353CC}">
-              <c16:uniqueId val="{00000000-B4E7-4B5F-BD8E-E766D6729943}"/>
+              <c16:uniqueId val="{00000000-4F8A-4E9A-87A3-B3271139CDE0}"/>
             </c:ext>
           </c:extLst>
         </c:ser>
@@ -3537,7 +3526,7 @@
           <c:smooth val="0"/>
           <c:extLst>
             <c:ext xmlns:c16="http://schemas.microsoft.com/office/drawing/2014/chart" uri="{C3380CC4-5D6E-409C-BE32-E72D297353CC}">
-              <c16:uniqueId val="{00000001-B4E7-4B5F-BD8E-E766D6729943}"/>
+              <c16:uniqueId val="{00000001-4F8A-4E9A-87A3-B3271139CDE0}"/>
             </c:ext>
           </c:extLst>
         </c:ser>
@@ -3604,7 +3593,7 @@
           <c:smooth val="0"/>
           <c:extLst>
             <c:ext xmlns:c16="http://schemas.microsoft.com/office/drawing/2014/chart" uri="{C3380CC4-5D6E-409C-BE32-E72D297353CC}">
-              <c16:uniqueId val="{00000002-B4E7-4B5F-BD8E-E766D6729943}"/>
+              <c16:uniqueId val="{00000002-4F8A-4E9A-87A3-B3271139CDE0}"/>
             </c:ext>
           </c:extLst>
         </c:ser>
@@ -3671,7 +3660,77 @@
           <c:smooth val="0"/>
           <c:extLst>
             <c:ext xmlns:c16="http://schemas.microsoft.com/office/drawing/2014/chart" uri="{C3380CC4-5D6E-409C-BE32-E72D297353CC}">
-              <c16:uniqueId val="{00000003-B4E7-4B5F-BD8E-E766D6729943}"/>
+              <c16:uniqueId val="{00000003-4F8A-4E9A-87A3-B3271139CDE0}"/>
+            </c:ext>
+          </c:extLst>
+        </c:ser>
+        <c:ser>
+          <c:idx val="25"/>
+          <c:order val="25"/>
+          <c:tx>
+            <c:strRef>
+              <c:f>sim_results!$F$31</c:f>
+              <c:strCache>
+                <c:ptCount val="1"/>
+                <c:pt idx="0">
+                  <c:v>AA6061-T6 (SPH)</c:v>
+                </c:pt>
+              </c:strCache>
+              <c:extLst xmlns:c15="http://schemas.microsoft.com/office/drawing/2012/chart"/>
+            </c:strRef>
+          </c:tx>
+          <c:spPr>
+            <a:ln w="25400" cap="rnd">
+              <a:noFill/>
+              <a:round/>
+            </a:ln>
+            <a:effectLst/>
+          </c:spPr>
+          <c:marker>
+            <c:symbol val="square"/>
+            <c:size val="5"/>
+            <c:spPr>
+              <a:solidFill>
+                <a:schemeClr val="accent1"/>
+              </a:solidFill>
+              <a:ln w="9525">
+                <a:solidFill>
+                  <a:schemeClr val="accent1"/>
+                </a:solidFill>
+              </a:ln>
+              <a:effectLst/>
+            </c:spPr>
+          </c:marker>
+          <c:xVal>
+            <c:numRef>
+              <c:f>sim_results!$G$6</c:f>
+              <c:numCache>
+                <c:formatCode>General</c:formatCode>
+                <c:ptCount val="1"/>
+                <c:pt idx="0">
+                  <c:v>2.7000000000000002E-9</c:v>
+                </c:pt>
+              </c:numCache>
+              <c:extLst xmlns:c15="http://schemas.microsoft.com/office/drawing/2012/chart"/>
+            </c:numRef>
+          </c:xVal>
+          <c:yVal>
+            <c:numRef>
+              <c:f>sim_results!$F$34</c:f>
+              <c:numCache>
+                <c:formatCode>General</c:formatCode>
+                <c:ptCount val="1"/>
+                <c:pt idx="0">
+                  <c:v>24.28</c:v>
+                </c:pt>
+              </c:numCache>
+              <c:extLst xmlns:c15="http://schemas.microsoft.com/office/drawing/2012/chart"/>
+            </c:numRef>
+          </c:yVal>
+          <c:smooth val="0"/>
+          <c:extLst xmlns:c15="http://schemas.microsoft.com/office/drawing/2012/chart">
+            <c:ext xmlns:c16="http://schemas.microsoft.com/office/drawing/2014/chart" uri="{C3380CC4-5D6E-409C-BE32-E72D297353CC}">
+              <c16:uniqueId val="{00000004-4F8A-4E9A-87A3-B3271139CDE0}"/>
             </c:ext>
           </c:extLst>
         </c:ser>
@@ -3738,7 +3797,7 @@
           <c:smooth val="0"/>
           <c:extLst>
             <c:ext xmlns:c16="http://schemas.microsoft.com/office/drawing/2014/chart" uri="{C3380CC4-5D6E-409C-BE32-E72D297353CC}">
-              <c16:uniqueId val="{00000004-B4E7-4B5F-BD8E-E766D6729943}"/>
+              <c16:uniqueId val="{00000005-4F8A-4E9A-87A3-B3271139CDE0}"/>
             </c:ext>
           </c:extLst>
         </c:ser>
@@ -3805,7 +3864,7 @@
           <c:smooth val="0"/>
           <c:extLst>
             <c:ext xmlns:c16="http://schemas.microsoft.com/office/drawing/2014/chart" uri="{C3380CC4-5D6E-409C-BE32-E72D297353CC}">
-              <c16:uniqueId val="{00000005-B4E7-4B5F-BD8E-E766D6729943}"/>
+              <c16:uniqueId val="{00000006-4F8A-4E9A-87A3-B3271139CDE0}"/>
             </c:ext>
           </c:extLst>
         </c:ser>
@@ -3872,7 +3931,7 @@
           <c:smooth val="0"/>
           <c:extLst>
             <c:ext xmlns:c16="http://schemas.microsoft.com/office/drawing/2014/chart" uri="{C3380CC4-5D6E-409C-BE32-E72D297353CC}">
-              <c16:uniqueId val="{00000006-B4E7-4B5F-BD8E-E766D6729943}"/>
+              <c16:uniqueId val="{00000007-4F8A-4E9A-87A3-B3271139CDE0}"/>
             </c:ext>
           </c:extLst>
         </c:ser>
@@ -3956,7 +4015,7 @@
                 <c:smooth val="0"/>
                 <c:extLst>
                   <c:ext xmlns:c16="http://schemas.microsoft.com/office/drawing/2014/chart" uri="{C3380CC4-5D6E-409C-BE32-E72D297353CC}">
-                    <c16:uniqueId val="{00000007-B4E7-4B5F-BD8E-E766D6729943}"/>
+                    <c16:uniqueId val="{00000008-4F8A-4E9A-87A3-B3271139CDE0}"/>
                   </c:ext>
                 </c:extLst>
               </c15:ser>
@@ -4029,7 +4088,7 @@
                 <c:smooth val="0"/>
                 <c:extLst xmlns:c15="http://schemas.microsoft.com/office/drawing/2012/chart">
                   <c:ext xmlns:c16="http://schemas.microsoft.com/office/drawing/2014/chart" uri="{C3380CC4-5D6E-409C-BE32-E72D297353CC}">
-                    <c16:uniqueId val="{00000008-B4E7-4B5F-BD8E-E766D6729943}"/>
+                    <c16:uniqueId val="{00000009-4F8A-4E9A-87A3-B3271139CDE0}"/>
                   </c:ext>
                 </c:extLst>
               </c15:ser>
@@ -4102,7 +4161,7 @@
                 <c:smooth val="0"/>
                 <c:extLst xmlns:c15="http://schemas.microsoft.com/office/drawing/2012/chart">
                   <c:ext xmlns:c16="http://schemas.microsoft.com/office/drawing/2014/chart" uri="{C3380CC4-5D6E-409C-BE32-E72D297353CC}">
-                    <c16:uniqueId val="{00000009-B4E7-4B5F-BD8E-E766D6729943}"/>
+                    <c16:uniqueId val="{0000000A-4F8A-4E9A-87A3-B3271139CDE0}"/>
                   </c:ext>
                 </c:extLst>
               </c15:ser>
@@ -4175,7 +4234,7 @@
                 <c:smooth val="0"/>
                 <c:extLst xmlns:c15="http://schemas.microsoft.com/office/drawing/2012/chart">
                   <c:ext xmlns:c16="http://schemas.microsoft.com/office/drawing/2014/chart" uri="{C3380CC4-5D6E-409C-BE32-E72D297353CC}">
-                    <c16:uniqueId val="{0000000A-B4E7-4B5F-BD8E-E766D6729943}"/>
+                    <c16:uniqueId val="{0000000B-4F8A-4E9A-87A3-B3271139CDE0}"/>
                   </c:ext>
                 </c:extLst>
               </c15:ser>
@@ -4268,7 +4327,7 @@
                 <c:smooth val="0"/>
                 <c:extLst xmlns:c15="http://schemas.microsoft.com/office/drawing/2012/chart">
                   <c:ext xmlns:c16="http://schemas.microsoft.com/office/drawing/2014/chart" uri="{C3380CC4-5D6E-409C-BE32-E72D297353CC}">
-                    <c16:uniqueId val="{0000000B-B4E7-4B5F-BD8E-E766D6729943}"/>
+                    <c16:uniqueId val="{0000000C-4F8A-4E9A-87A3-B3271139CDE0}"/>
                   </c:ext>
                 </c:extLst>
               </c15:ser>
@@ -4361,7 +4420,7 @@
                 <c:smooth val="0"/>
                 <c:extLst xmlns:c15="http://schemas.microsoft.com/office/drawing/2012/chart">
                   <c:ext xmlns:c16="http://schemas.microsoft.com/office/drawing/2014/chart" uri="{C3380CC4-5D6E-409C-BE32-E72D297353CC}">
-                    <c16:uniqueId val="{0000000C-B4E7-4B5F-BD8E-E766D6729943}"/>
+                    <c16:uniqueId val="{0000000D-4F8A-4E9A-87A3-B3271139CDE0}"/>
                   </c:ext>
                 </c:extLst>
               </c15:ser>
@@ -4454,7 +4513,7 @@
                 <c:smooth val="0"/>
                 <c:extLst xmlns:c15="http://schemas.microsoft.com/office/drawing/2012/chart">
                   <c:ext xmlns:c16="http://schemas.microsoft.com/office/drawing/2014/chart" uri="{C3380CC4-5D6E-409C-BE32-E72D297353CC}">
-                    <c16:uniqueId val="{0000000D-B4E7-4B5F-BD8E-E766D6729943}"/>
+                    <c16:uniqueId val="{0000000E-4F8A-4E9A-87A3-B3271139CDE0}"/>
                   </c:ext>
                 </c:extLst>
               </c15:ser>
@@ -4527,7 +4586,7 @@
                 <c:smooth val="0"/>
                 <c:extLst xmlns:c15="http://schemas.microsoft.com/office/drawing/2012/chart">
                   <c:ext xmlns:c16="http://schemas.microsoft.com/office/drawing/2014/chart" uri="{C3380CC4-5D6E-409C-BE32-E72D297353CC}">
-                    <c16:uniqueId val="{0000000E-B4E7-4B5F-BD8E-E766D6729943}"/>
+                    <c16:uniqueId val="{0000000F-4F8A-4E9A-87A3-B3271139CDE0}"/>
                   </c:ext>
                 </c:extLst>
               </c15:ser>
@@ -4618,7 +4677,7 @@
                 <c:smooth val="0"/>
                 <c:extLst xmlns:c15="http://schemas.microsoft.com/office/drawing/2012/chart">
                   <c:ext xmlns:c16="http://schemas.microsoft.com/office/drawing/2014/chart" uri="{C3380CC4-5D6E-409C-BE32-E72D297353CC}">
-                    <c16:uniqueId val="{0000000F-B4E7-4B5F-BD8E-E766D6729943}"/>
+                    <c16:uniqueId val="{00000010-4F8A-4E9A-87A3-B3271139CDE0}"/>
                   </c:ext>
                 </c:extLst>
               </c15:ser>
@@ -4709,7 +4768,7 @@
                 <c:smooth val="0"/>
                 <c:extLst xmlns:c15="http://schemas.microsoft.com/office/drawing/2012/chart">
                   <c:ext xmlns:c16="http://schemas.microsoft.com/office/drawing/2014/chart" uri="{C3380CC4-5D6E-409C-BE32-E72D297353CC}">
-                    <c16:uniqueId val="{00000010-B4E7-4B5F-BD8E-E766D6729943}"/>
+                    <c16:uniqueId val="{00000011-4F8A-4E9A-87A3-B3271139CDE0}"/>
                   </c:ext>
                 </c:extLst>
               </c15:ser>
@@ -4800,7 +4859,7 @@
                 <c:smooth val="0"/>
                 <c:extLst xmlns:c15="http://schemas.microsoft.com/office/drawing/2012/chart">
                   <c:ext xmlns:c16="http://schemas.microsoft.com/office/drawing/2014/chart" uri="{C3380CC4-5D6E-409C-BE32-E72D297353CC}">
-                    <c16:uniqueId val="{00000011-B4E7-4B5F-BD8E-E766D6729943}"/>
+                    <c16:uniqueId val="{00000012-4F8A-4E9A-87A3-B3271139CDE0}"/>
                   </c:ext>
                 </c:extLst>
               </c15:ser>
@@ -4891,7 +4950,7 @@
                 <c:smooth val="0"/>
                 <c:extLst xmlns:c15="http://schemas.microsoft.com/office/drawing/2012/chart">
                   <c:ext xmlns:c16="http://schemas.microsoft.com/office/drawing/2014/chart" uri="{C3380CC4-5D6E-409C-BE32-E72D297353CC}">
-                    <c16:uniqueId val="{00000012-B4E7-4B5F-BD8E-E766D6729943}"/>
+                    <c16:uniqueId val="{00000013-4F8A-4E9A-87A3-B3271139CDE0}"/>
                   </c:ext>
                 </c:extLst>
               </c15:ser>
@@ -4984,7 +5043,7 @@
                 <c:smooth val="0"/>
                 <c:extLst xmlns:c15="http://schemas.microsoft.com/office/drawing/2012/chart">
                   <c:ext xmlns:c16="http://schemas.microsoft.com/office/drawing/2014/chart" uri="{C3380CC4-5D6E-409C-BE32-E72D297353CC}">
-                    <c16:uniqueId val="{00000013-B4E7-4B5F-BD8E-E766D6729943}"/>
+                    <c16:uniqueId val="{00000014-4F8A-4E9A-87A3-B3271139CDE0}"/>
                   </c:ext>
                 </c:extLst>
               </c15:ser>
@@ -5077,7 +5136,7 @@
                 <c:smooth val="0"/>
                 <c:extLst xmlns:c15="http://schemas.microsoft.com/office/drawing/2012/chart">
                   <c:ext xmlns:c16="http://schemas.microsoft.com/office/drawing/2014/chart" uri="{C3380CC4-5D6E-409C-BE32-E72D297353CC}">
-                    <c16:uniqueId val="{00000014-B4E7-4B5F-BD8E-E766D6729943}"/>
+                    <c16:uniqueId val="{00000015-4F8A-4E9A-87A3-B3271139CDE0}"/>
                   </c:ext>
                 </c:extLst>
               </c15:ser>
@@ -5170,7 +5229,7 @@
                 <c:smooth val="0"/>
                 <c:extLst xmlns:c15="http://schemas.microsoft.com/office/drawing/2012/chart">
                   <c:ext xmlns:c16="http://schemas.microsoft.com/office/drawing/2014/chart" uri="{C3380CC4-5D6E-409C-BE32-E72D297353CC}">
-                    <c16:uniqueId val="{00000015-B4E7-4B5F-BD8E-E766D6729943}"/>
+                    <c16:uniqueId val="{00000016-4F8A-4E9A-87A3-B3271139CDE0}"/>
                   </c:ext>
                 </c:extLst>
               </c15:ser>
@@ -5191,7 +5250,7 @@
                     <c:strCache>
                       <c:ptCount val="1"/>
                       <c:pt idx="0">
-                        <c:v>2024-T351</c:v>
+                        <c:v>AA2024-T351</c:v>
                       </c:pt>
                     </c:strCache>
                   </c:strRef>
@@ -5261,7 +5320,7 @@
                 <c:smooth val="0"/>
                 <c:extLst xmlns:c15="http://schemas.microsoft.com/office/drawing/2012/chart">
                   <c:ext xmlns:c16="http://schemas.microsoft.com/office/drawing/2014/chart" uri="{C3380CC4-5D6E-409C-BE32-E72D297353CC}">
-                    <c16:uniqueId val="{00000016-B4E7-4B5F-BD8E-E766D6729943}"/>
+                    <c16:uniqueId val="{00000017-4F8A-4E9A-87A3-B3271139CDE0}"/>
                   </c:ext>
                 </c:extLst>
               </c15:ser>
@@ -5352,7 +5411,7 @@
                 <c:smooth val="0"/>
                 <c:extLst xmlns:c15="http://schemas.microsoft.com/office/drawing/2012/chart">
                   <c:ext xmlns:c16="http://schemas.microsoft.com/office/drawing/2014/chart" uri="{C3380CC4-5D6E-409C-BE32-E72D297353CC}">
-                    <c16:uniqueId val="{00000017-B4E7-4B5F-BD8E-E766D6729943}"/>
+                    <c16:uniqueId val="{00000018-4F8A-4E9A-87A3-B3271139CDE0}"/>
                   </c:ext>
                 </c:extLst>
               </c15:ser>
@@ -5443,7 +5502,7 @@
                 <c:smooth val="0"/>
                 <c:extLst xmlns:c15="http://schemas.microsoft.com/office/drawing/2012/chart">
                   <c:ext xmlns:c16="http://schemas.microsoft.com/office/drawing/2014/chart" uri="{C3380CC4-5D6E-409C-BE32-E72D297353CC}">
-                    <c16:uniqueId val="{00000018-B4E7-4B5F-BD8E-E766D6729943}"/>
+                    <c16:uniqueId val="{00000019-4F8A-4E9A-87A3-B3271139CDE0}"/>
                   </c:ext>
                 </c:extLst>
               </c15:ser>
@@ -5534,7 +5593,7 @@
                 <c:smooth val="0"/>
                 <c:extLst xmlns:c15="http://schemas.microsoft.com/office/drawing/2012/chart">
                   <c:ext xmlns:c16="http://schemas.microsoft.com/office/drawing/2014/chart" uri="{C3380CC4-5D6E-409C-BE32-E72D297353CC}">
-                    <c16:uniqueId val="{00000019-B4E7-4B5F-BD8E-E766D6729943}"/>
+                    <c16:uniqueId val="{0000001A-4F8A-4E9A-87A3-B3271139CDE0}"/>
                   </c:ext>
                 </c:extLst>
               </c15:ser>
@@ -5625,7 +5684,7 @@
                 <c:smooth val="0"/>
                 <c:extLst xmlns:c15="http://schemas.microsoft.com/office/drawing/2012/chart">
                   <c:ext xmlns:c16="http://schemas.microsoft.com/office/drawing/2014/chart" uri="{C3380CC4-5D6E-409C-BE32-E72D297353CC}">
-                    <c16:uniqueId val="{0000001A-B4E7-4B5F-BD8E-E766D6729943}"/>
+                    <c16:uniqueId val="{0000001B-4F8A-4E9A-87A3-B3271139CDE0}"/>
                   </c:ext>
                 </c:extLst>
               </c15:ser>
@@ -5707,10 +5766,10 @@
                       </c:ext>
                     </c:extLst>
                     <c:numCache>
-                      <c:formatCode>0.00</c:formatCode>
-                      <c:ptCount val="1"/>
-                      <c:pt idx="0">
-                        <c:v>47.780433333333328</c:v>
+                      <c:formatCode>General</c:formatCode>
+                      <c:ptCount val="1"/>
+                      <c:pt idx="0">
+                        <c:v>49.186</c:v>
                       </c:pt>
                     </c:numCache>
                   </c:numRef>
@@ -5718,94 +5777,7 @@
                 <c:smooth val="0"/>
                 <c:extLst xmlns:c15="http://schemas.microsoft.com/office/drawing/2012/chart">
                   <c:ext xmlns:c16="http://schemas.microsoft.com/office/drawing/2014/chart" uri="{C3380CC4-5D6E-409C-BE32-E72D297353CC}">
-                    <c16:uniqueId val="{0000001B-B4E7-4B5F-BD8E-E766D6729943}"/>
-                  </c:ext>
-                </c:extLst>
-              </c15:ser>
-            </c15:filteredScatterSeries>
-            <c15:filteredScatterSeries>
-              <c15:ser>
-                <c:idx val="25"/>
-                <c:order val="25"/>
-                <c:tx>
-                  <c:strRef>
-                    <c:extLst xmlns:c15="http://schemas.microsoft.com/office/drawing/2012/chart">
-                      <c:ext xmlns:c15="http://schemas.microsoft.com/office/drawing/2012/chart" uri="{02D57815-91ED-43cb-92C2-25804820EDAC}">
-                        <c15:formulaRef>
-                          <c15:sqref>sim_results!$F$31</c15:sqref>
-                        </c15:formulaRef>
-                      </c:ext>
-                    </c:extLst>
-                    <c:strCache>
-                      <c:ptCount val="1"/>
-                      <c:pt idx="0">
-                        <c:v>AA6070-O (SPH)</c:v>
-                      </c:pt>
-                    </c:strCache>
-                  </c:strRef>
-                </c:tx>
-                <c:spPr>
-                  <a:ln w="25400" cap="rnd">
-                    <a:noFill/>
-                    <a:round/>
-                  </a:ln>
-                  <a:effectLst/>
-                </c:spPr>
-                <c:marker>
-                  <c:symbol val="square"/>
-                  <c:size val="5"/>
-                  <c:spPr>
-                    <a:solidFill>
-                      <a:schemeClr val="accent1"/>
-                    </a:solidFill>
-                    <a:ln w="9525">
-                      <a:solidFill>
-                        <a:schemeClr val="accent1"/>
-                      </a:solidFill>
-                    </a:ln>
-                    <a:effectLst/>
-                  </c:spPr>
-                </c:marker>
-                <c:xVal>
-                  <c:numRef>
-                    <c:extLst xmlns:c15="http://schemas.microsoft.com/office/drawing/2012/chart">
-                      <c:ext xmlns:c15="http://schemas.microsoft.com/office/drawing/2012/chart" uri="{02D57815-91ED-43cb-92C2-25804820EDAC}">
-                        <c15:formulaRef>
-                          <c15:sqref>sim_results!$G$6</c15:sqref>
-                        </c15:formulaRef>
-                      </c:ext>
-                    </c:extLst>
-                    <c:numCache>
-                      <c:formatCode>General</c:formatCode>
-                      <c:ptCount val="1"/>
-                      <c:pt idx="0">
-                        <c:v>2.7000000000000002E-9</c:v>
-                      </c:pt>
-                    </c:numCache>
-                  </c:numRef>
-                </c:xVal>
-                <c:yVal>
-                  <c:numRef>
-                    <c:extLst xmlns:c15="http://schemas.microsoft.com/office/drawing/2012/chart">
-                      <c:ext xmlns:c15="http://schemas.microsoft.com/office/drawing/2012/chart" uri="{02D57815-91ED-43cb-92C2-25804820EDAC}">
-                        <c15:formulaRef>
-                          <c15:sqref>sim_results!$F$34</c15:sqref>
-                        </c15:formulaRef>
-                      </c:ext>
-                    </c:extLst>
-                    <c:numCache>
-                      <c:formatCode>General</c:formatCode>
-                      <c:ptCount val="1"/>
-                      <c:pt idx="0">
-                        <c:v>0</c:v>
-                      </c:pt>
-                    </c:numCache>
-                  </c:numRef>
-                </c:yVal>
-                <c:smooth val="0"/>
-                <c:extLst xmlns:c15="http://schemas.microsoft.com/office/drawing/2012/chart">
-                  <c:ext xmlns:c16="http://schemas.microsoft.com/office/drawing/2014/chart" uri="{C3380CC4-5D6E-409C-BE32-E72D297353CC}">
-                    <c16:uniqueId val="{0000001C-B4E7-4B5F-BD8E-E766D6729943}"/>
+                    <c16:uniqueId val="{0000001C-4F8A-4E9A-87A3-B3271139CDE0}"/>
                   </c:ext>
                 </c:extLst>
               </c15:ser>
@@ -5864,8 +5836,8 @@
             <c:manualLayout>
               <c:xMode val="edge"/>
               <c:yMode val="edge"/>
-              <c:x val="0.46782043144151736"/>
-              <c:y val="0.87576810034912045"/>
+              <c:x val="0.44666148210568279"/>
+              <c:y val="0.89411840542882615"/>
             </c:manualLayout>
           </c:layout>
           <c:overlay val="0"/>
@@ -5907,7 +5879,7 @@
                   <a:cs typeface="+mn-cs"/>
                 </a:defRPr>
               </a:pPr>
-              <a:endParaRPr lang="en-NL"/>
+              <a:endParaRPr lang="en-US"/>
             </a:p>
           </c:txPr>
         </c:title>
@@ -5945,7 +5917,7 @@
                 <a:cs typeface="+mn-cs"/>
               </a:defRPr>
             </a:pPr>
-            <a:endParaRPr lang="en-NL"/>
+            <a:endParaRPr lang="en-US"/>
           </a:p>
         </c:txPr>
         <c:crossAx val="1767837104"/>
@@ -6017,8 +5989,8 @@
             <c:manualLayout>
               <c:xMode val="edge"/>
               <c:yMode val="edge"/>
-              <c:x val="1.1139280919946724E-2"/>
-              <c:y val="0.16216650238212588"/>
+              <c:x val="2.0008282956507389E-2"/>
+              <c:y val="0.1863664765298057"/>
             </c:manualLayout>
           </c:layout>
           <c:overlay val="0"/>
@@ -6046,7 +6018,7 @@
                   <a:cs typeface="+mn-cs"/>
                 </a:defRPr>
               </a:pPr>
-              <a:endParaRPr lang="en-NL"/>
+              <a:endParaRPr lang="en-US"/>
             </a:p>
           </c:txPr>
         </c:title>
@@ -6084,7 +6056,7 @@
                 <a:cs typeface="+mn-cs"/>
               </a:defRPr>
             </a:pPr>
-            <a:endParaRPr lang="en-NL"/>
+            <a:endParaRPr lang="en-US"/>
           </a:p>
         </c:txPr>
         <c:crossAx val="1593113264"/>
@@ -6124,7 +6096,7 @@
       <a:pPr>
         <a:defRPr/>
       </a:pPr>
-      <a:endParaRPr lang="en-NL"/>
+      <a:endParaRPr lang="en-US"/>
     </a:p>
   </c:txPr>
   <c:externalData r:id="rId3">
@@ -6163,8 +6135,8 @@
         <c:manualLayout>
           <c:xMode val="edge"/>
           <c:yMode val="edge"/>
-          <c:x val="0.33201128042838912"/>
-          <c:y val="4.6526585554455747E-2"/>
+          <c:x val="0.34159523906870393"/>
+          <c:y val="6.3448379929927481E-2"/>
         </c:manualLayout>
       </c:layout>
       <c:overlay val="0"/>
@@ -6192,7 +6164,7 @@
               <a:cs typeface="+mn-cs"/>
             </a:defRPr>
           </a:pPr>
-          <a:endParaRPr lang="en-NL"/>
+          <a:endParaRPr lang="en-US"/>
         </a:p>
       </c:txPr>
     </c:title>
@@ -6265,7 +6237,7 @@
           <c:smooth val="0"/>
           <c:extLst>
             <c:ext xmlns:c16="http://schemas.microsoft.com/office/drawing/2014/chart" uri="{C3380CC4-5D6E-409C-BE32-E72D297353CC}">
-              <c16:uniqueId val="{00000000-153D-4E7A-B58E-E4042A642A96}"/>
+              <c16:uniqueId val="{00000000-C684-4CE7-90D8-029F37B698D3}"/>
             </c:ext>
           </c:extLst>
         </c:ser>
@@ -6332,7 +6304,7 @@
           <c:smooth val="0"/>
           <c:extLst>
             <c:ext xmlns:c16="http://schemas.microsoft.com/office/drawing/2014/chart" uri="{C3380CC4-5D6E-409C-BE32-E72D297353CC}">
-              <c16:uniqueId val="{00000001-153D-4E7A-B58E-E4042A642A96}"/>
+              <c16:uniqueId val="{00000001-C684-4CE7-90D8-029F37B698D3}"/>
             </c:ext>
           </c:extLst>
         </c:ser>
@@ -6399,7 +6371,7 @@
           <c:smooth val="0"/>
           <c:extLst>
             <c:ext xmlns:c16="http://schemas.microsoft.com/office/drawing/2014/chart" uri="{C3380CC4-5D6E-409C-BE32-E72D297353CC}">
-              <c16:uniqueId val="{00000002-153D-4E7A-B58E-E4042A642A96}"/>
+              <c16:uniqueId val="{00000002-C684-4CE7-90D8-029F37B698D3}"/>
             </c:ext>
           </c:extLst>
         </c:ser>
@@ -6466,7 +6438,77 @@
           <c:smooth val="0"/>
           <c:extLst>
             <c:ext xmlns:c16="http://schemas.microsoft.com/office/drawing/2014/chart" uri="{C3380CC4-5D6E-409C-BE32-E72D297353CC}">
-              <c16:uniqueId val="{00000003-153D-4E7A-B58E-E4042A642A96}"/>
+              <c16:uniqueId val="{00000003-C684-4CE7-90D8-029F37B698D3}"/>
+            </c:ext>
+          </c:extLst>
+        </c:ser>
+        <c:ser>
+          <c:idx val="26"/>
+          <c:order val="26"/>
+          <c:tx>
+            <c:strRef>
+              <c:f>sim_results!$F$31</c:f>
+              <c:strCache>
+                <c:ptCount val="1"/>
+                <c:pt idx="0">
+                  <c:v>AA6061-T6 (SPH)</c:v>
+                </c:pt>
+              </c:strCache>
+              <c:extLst xmlns:c15="http://schemas.microsoft.com/office/drawing/2012/chart"/>
+            </c:strRef>
+          </c:tx>
+          <c:spPr>
+            <a:ln w="25400" cap="rnd">
+              <a:noFill/>
+              <a:round/>
+            </a:ln>
+            <a:effectLst/>
+          </c:spPr>
+          <c:marker>
+            <c:symbol val="square"/>
+            <c:size val="5"/>
+            <c:spPr>
+              <a:solidFill>
+                <a:schemeClr val="accent1"/>
+              </a:solidFill>
+              <a:ln w="9525">
+                <a:solidFill>
+                  <a:schemeClr val="accent1"/>
+                </a:solidFill>
+              </a:ln>
+              <a:effectLst/>
+            </c:spPr>
+          </c:marker>
+          <c:xVal>
+            <c:numRef>
+              <c:f>sim_results!$G$6</c:f>
+              <c:numCache>
+                <c:formatCode>General</c:formatCode>
+                <c:ptCount val="1"/>
+                <c:pt idx="0">
+                  <c:v>2.7000000000000002E-9</c:v>
+                </c:pt>
+              </c:numCache>
+              <c:extLst xmlns:c15="http://schemas.microsoft.com/office/drawing/2012/chart"/>
+            </c:numRef>
+          </c:xVal>
+          <c:yVal>
+            <c:numRef>
+              <c:f>sim_results!$F$38</c:f>
+              <c:numCache>
+                <c:formatCode>0.00E+00</c:formatCode>
+                <c:ptCount val="1"/>
+                <c:pt idx="0">
+                  <c:v>6150000</c:v>
+                </c:pt>
+              </c:numCache>
+              <c:extLst xmlns:c15="http://schemas.microsoft.com/office/drawing/2012/chart"/>
+            </c:numRef>
+          </c:yVal>
+          <c:smooth val="0"/>
+          <c:extLst xmlns:c15="http://schemas.microsoft.com/office/drawing/2012/chart">
+            <c:ext xmlns:c16="http://schemas.microsoft.com/office/drawing/2014/chart" uri="{C3380CC4-5D6E-409C-BE32-E72D297353CC}">
+              <c16:uniqueId val="{00000004-C684-4CE7-90D8-029F37B698D3}"/>
             </c:ext>
           </c:extLst>
         </c:ser>
@@ -6533,7 +6575,7 @@
           <c:smooth val="0"/>
           <c:extLst>
             <c:ext xmlns:c16="http://schemas.microsoft.com/office/drawing/2014/chart" uri="{C3380CC4-5D6E-409C-BE32-E72D297353CC}">
-              <c16:uniqueId val="{00000004-153D-4E7A-B58E-E4042A642A96}"/>
+              <c16:uniqueId val="{00000005-C684-4CE7-90D8-029F37B698D3}"/>
             </c:ext>
           </c:extLst>
         </c:ser>
@@ -6600,7 +6642,7 @@
           <c:smooth val="0"/>
           <c:extLst>
             <c:ext xmlns:c16="http://schemas.microsoft.com/office/drawing/2014/chart" uri="{C3380CC4-5D6E-409C-BE32-E72D297353CC}">
-              <c16:uniqueId val="{00000005-153D-4E7A-B58E-E4042A642A96}"/>
+              <c16:uniqueId val="{00000006-C684-4CE7-90D8-029F37B698D3}"/>
             </c:ext>
           </c:extLst>
         </c:ser>
@@ -6667,7 +6709,7 @@
           <c:smooth val="0"/>
           <c:extLst>
             <c:ext xmlns:c16="http://schemas.microsoft.com/office/drawing/2014/chart" uri="{C3380CC4-5D6E-409C-BE32-E72D297353CC}">
-              <c16:uniqueId val="{00000006-153D-4E7A-B58E-E4042A642A96}"/>
+              <c16:uniqueId val="{00000007-C684-4CE7-90D8-029F37B698D3}"/>
             </c:ext>
           </c:extLst>
         </c:ser>
@@ -6751,7 +6793,7 @@
                 <c:smooth val="0"/>
                 <c:extLst>
                   <c:ext xmlns:c16="http://schemas.microsoft.com/office/drawing/2014/chart" uri="{C3380CC4-5D6E-409C-BE32-E72D297353CC}">
-                    <c16:uniqueId val="{00000007-153D-4E7A-B58E-E4042A642A96}"/>
+                    <c16:uniqueId val="{00000008-C684-4CE7-90D8-029F37B698D3}"/>
                   </c:ext>
                 </c:extLst>
               </c15:ser>
@@ -6824,7 +6866,7 @@
                 <c:smooth val="0"/>
                 <c:extLst xmlns:c15="http://schemas.microsoft.com/office/drawing/2012/chart">
                   <c:ext xmlns:c16="http://schemas.microsoft.com/office/drawing/2014/chart" uri="{C3380CC4-5D6E-409C-BE32-E72D297353CC}">
-                    <c16:uniqueId val="{00000008-153D-4E7A-B58E-E4042A642A96}"/>
+                    <c16:uniqueId val="{00000009-C684-4CE7-90D8-029F37B698D3}"/>
                   </c:ext>
                 </c:extLst>
               </c15:ser>
@@ -6897,7 +6939,7 @@
                 <c:smooth val="0"/>
                 <c:extLst xmlns:c15="http://schemas.microsoft.com/office/drawing/2012/chart">
                   <c:ext xmlns:c16="http://schemas.microsoft.com/office/drawing/2014/chart" uri="{C3380CC4-5D6E-409C-BE32-E72D297353CC}">
-                    <c16:uniqueId val="{00000009-153D-4E7A-B58E-E4042A642A96}"/>
+                    <c16:uniqueId val="{0000000A-C684-4CE7-90D8-029F37B698D3}"/>
                   </c:ext>
                 </c:extLst>
               </c15:ser>
@@ -6970,7 +7012,7 @@
                 <c:smooth val="0"/>
                 <c:extLst xmlns:c15="http://schemas.microsoft.com/office/drawing/2012/chart">
                   <c:ext xmlns:c16="http://schemas.microsoft.com/office/drawing/2014/chart" uri="{C3380CC4-5D6E-409C-BE32-E72D297353CC}">
-                    <c16:uniqueId val="{0000000A-153D-4E7A-B58E-E4042A642A96}"/>
+                    <c16:uniqueId val="{0000000B-C684-4CE7-90D8-029F37B698D3}"/>
                   </c:ext>
                 </c:extLst>
               </c15:ser>
@@ -7063,7 +7105,7 @@
                 <c:smooth val="0"/>
                 <c:extLst xmlns:c15="http://schemas.microsoft.com/office/drawing/2012/chart">
                   <c:ext xmlns:c16="http://schemas.microsoft.com/office/drawing/2014/chart" uri="{C3380CC4-5D6E-409C-BE32-E72D297353CC}">
-                    <c16:uniqueId val="{0000000B-153D-4E7A-B58E-E4042A642A96}"/>
+                    <c16:uniqueId val="{0000000C-C684-4CE7-90D8-029F37B698D3}"/>
                   </c:ext>
                 </c:extLst>
               </c15:ser>
@@ -7156,7 +7198,7 @@
                 <c:smooth val="0"/>
                 <c:extLst xmlns:c15="http://schemas.microsoft.com/office/drawing/2012/chart">
                   <c:ext xmlns:c16="http://schemas.microsoft.com/office/drawing/2014/chart" uri="{C3380CC4-5D6E-409C-BE32-E72D297353CC}">
-                    <c16:uniqueId val="{0000000C-153D-4E7A-B58E-E4042A642A96}"/>
+                    <c16:uniqueId val="{0000000D-C684-4CE7-90D8-029F37B698D3}"/>
                   </c:ext>
                 </c:extLst>
               </c15:ser>
@@ -7249,7 +7291,7 @@
                 <c:smooth val="0"/>
                 <c:extLst xmlns:c15="http://schemas.microsoft.com/office/drawing/2012/chart">
                   <c:ext xmlns:c16="http://schemas.microsoft.com/office/drawing/2014/chart" uri="{C3380CC4-5D6E-409C-BE32-E72D297353CC}">
-                    <c16:uniqueId val="{0000000D-153D-4E7A-B58E-E4042A642A96}"/>
+                    <c16:uniqueId val="{0000000E-C684-4CE7-90D8-029F37B698D3}"/>
                   </c:ext>
                 </c:extLst>
               </c15:ser>
@@ -7322,7 +7364,7 @@
                 <c:smooth val="0"/>
                 <c:extLst xmlns:c15="http://schemas.microsoft.com/office/drawing/2012/chart">
                   <c:ext xmlns:c16="http://schemas.microsoft.com/office/drawing/2014/chart" uri="{C3380CC4-5D6E-409C-BE32-E72D297353CC}">
-                    <c16:uniqueId val="{0000000E-153D-4E7A-B58E-E4042A642A96}"/>
+                    <c16:uniqueId val="{0000000F-C684-4CE7-90D8-029F37B698D3}"/>
                   </c:ext>
                 </c:extLst>
               </c15:ser>
@@ -7413,7 +7455,7 @@
                 <c:smooth val="0"/>
                 <c:extLst xmlns:c15="http://schemas.microsoft.com/office/drawing/2012/chart">
                   <c:ext xmlns:c16="http://schemas.microsoft.com/office/drawing/2014/chart" uri="{C3380CC4-5D6E-409C-BE32-E72D297353CC}">
-                    <c16:uniqueId val="{0000000F-153D-4E7A-B58E-E4042A642A96}"/>
+                    <c16:uniqueId val="{00000010-C684-4CE7-90D8-029F37B698D3}"/>
                   </c:ext>
                 </c:extLst>
               </c15:ser>
@@ -7504,7 +7546,7 @@
                 <c:smooth val="0"/>
                 <c:extLst xmlns:c15="http://schemas.microsoft.com/office/drawing/2012/chart">
                   <c:ext xmlns:c16="http://schemas.microsoft.com/office/drawing/2014/chart" uri="{C3380CC4-5D6E-409C-BE32-E72D297353CC}">
-                    <c16:uniqueId val="{00000010-153D-4E7A-B58E-E4042A642A96}"/>
+                    <c16:uniqueId val="{00000011-C684-4CE7-90D8-029F37B698D3}"/>
                   </c:ext>
                 </c:extLst>
               </c15:ser>
@@ -7595,7 +7637,7 @@
                 <c:smooth val="0"/>
                 <c:extLst xmlns:c15="http://schemas.microsoft.com/office/drawing/2012/chart">
                   <c:ext xmlns:c16="http://schemas.microsoft.com/office/drawing/2014/chart" uri="{C3380CC4-5D6E-409C-BE32-E72D297353CC}">
-                    <c16:uniqueId val="{00000011-153D-4E7A-B58E-E4042A642A96}"/>
+                    <c16:uniqueId val="{00000012-C684-4CE7-90D8-029F37B698D3}"/>
                   </c:ext>
                 </c:extLst>
               </c15:ser>
@@ -7686,7 +7728,7 @@
                 <c:smooth val="0"/>
                 <c:extLst xmlns:c15="http://schemas.microsoft.com/office/drawing/2012/chart">
                   <c:ext xmlns:c16="http://schemas.microsoft.com/office/drawing/2014/chart" uri="{C3380CC4-5D6E-409C-BE32-E72D297353CC}">
-                    <c16:uniqueId val="{00000012-153D-4E7A-B58E-E4042A642A96}"/>
+                    <c16:uniqueId val="{00000013-C684-4CE7-90D8-029F37B698D3}"/>
                   </c:ext>
                 </c:extLst>
               </c15:ser>
@@ -7777,7 +7819,7 @@
                 <c:smooth val="0"/>
                 <c:extLst xmlns:c15="http://schemas.microsoft.com/office/drawing/2012/chart">
                   <c:ext xmlns:c16="http://schemas.microsoft.com/office/drawing/2014/chart" uri="{C3380CC4-5D6E-409C-BE32-E72D297353CC}">
-                    <c16:uniqueId val="{00000013-153D-4E7A-B58E-E4042A642A96}"/>
+                    <c16:uniqueId val="{00000014-C684-4CE7-90D8-029F37B698D3}"/>
                   </c:ext>
                 </c:extLst>
               </c15:ser>
@@ -7864,7 +7906,7 @@
                   </c:spPr>
                   <c:extLst xmlns:c15="http://schemas.microsoft.com/office/drawing/2012/chart">
                     <c:ext xmlns:c16="http://schemas.microsoft.com/office/drawing/2014/chart" uri="{C3380CC4-5D6E-409C-BE32-E72D297353CC}">
-                      <c16:uniqueId val="{00000015-153D-4E7A-B58E-E4042A642A96}"/>
+                      <c16:uniqueId val="{00000016-C684-4CE7-90D8-029F37B698D3}"/>
                     </c:ext>
                   </c:extLst>
                 </c:dPt>
@@ -7907,7 +7949,7 @@
                 <c:smooth val="0"/>
                 <c:extLst xmlns:c15="http://schemas.microsoft.com/office/drawing/2012/chart">
                   <c:ext xmlns:c16="http://schemas.microsoft.com/office/drawing/2014/chart" uri="{C3380CC4-5D6E-409C-BE32-E72D297353CC}">
-                    <c16:uniqueId val="{00000016-153D-4E7A-B58E-E4042A642A96}"/>
+                    <c16:uniqueId val="{00000017-C684-4CE7-90D8-029F37B698D3}"/>
                   </c:ext>
                 </c:extLst>
               </c15:ser>
@@ -8000,7 +8042,7 @@
                 <c:smooth val="0"/>
                 <c:extLst xmlns:c15="http://schemas.microsoft.com/office/drawing/2012/chart">
                   <c:ext xmlns:c16="http://schemas.microsoft.com/office/drawing/2014/chart" uri="{C3380CC4-5D6E-409C-BE32-E72D297353CC}">
-                    <c16:uniqueId val="{00000017-153D-4E7A-B58E-E4042A642A96}"/>
+                    <c16:uniqueId val="{00000018-C684-4CE7-90D8-029F37B698D3}"/>
                   </c:ext>
                 </c:extLst>
               </c15:ser>
@@ -8091,7 +8133,7 @@
                 <c:smooth val="0"/>
                 <c:extLst xmlns:c15="http://schemas.microsoft.com/office/drawing/2012/chart">
                   <c:ext xmlns:c16="http://schemas.microsoft.com/office/drawing/2014/chart" uri="{C3380CC4-5D6E-409C-BE32-E72D297353CC}">
-                    <c16:uniqueId val="{00000018-153D-4E7A-B58E-E4042A642A96}"/>
+                    <c16:uniqueId val="{00000019-C684-4CE7-90D8-029F37B698D3}"/>
                   </c:ext>
                 </c:extLst>
               </c15:ser>
@@ -8112,7 +8154,7 @@
                     <c:strCache>
                       <c:ptCount val="1"/>
                       <c:pt idx="0">
-                        <c:v>2024-T351</c:v>
+                        <c:v>AA2024-T351</c:v>
                       </c:pt>
                     </c:strCache>
                   </c:strRef>
@@ -8182,7 +8224,7 @@
                 <c:smooth val="0"/>
                 <c:extLst xmlns:c15="http://schemas.microsoft.com/office/drawing/2012/chart">
                   <c:ext xmlns:c16="http://schemas.microsoft.com/office/drawing/2014/chart" uri="{C3380CC4-5D6E-409C-BE32-E72D297353CC}">
-                    <c16:uniqueId val="{00000019-153D-4E7A-B58E-E4042A642A96}"/>
+                    <c16:uniqueId val="{0000001A-C684-4CE7-90D8-029F37B698D3}"/>
                   </c:ext>
                 </c:extLst>
               </c15:ser>
@@ -8273,7 +8315,7 @@
                 <c:smooth val="0"/>
                 <c:extLst xmlns:c15="http://schemas.microsoft.com/office/drawing/2012/chart">
                   <c:ext xmlns:c16="http://schemas.microsoft.com/office/drawing/2014/chart" uri="{C3380CC4-5D6E-409C-BE32-E72D297353CC}">
-                    <c16:uniqueId val="{0000001A-153D-4E7A-B58E-E4042A642A96}"/>
+                    <c16:uniqueId val="{0000001B-C684-4CE7-90D8-029F37B698D3}"/>
                   </c:ext>
                 </c:extLst>
               </c15:ser>
@@ -8364,7 +8406,7 @@
                 <c:smooth val="0"/>
                 <c:extLst xmlns:c15="http://schemas.microsoft.com/office/drawing/2012/chart">
                   <c:ext xmlns:c16="http://schemas.microsoft.com/office/drawing/2014/chart" uri="{C3380CC4-5D6E-409C-BE32-E72D297353CC}">
-                    <c16:uniqueId val="{0000001B-153D-4E7A-B58E-E4042A642A96}"/>
+                    <c16:uniqueId val="{0000001C-C684-4CE7-90D8-029F37B698D3}"/>
                   </c:ext>
                 </c:extLst>
               </c15:ser>
@@ -8455,7 +8497,7 @@
                 <c:smooth val="0"/>
                 <c:extLst xmlns:c15="http://schemas.microsoft.com/office/drawing/2012/chart">
                   <c:ext xmlns:c16="http://schemas.microsoft.com/office/drawing/2014/chart" uri="{C3380CC4-5D6E-409C-BE32-E72D297353CC}">
-                    <c16:uniqueId val="{0000001C-153D-4E7A-B58E-E4042A642A96}"/>
+                    <c16:uniqueId val="{0000001D-C684-4CE7-90D8-029F37B698D3}"/>
                   </c:ext>
                 </c:extLst>
               </c15:ser>
@@ -8546,7 +8588,7 @@
                 <c:smooth val="0"/>
                 <c:extLst xmlns:c15="http://schemas.microsoft.com/office/drawing/2012/chart">
                   <c:ext xmlns:c16="http://schemas.microsoft.com/office/drawing/2014/chart" uri="{C3380CC4-5D6E-409C-BE32-E72D297353CC}">
-                    <c16:uniqueId val="{0000001D-153D-4E7A-B58E-E4042A642A96}"/>
+                    <c16:uniqueId val="{0000001E-C684-4CE7-90D8-029F37B698D3}"/>
                   </c:ext>
                 </c:extLst>
               </c15:ser>
@@ -8639,94 +8681,7 @@
                 <c:smooth val="0"/>
                 <c:extLst xmlns:c15="http://schemas.microsoft.com/office/drawing/2012/chart">
                   <c:ext xmlns:c16="http://schemas.microsoft.com/office/drawing/2014/chart" uri="{C3380CC4-5D6E-409C-BE32-E72D297353CC}">
-                    <c16:uniqueId val="{0000001E-153D-4E7A-B58E-E4042A642A96}"/>
-                  </c:ext>
-                </c:extLst>
-              </c15:ser>
-            </c15:filteredScatterSeries>
-            <c15:filteredScatterSeries>
-              <c15:ser>
-                <c:idx val="26"/>
-                <c:order val="26"/>
-                <c:tx>
-                  <c:strRef>
-                    <c:extLst xmlns:c15="http://schemas.microsoft.com/office/drawing/2012/chart">
-                      <c:ext xmlns:c15="http://schemas.microsoft.com/office/drawing/2012/chart" uri="{02D57815-91ED-43cb-92C2-25804820EDAC}">
-                        <c15:formulaRef>
-                          <c15:sqref>sim_results!$F$31</c15:sqref>
-                        </c15:formulaRef>
-                      </c:ext>
-                    </c:extLst>
-                    <c:strCache>
-                      <c:ptCount val="1"/>
-                      <c:pt idx="0">
-                        <c:v>AA6070-O (SPH)</c:v>
-                      </c:pt>
-                    </c:strCache>
-                  </c:strRef>
-                </c:tx>
-                <c:spPr>
-                  <a:ln w="25400" cap="rnd">
-                    <a:noFill/>
-                    <a:round/>
-                  </a:ln>
-                  <a:effectLst/>
-                </c:spPr>
-                <c:marker>
-                  <c:symbol val="square"/>
-                  <c:size val="5"/>
-                  <c:spPr>
-                    <a:solidFill>
-                      <a:schemeClr val="accent1"/>
-                    </a:solidFill>
-                    <a:ln w="9525">
-                      <a:solidFill>
-                        <a:schemeClr val="accent1"/>
-                      </a:solidFill>
-                    </a:ln>
-                    <a:effectLst/>
-                  </c:spPr>
-                </c:marker>
-                <c:xVal>
-                  <c:numRef>
-                    <c:extLst xmlns:c15="http://schemas.microsoft.com/office/drawing/2012/chart">
-                      <c:ext xmlns:c15="http://schemas.microsoft.com/office/drawing/2012/chart" uri="{02D57815-91ED-43cb-92C2-25804820EDAC}">
-                        <c15:formulaRef>
-                          <c15:sqref>sim_results!$G$6</c15:sqref>
-                        </c15:formulaRef>
-                      </c:ext>
-                    </c:extLst>
-                    <c:numCache>
-                      <c:formatCode>General</c:formatCode>
-                      <c:ptCount val="1"/>
-                      <c:pt idx="0">
-                        <c:v>2.7000000000000002E-9</c:v>
-                      </c:pt>
-                    </c:numCache>
-                  </c:numRef>
-                </c:xVal>
-                <c:yVal>
-                  <c:numRef>
-                    <c:extLst xmlns:c15="http://schemas.microsoft.com/office/drawing/2012/chart">
-                      <c:ext xmlns:c15="http://schemas.microsoft.com/office/drawing/2012/chart" uri="{02D57815-91ED-43cb-92C2-25804820EDAC}">
-                        <c15:formulaRef>
-                          <c15:sqref>sim_results!$F$38</c15:sqref>
-                        </c15:formulaRef>
-                      </c:ext>
-                    </c:extLst>
-                    <c:numCache>
-                      <c:formatCode>General</c:formatCode>
-                      <c:ptCount val="1"/>
-                      <c:pt idx="0">
-                        <c:v>0</c:v>
-                      </c:pt>
-                    </c:numCache>
-                  </c:numRef>
-                </c:yVal>
-                <c:smooth val="0"/>
-                <c:extLst xmlns:c15="http://schemas.microsoft.com/office/drawing/2012/chart">
-                  <c:ext xmlns:c16="http://schemas.microsoft.com/office/drawing/2014/chart" uri="{C3380CC4-5D6E-409C-BE32-E72D297353CC}">
-                    <c16:uniqueId val="{0000001F-153D-4E7A-B58E-E4042A642A96}"/>
+                    <c16:uniqueId val="{0000001F-C684-4CE7-90D8-029F37B698D3}"/>
                   </c:ext>
                 </c:extLst>
               </c15:ser>
@@ -8785,8 +8740,8 @@
             <c:manualLayout>
               <c:xMode val="edge"/>
               <c:yMode val="edge"/>
-              <c:x val="0.43855286358603823"/>
-              <c:y val="0.87157046213605016"/>
+              <c:x val="0.46842785741891735"/>
+              <c:y val="0.87706139293868768"/>
             </c:manualLayout>
           </c:layout>
           <c:overlay val="0"/>
@@ -8828,7 +8783,7 @@
                   <a:cs typeface="+mn-cs"/>
                 </a:defRPr>
               </a:pPr>
-              <a:endParaRPr lang="en-NL"/>
+              <a:endParaRPr lang="en-US"/>
             </a:p>
           </c:txPr>
         </c:title>
@@ -8866,7 +8821,7 @@
                 <a:cs typeface="+mn-cs"/>
               </a:defRPr>
             </a:pPr>
-            <a:endParaRPr lang="en-NL"/>
+            <a:endParaRPr lang="en-US"/>
           </a:p>
         </c:txPr>
         <c:crossAx val="1767837104"/>
@@ -8946,8 +8901,8 @@
             <c:manualLayout>
               <c:xMode val="edge"/>
               <c:yMode val="edge"/>
-              <c:x val="8.3544606899600433E-3"/>
-              <c:y val="0.21170149018338666"/>
+              <c:x val="1.4695660961458797E-2"/>
+              <c:y val="0.23825354885921546"/>
             </c:manualLayout>
           </c:layout>
           <c:overlay val="0"/>
@@ -8975,7 +8930,7 @@
                   <a:cs typeface="+mn-cs"/>
                 </a:defRPr>
               </a:pPr>
-              <a:endParaRPr lang="en-NL"/>
+              <a:endParaRPr lang="en-US"/>
             </a:p>
           </c:txPr>
         </c:title>
@@ -9013,7 +8968,7 @@
                 <a:cs typeface="+mn-cs"/>
               </a:defRPr>
             </a:pPr>
-            <a:endParaRPr lang="en-NL"/>
+            <a:endParaRPr lang="en-US"/>
           </a:p>
         </c:txPr>
         <c:crossAx val="1593113264"/>
@@ -9053,7 +9008,7 @@
       <a:pPr>
         <a:defRPr/>
       </a:pPr>
-      <a:endParaRPr lang="en-NL"/>
+      <a:endParaRPr lang="en-US"/>
     </a:p>
   </c:txPr>
   <c:externalData r:id="rId3">
@@ -14244,7 +14199,7 @@
           <p:cNvPr id="8" name="TextBox 7">
             <a:extLst>
               <a:ext uri="{FF2B5EF4-FFF2-40B4-BE49-F238E27FC236}">
-                <a16:creationId xmlns:a16="http://schemas.microsoft.com/office/drawing/2014/main" id="{4A0191AC-E424-4973-9E21-C1C100A1F926}"/>
+                <a16:creationId xmlns:a16="http://schemas.microsoft.com/office/drawing/2014/main" id="{416E6571-752A-4680-9AB7-CED5EF05B2E0}"/>
               </a:ext>
             </a:extLst>
           </p:cNvPr>
@@ -14253,8 +14208,8 @@
         </p:nvSpPr>
         <p:spPr>
           <a:xfrm>
-            <a:off x="4668365" y="293792"/>
-            <a:ext cx="5039507" cy="461665"/>
+            <a:off x="4315382" y="205108"/>
+            <a:ext cx="3561235" cy="461665"/>
           </a:xfrm>
           <a:prstGeom prst="rect">
             <a:avLst/>
@@ -14269,7 +14224,162 @@
           <a:p>
             <a:r>
               <a:rPr lang="en-GB" sz="2400" dirty="0"/>
-              <a:t>SPH OBSERVATIONS</a:t>
+              <a:t>FEM/DES vs SPH - DENSITY</a:t>
+            </a:r>
+          </a:p>
+        </p:txBody>
+      </p:sp>
+      <p:graphicFrame>
+        <p:nvGraphicFramePr>
+          <p:cNvPr id="14" name="Chart 13">
+            <a:extLst>
+              <a:ext uri="{FF2B5EF4-FFF2-40B4-BE49-F238E27FC236}">
+                <a16:creationId xmlns:a16="http://schemas.microsoft.com/office/drawing/2014/main" id="{9D5FB80E-EFB0-4F72-80F8-759B1B4DC749}"/>
+              </a:ext>
+            </a:extLst>
+          </p:cNvPr>
+          <p:cNvGraphicFramePr>
+            <a:graphicFrameLocks/>
+          </p:cNvGraphicFramePr>
+          <p:nvPr>
+            <p:extLst>
+              <p:ext uri="{D42A27DB-BD31-4B8C-83A1-F6EECF244321}">
+                <p14:modId xmlns:p14="http://schemas.microsoft.com/office/powerpoint/2010/main" val="882340299"/>
+              </p:ext>
+            </p:extLst>
+          </p:nvPr>
+        </p:nvGraphicFramePr>
+        <p:xfrm>
+          <a:off x="3449744" y="973123"/>
+          <a:ext cx="6014908" cy="2910948"/>
+        </p:xfrm>
+        <a:graphic>
+          <a:graphicData uri="http://schemas.openxmlformats.org/drawingml/2006/chart">
+            <c:chart xmlns:c="http://schemas.openxmlformats.org/drawingml/2006/chart" xmlns:r="http://schemas.openxmlformats.org/officeDocument/2006/relationships" r:id="rId2"/>
+          </a:graphicData>
+        </a:graphic>
+      </p:graphicFrame>
+      <p:graphicFrame>
+        <p:nvGraphicFramePr>
+          <p:cNvPr id="15" name="Chart 14">
+            <a:extLst>
+              <a:ext uri="{FF2B5EF4-FFF2-40B4-BE49-F238E27FC236}">
+                <a16:creationId xmlns:a16="http://schemas.microsoft.com/office/drawing/2014/main" id="{873A9777-0EBA-4FF4-B51A-3024E887E5EF}"/>
+              </a:ext>
+            </a:extLst>
+          </p:cNvPr>
+          <p:cNvGraphicFramePr>
+            <a:graphicFrameLocks/>
+          </p:cNvGraphicFramePr>
+          <p:nvPr>
+            <p:extLst>
+              <p:ext uri="{D42A27DB-BD31-4B8C-83A1-F6EECF244321}">
+                <p14:modId xmlns:p14="http://schemas.microsoft.com/office/powerpoint/2010/main" val="364062173"/>
+              </p:ext>
+            </p:extLst>
+          </p:nvPr>
+        </p:nvGraphicFramePr>
+        <p:xfrm>
+          <a:off x="910797" y="3884071"/>
+          <a:ext cx="4995054" cy="2856182"/>
+        </p:xfrm>
+        <a:graphic>
+          <a:graphicData uri="http://schemas.openxmlformats.org/drawingml/2006/chart">
+            <c:chart xmlns:c="http://schemas.openxmlformats.org/drawingml/2006/chart" xmlns:r="http://schemas.openxmlformats.org/officeDocument/2006/relationships" r:id="rId3"/>
+          </a:graphicData>
+        </a:graphic>
+      </p:graphicFrame>
+      <p:graphicFrame>
+        <p:nvGraphicFramePr>
+          <p:cNvPr id="16" name="Chart 15">
+            <a:extLst>
+              <a:ext uri="{FF2B5EF4-FFF2-40B4-BE49-F238E27FC236}">
+                <a16:creationId xmlns:a16="http://schemas.microsoft.com/office/drawing/2014/main" id="{A66A12C4-DA5B-40DE-8519-D77EBBE1B08F}"/>
+              </a:ext>
+            </a:extLst>
+          </p:cNvPr>
+          <p:cNvGraphicFramePr>
+            <a:graphicFrameLocks/>
+          </p:cNvGraphicFramePr>
+          <p:nvPr>
+            <p:extLst>
+              <p:ext uri="{D42A27DB-BD31-4B8C-83A1-F6EECF244321}">
+                <p14:modId xmlns:p14="http://schemas.microsoft.com/office/powerpoint/2010/main" val="2568744778"/>
+              </p:ext>
+            </p:extLst>
+          </p:nvPr>
+        </p:nvGraphicFramePr>
+        <p:xfrm>
+          <a:off x="6096000" y="3884071"/>
+          <a:ext cx="5094914" cy="2856182"/>
+        </p:xfrm>
+        <a:graphic>
+          <a:graphicData uri="http://schemas.openxmlformats.org/drawingml/2006/chart">
+            <c:chart xmlns:c="http://schemas.openxmlformats.org/drawingml/2006/chart" xmlns:r="http://schemas.openxmlformats.org/officeDocument/2006/relationships" r:id="rId4"/>
+          </a:graphicData>
+        </a:graphic>
+      </p:graphicFrame>
+    </p:spTree>
+    <p:extLst>
+      <p:ext uri="{BB962C8B-B14F-4D97-AF65-F5344CB8AC3E}">
+        <p14:creationId xmlns:p14="http://schemas.microsoft.com/office/powerpoint/2010/main" val="4214323094"/>
+      </p:ext>
+    </p:extLst>
+  </p:cSld>
+  <p:clrMapOvr>
+    <a:masterClrMapping/>
+  </p:clrMapOvr>
+</p:sld>
+</file>
+
+<file path=ppt/slides/slide3.xml><?xml version="1.0" encoding="utf-8"?>
+<p:sld xmlns:a="http://schemas.openxmlformats.org/drawingml/2006/main" xmlns:r="http://schemas.openxmlformats.org/officeDocument/2006/relationships" xmlns:p="http://schemas.openxmlformats.org/presentationml/2006/main">
+  <p:cSld>
+    <p:spTree>
+      <p:nvGrpSpPr>
+        <p:cNvPr id="1" name=""/>
+        <p:cNvGrpSpPr/>
+        <p:nvPr/>
+      </p:nvGrpSpPr>
+      <p:grpSpPr>
+        <a:xfrm>
+          <a:off x="0" y="0"/>
+          <a:ext cx="0" cy="0"/>
+          <a:chOff x="0" y="0"/>
+          <a:chExt cx="0" cy="0"/>
+        </a:xfrm>
+      </p:grpSpPr>
+      <p:sp>
+        <p:nvSpPr>
+          <p:cNvPr id="8" name="TextBox 7">
+            <a:extLst>
+              <a:ext uri="{FF2B5EF4-FFF2-40B4-BE49-F238E27FC236}">
+                <a16:creationId xmlns:a16="http://schemas.microsoft.com/office/drawing/2014/main" id="{4A0191AC-E424-4973-9E21-C1C100A1F926}"/>
+              </a:ext>
+            </a:extLst>
+          </p:cNvPr>
+          <p:cNvSpPr txBox="1"/>
+          <p:nvPr/>
+        </p:nvSpPr>
+        <p:spPr>
+          <a:xfrm>
+            <a:off x="5095874" y="285403"/>
+            <a:ext cx="1614989" cy="461665"/>
+          </a:xfrm>
+          <a:prstGeom prst="rect">
+            <a:avLst/>
+          </a:prstGeom>
+          <a:noFill/>
+        </p:spPr>
+        <p:txBody>
+          <a:bodyPr wrap="square" rtlCol="0">
+            <a:spAutoFit/>
+          </a:bodyPr>
+          <a:lstStyle/>
+          <a:p>
+            <a:r>
+              <a:rPr lang="en-GB" sz="2400" dirty="0"/>
+              <a:t>SPH STUDY</a:t>
             </a:r>
           </a:p>
         </p:txBody>
@@ -14288,7 +14398,7 @@
         </p:nvSpPr>
         <p:spPr>
           <a:xfrm>
-            <a:off x="2803821" y="5707628"/>
+            <a:off x="8734602" y="5476891"/>
             <a:ext cx="1449274" cy="400110"/>
           </a:xfrm>
           <a:prstGeom prst="rect">
@@ -14337,7 +14447,7 @@
         </p:blipFill>
         <p:spPr>
           <a:xfrm>
-            <a:off x="701068" y="1306285"/>
+            <a:off x="6631849" y="1075548"/>
             <a:ext cx="5202301" cy="4245429"/>
           </a:xfrm>
           <a:prstGeom prst="rect">
@@ -14345,47 +14455,12 @@
           </a:prstGeom>
         </p:spPr>
       </p:pic>
-      <p:sp>
-        <p:nvSpPr>
-          <p:cNvPr id="19" name="TextBox 18">
+      <p:pic>
+        <p:nvPicPr>
+          <p:cNvPr id="3" name="Picture 2">
             <a:extLst>
               <a:ext uri="{FF2B5EF4-FFF2-40B4-BE49-F238E27FC236}">
-                <a16:creationId xmlns:a16="http://schemas.microsoft.com/office/drawing/2014/main" id="{27C45160-6954-4B66-BE9C-BDF1AC52D9C4}"/>
-              </a:ext>
-            </a:extLst>
-          </p:cNvPr>
-          <p:cNvSpPr txBox="1"/>
-          <p:nvPr/>
-        </p:nvSpPr>
-        <p:spPr>
-          <a:xfrm>
-            <a:off x="8561665" y="5702433"/>
-            <a:ext cx="1264801" cy="400110"/>
-          </a:xfrm>
-          <a:prstGeom prst="rect">
-            <a:avLst/>
-          </a:prstGeom>
-          <a:noFill/>
-        </p:spPr>
-        <p:txBody>
-          <a:bodyPr wrap="square" rtlCol="0">
-            <a:spAutoFit/>
-          </a:bodyPr>
-          <a:lstStyle/>
-          <a:p>
-            <a:r>
-              <a:rPr lang="en-GB" sz="2000" dirty="0"/>
-              <a:t>Ti-6Al-4V</a:t>
-            </a:r>
-          </a:p>
-        </p:txBody>
-      </p:sp>
-      <p:pic>
-        <p:nvPicPr>
-          <p:cNvPr id="21" name="Picture 20">
-            <a:extLst>
-              <a:ext uri="{FF2B5EF4-FFF2-40B4-BE49-F238E27FC236}">
-                <a16:creationId xmlns:a16="http://schemas.microsoft.com/office/drawing/2014/main" id="{37FC95F8-AF69-4A53-BF7B-294623CBB356}"/>
+                <a16:creationId xmlns:a16="http://schemas.microsoft.com/office/drawing/2014/main" id="{5E85EDDB-72DB-4F80-9BA3-E50BD8F029C7}"/>
               </a:ext>
             </a:extLst>
           </p:cNvPr>
@@ -14408,14 +14483,49 @@
         </p:blipFill>
         <p:spPr>
           <a:xfrm>
-            <a:off x="6096000" y="1306285"/>
-            <a:ext cx="5688432" cy="4454434"/>
+            <a:off x="750282" y="1431516"/>
+            <a:ext cx="5686438" cy="4245430"/>
           </a:xfrm>
           <a:prstGeom prst="rect">
             <a:avLst/>
           </a:prstGeom>
         </p:spPr>
       </p:pic>
+      <p:sp>
+        <p:nvSpPr>
+          <p:cNvPr id="9" name="TextBox 8">
+            <a:extLst>
+              <a:ext uri="{FF2B5EF4-FFF2-40B4-BE49-F238E27FC236}">
+                <a16:creationId xmlns:a16="http://schemas.microsoft.com/office/drawing/2014/main" id="{280A50FB-9130-4966-A251-9EA2AB673551}"/>
+              </a:ext>
+            </a:extLst>
+          </p:cNvPr>
+          <p:cNvSpPr txBox="1"/>
+          <p:nvPr/>
+        </p:nvSpPr>
+        <p:spPr>
+          <a:xfrm>
+            <a:off x="2531131" y="5476891"/>
+            <a:ext cx="2883650" cy="400110"/>
+          </a:xfrm>
+          <a:prstGeom prst="rect">
+            <a:avLst/>
+          </a:prstGeom>
+          <a:noFill/>
+        </p:spPr>
+        <p:txBody>
+          <a:bodyPr wrap="square" rtlCol="0">
+            <a:spAutoFit/>
+          </a:bodyPr>
+          <a:lstStyle/>
+          <a:p>
+            <a:r>
+              <a:rPr lang="en-GB" sz="2000" dirty="0"/>
+              <a:t>AA6061-T4</a:t>
+            </a:r>
+          </a:p>
+        </p:txBody>
+      </p:sp>
     </p:spTree>
     <p:extLst>
       <p:ext uri="{BB962C8B-B14F-4D97-AF65-F5344CB8AC3E}">
@@ -14429,7 +14539,7 @@
 </p:sld>
 </file>
 
-<file path=ppt/slides/slide3.xml><?xml version="1.0" encoding="utf-8"?>
+<file path=ppt/slides/slide4.xml><?xml version="1.0" encoding="utf-8"?>
 <p:sld xmlns:a="http://schemas.openxmlformats.org/drawingml/2006/main" xmlns:r="http://schemas.openxmlformats.org/officeDocument/2006/relationships" xmlns:p="http://schemas.openxmlformats.org/presentationml/2006/main">
   <p:cSld>
     <p:spTree>
@@ -14460,7 +14570,7 @@
         </p:nvSpPr>
         <p:spPr>
           <a:xfrm>
-            <a:off x="5104405" y="5776853"/>
+            <a:off x="8048562" y="5581329"/>
             <a:ext cx="2184670" cy="400110"/>
           </a:xfrm>
           <a:prstGeom prst="rect">
@@ -14495,8 +14605,78 @@
           </p:cNvPicPr>
           <p:nvPr/>
         </p:nvPicPr>
+        <p:blipFill rotWithShape="1">
+          <a:blip r:embed="rId2">
+            <a:extLst>
+              <a:ext uri="{28A0092B-C50C-407E-A947-70E740481C1C}">
+                <a14:useLocalDpi xmlns:a14="http://schemas.microsoft.com/office/drawing/2010/main" val="0"/>
+              </a:ext>
+            </a:extLst>
+          </a:blip>
+          <a:srcRect r="18158"/>
+          <a:stretch/>
+        </p:blipFill>
+        <p:spPr>
+          <a:xfrm>
+            <a:off x="6135828" y="1076616"/>
+            <a:ext cx="5169922" cy="4514548"/>
+          </a:xfrm>
+          <a:prstGeom prst="rect">
+            <a:avLst/>
+          </a:prstGeom>
+        </p:spPr>
+      </p:pic>
+      <p:sp>
+        <p:nvSpPr>
+          <p:cNvPr id="5" name="TextBox 4">
+            <a:extLst>
+              <a:ext uri="{FF2B5EF4-FFF2-40B4-BE49-F238E27FC236}">
+                <a16:creationId xmlns:a16="http://schemas.microsoft.com/office/drawing/2014/main" id="{08FE4A6E-CA09-488B-B58C-AE897F0A1807}"/>
+              </a:ext>
+            </a:extLst>
+          </p:cNvPr>
+          <p:cNvSpPr txBox="1"/>
+          <p:nvPr/>
+        </p:nvSpPr>
+        <p:spPr>
+          <a:xfrm>
+            <a:off x="2878639" y="5574035"/>
+            <a:ext cx="1264801" cy="400110"/>
+          </a:xfrm>
+          <a:prstGeom prst="rect">
+            <a:avLst/>
+          </a:prstGeom>
+          <a:noFill/>
+        </p:spPr>
+        <p:txBody>
+          <a:bodyPr wrap="square" rtlCol="0">
+            <a:spAutoFit/>
+          </a:bodyPr>
+          <a:lstStyle/>
+          <a:p>
+            <a:r>
+              <a:rPr lang="en-GB" sz="2000" dirty="0"/>
+              <a:t>Ti-6Al-4V</a:t>
+            </a:r>
+          </a:p>
+        </p:txBody>
+      </p:sp>
+      <p:pic>
+        <p:nvPicPr>
+          <p:cNvPr id="7" name="Picture 6">
+            <a:extLst>
+              <a:ext uri="{FF2B5EF4-FFF2-40B4-BE49-F238E27FC236}">
+                <a16:creationId xmlns:a16="http://schemas.microsoft.com/office/drawing/2014/main" id="{65A460C7-4002-40AF-A992-F59BA7FCA243}"/>
+              </a:ext>
+            </a:extLst>
+          </p:cNvPr>
+          <p:cNvPicPr>
+            <a:picLocks noChangeAspect="1"/>
+          </p:cNvPicPr>
+          <p:nvPr/>
+        </p:nvPicPr>
         <p:blipFill>
-          <a:blip r:embed="rId2">
+          <a:blip r:embed="rId3">
             <a:extLst>
               <a:ext uri="{28A0092B-C50C-407E-A947-70E740481C1C}">
                 <a14:useLocalDpi xmlns:a14="http://schemas.microsoft.com/office/drawing/2010/main" val="0"/>
@@ -14509,8 +14689,8 @@
         </p:blipFill>
         <p:spPr>
           <a:xfrm>
-            <a:off x="3126790" y="681037"/>
-            <a:ext cx="6870467" cy="4910127"/>
+            <a:off x="886250" y="1200953"/>
+            <a:ext cx="5688432" cy="4454434"/>
           </a:xfrm>
           <a:prstGeom prst="rect">
             <a:avLst/>
@@ -14521,161 +14701,6 @@
     <p:extLst>
       <p:ext uri="{BB962C8B-B14F-4D97-AF65-F5344CB8AC3E}">
         <p14:creationId xmlns:p14="http://schemas.microsoft.com/office/powerpoint/2010/main" val="1382709577"/>
-      </p:ext>
-    </p:extLst>
-  </p:cSld>
-  <p:clrMapOvr>
-    <a:masterClrMapping/>
-  </p:clrMapOvr>
-</p:sld>
-</file>
-
-<file path=ppt/slides/slide4.xml><?xml version="1.0" encoding="utf-8"?>
-<p:sld xmlns:a="http://schemas.openxmlformats.org/drawingml/2006/main" xmlns:r="http://schemas.openxmlformats.org/officeDocument/2006/relationships" xmlns:p="http://schemas.openxmlformats.org/presentationml/2006/main">
-  <p:cSld>
-    <p:spTree>
-      <p:nvGrpSpPr>
-        <p:cNvPr id="1" name=""/>
-        <p:cNvGrpSpPr/>
-        <p:nvPr/>
-      </p:nvGrpSpPr>
-      <p:grpSpPr>
-        <a:xfrm>
-          <a:off x="0" y="0"/>
-          <a:ext cx="0" cy="0"/>
-          <a:chOff x="0" y="0"/>
-          <a:chExt cx="0" cy="0"/>
-        </a:xfrm>
-      </p:grpSpPr>
-      <p:graphicFrame>
-        <p:nvGraphicFramePr>
-          <p:cNvPr id="4" name="Chart 3">
-            <a:extLst>
-              <a:ext uri="{FF2B5EF4-FFF2-40B4-BE49-F238E27FC236}">
-                <a16:creationId xmlns:a16="http://schemas.microsoft.com/office/drawing/2014/main" id="{9D5FB80E-EFB0-4F72-80F8-759B1B4DC749}"/>
-              </a:ext>
-            </a:extLst>
-          </p:cNvPr>
-          <p:cNvGraphicFramePr>
-            <a:graphicFrameLocks/>
-          </p:cNvGraphicFramePr>
-          <p:nvPr>
-            <p:extLst>
-              <p:ext uri="{D42A27DB-BD31-4B8C-83A1-F6EECF244321}">
-                <p14:modId xmlns:p14="http://schemas.microsoft.com/office/powerpoint/2010/main" val="2938293253"/>
-              </p:ext>
-            </p:extLst>
-          </p:nvPr>
-        </p:nvGraphicFramePr>
-        <p:xfrm>
-          <a:off x="3499350" y="907165"/>
-          <a:ext cx="5679484" cy="2888412"/>
-        </p:xfrm>
-        <a:graphic>
-          <a:graphicData uri="http://schemas.openxmlformats.org/drawingml/2006/chart">
-            <c:chart xmlns:c="http://schemas.openxmlformats.org/drawingml/2006/chart" xmlns:r="http://schemas.openxmlformats.org/officeDocument/2006/relationships" r:id="rId2"/>
-          </a:graphicData>
-        </a:graphic>
-      </p:graphicFrame>
-      <p:graphicFrame>
-        <p:nvGraphicFramePr>
-          <p:cNvPr id="5" name="Chart 4">
-            <a:extLst>
-              <a:ext uri="{FF2B5EF4-FFF2-40B4-BE49-F238E27FC236}">
-                <a16:creationId xmlns:a16="http://schemas.microsoft.com/office/drawing/2014/main" id="{873A9777-0EBA-4FF4-B51A-3024E887E5EF}"/>
-              </a:ext>
-            </a:extLst>
-          </p:cNvPr>
-          <p:cNvGraphicFramePr>
-            <a:graphicFrameLocks/>
-          </p:cNvGraphicFramePr>
-          <p:nvPr>
-            <p:extLst>
-              <p:ext uri="{D42A27DB-BD31-4B8C-83A1-F6EECF244321}">
-                <p14:modId xmlns:p14="http://schemas.microsoft.com/office/powerpoint/2010/main" val="2494064791"/>
-              </p:ext>
-            </p:extLst>
-          </p:nvPr>
-        </p:nvGraphicFramePr>
-        <p:xfrm>
-          <a:off x="6426797" y="3866195"/>
-          <a:ext cx="4511797" cy="2772200"/>
-        </p:xfrm>
-        <a:graphic>
-          <a:graphicData uri="http://schemas.openxmlformats.org/drawingml/2006/chart">
-            <c:chart xmlns:c="http://schemas.openxmlformats.org/drawingml/2006/chart" xmlns:r="http://schemas.openxmlformats.org/officeDocument/2006/relationships" r:id="rId3"/>
-          </a:graphicData>
-        </a:graphic>
-      </p:graphicFrame>
-      <p:graphicFrame>
-        <p:nvGraphicFramePr>
-          <p:cNvPr id="6" name="Chart 5">
-            <a:extLst>
-              <a:ext uri="{FF2B5EF4-FFF2-40B4-BE49-F238E27FC236}">
-                <a16:creationId xmlns:a16="http://schemas.microsoft.com/office/drawing/2014/main" id="{A66A12C4-DA5B-40DE-8519-D77EBBE1B08F}"/>
-              </a:ext>
-            </a:extLst>
-          </p:cNvPr>
-          <p:cNvGraphicFramePr>
-            <a:graphicFrameLocks/>
-          </p:cNvGraphicFramePr>
-          <p:nvPr>
-            <p:extLst>
-              <p:ext uri="{D42A27DB-BD31-4B8C-83A1-F6EECF244321}">
-                <p14:modId xmlns:p14="http://schemas.microsoft.com/office/powerpoint/2010/main" val="3150273733"/>
-              </p:ext>
-            </p:extLst>
-          </p:nvPr>
-        </p:nvGraphicFramePr>
-        <p:xfrm>
-          <a:off x="739472" y="3795577"/>
-          <a:ext cx="4511797" cy="2772200"/>
-        </p:xfrm>
-        <a:graphic>
-          <a:graphicData uri="http://schemas.openxmlformats.org/drawingml/2006/chart">
-            <c:chart xmlns:c="http://schemas.openxmlformats.org/drawingml/2006/chart" xmlns:r="http://schemas.openxmlformats.org/officeDocument/2006/relationships" r:id="rId4"/>
-          </a:graphicData>
-        </a:graphic>
-      </p:graphicFrame>
-      <p:sp>
-        <p:nvSpPr>
-          <p:cNvPr id="8" name="TextBox 7">
-            <a:extLst>
-              <a:ext uri="{FF2B5EF4-FFF2-40B4-BE49-F238E27FC236}">
-                <a16:creationId xmlns:a16="http://schemas.microsoft.com/office/drawing/2014/main" id="{416E6571-752A-4680-9AB7-CED5EF05B2E0}"/>
-              </a:ext>
-            </a:extLst>
-          </p:cNvPr>
-          <p:cNvSpPr txBox="1"/>
-          <p:nvPr/>
-        </p:nvSpPr>
-        <p:spPr>
-          <a:xfrm>
-            <a:off x="4154559" y="290223"/>
-            <a:ext cx="3561235" cy="461665"/>
-          </a:xfrm>
-          <a:prstGeom prst="rect">
-            <a:avLst/>
-          </a:prstGeom>
-          <a:noFill/>
-        </p:spPr>
-        <p:txBody>
-          <a:bodyPr wrap="square" rtlCol="0">
-            <a:spAutoFit/>
-          </a:bodyPr>
-          <a:lstStyle/>
-          <a:p>
-            <a:r>
-              <a:rPr lang="en-GB" sz="2400" dirty="0"/>
-              <a:t>FEM/DES vs SPH - DENSITY</a:t>
-            </a:r>
-          </a:p>
-        </p:txBody>
-      </p:sp>
-    </p:spTree>
-    <p:extLst>
-      <p:ext uri="{BB962C8B-B14F-4D97-AF65-F5344CB8AC3E}">
-        <p14:creationId xmlns:p14="http://schemas.microsoft.com/office/powerpoint/2010/main" val="4214323094"/>
       </p:ext>
     </p:extLst>
   </p:cSld>

--- a/Results_Presentation.pptx
+++ b/Results_Presentation.pptx
@@ -15,7 +15,8 @@
     <p:sldId id="264" r:id="rId9"/>
     <p:sldId id="266" r:id="rId10"/>
     <p:sldId id="265" r:id="rId11"/>
-    <p:sldId id="267" r:id="rId12"/>
+    <p:sldId id="268" r:id="rId12"/>
+    <p:sldId id="267" r:id="rId13"/>
   </p:sldIdLst>
   <p:sldSz cx="12192000" cy="6858000"/>
   <p:notesSz cx="6858000" cy="9144000"/>
@@ -125,7 +126,7 @@
 <file path=ppt/revisionInfo.xml><?xml version="1.0" encoding="utf-8"?>
 <p1510:revInfo xmlns:a="http://schemas.openxmlformats.org/drawingml/2006/main" xmlns:r="http://schemas.openxmlformats.org/officeDocument/2006/relationships" xmlns:p1510="http://schemas.microsoft.com/office/powerpoint/2015/10/main">
   <p1510:revLst>
-    <p1510:client id="{99B89918-4C40-40E6-96AD-AAEB896620B6}" v="18" dt="2022-03-17T12:37:22.445"/>
+    <p1510:client id="{99B89918-4C40-40E6-96AD-AAEB896620B6}" v="19" dt="2022-03-17T14:05:19.062"/>
   </p1510:revLst>
 </p1510:revInfo>
 </file>
@@ -135,7 +136,7 @@
   <pc:docChgLst>
     <pc:chgData name="Thijs Oudes" userId="1c4e1f6e80555f8e" providerId="LiveId" clId="{99B89918-4C40-40E6-96AD-AAEB896620B6}"/>
     <pc:docChg chg="undo custSel addSld modSld">
-      <pc:chgData name="Thijs Oudes" userId="1c4e1f6e80555f8e" providerId="LiveId" clId="{99B89918-4C40-40E6-96AD-AAEB896620B6}" dt="2022-03-17T12:48:10.165" v="2399" actId="20577"/>
+      <pc:chgData name="Thijs Oudes" userId="1c4e1f6e80555f8e" providerId="LiveId" clId="{99B89918-4C40-40E6-96AD-AAEB896620B6}" dt="2022-03-17T14:50:12.918" v="2907" actId="20577"/>
       <pc:docMkLst>
         <pc:docMk/>
       </pc:docMkLst>
@@ -297,11 +298,19 @@
         </pc:picChg>
       </pc:sldChg>
       <pc:sldChg chg="addSp delSp modSp new mod">
-        <pc:chgData name="Thijs Oudes" userId="1c4e1f6e80555f8e" providerId="LiveId" clId="{99B89918-4C40-40E6-96AD-AAEB896620B6}" dt="2022-03-17T12:48:10.165" v="2399" actId="20577"/>
+        <pc:chgData name="Thijs Oudes" userId="1c4e1f6e80555f8e" providerId="LiveId" clId="{99B89918-4C40-40E6-96AD-AAEB896620B6}" dt="2022-03-17T14:08:55.204" v="2506" actId="1076"/>
         <pc:sldMkLst>
           <pc:docMk/>
           <pc:sldMk cId="1316816158" sldId="266"/>
         </pc:sldMkLst>
+        <pc:spChg chg="del">
+          <ac:chgData name="Thijs Oudes" userId="1c4e1f6e80555f8e" providerId="LiveId" clId="{99B89918-4C40-40E6-96AD-AAEB896620B6}" dt="2022-03-17T14:08:38.620" v="2498" actId="478"/>
+          <ac:spMkLst>
+            <pc:docMk/>
+            <pc:sldMk cId="1316816158" sldId="266"/>
+            <ac:spMk id="2" creationId="{EA18D626-D15E-41AF-AA32-2162A26305C5}"/>
+          </ac:spMkLst>
+        </pc:spChg>
         <pc:spChg chg="del">
           <ac:chgData name="Thijs Oudes" userId="1c4e1f6e80555f8e" providerId="LiveId" clId="{99B89918-4C40-40E6-96AD-AAEB896620B6}" dt="2022-03-17T12:03:10.663" v="1190" actId="478"/>
           <ac:spMkLst>
@@ -311,7 +320,7 @@
           </ac:spMkLst>
         </pc:spChg>
         <pc:spChg chg="add mod">
-          <ac:chgData name="Thijs Oudes" userId="1c4e1f6e80555f8e" providerId="LiveId" clId="{99B89918-4C40-40E6-96AD-AAEB896620B6}" dt="2022-03-17T12:43:12.324" v="2119"/>
+          <ac:chgData name="Thijs Oudes" userId="1c4e1f6e80555f8e" providerId="LiveId" clId="{99B89918-4C40-40E6-96AD-AAEB896620B6}" dt="2022-03-17T14:08:55.204" v="2506" actId="1076"/>
           <ac:spMkLst>
             <pc:docMk/>
             <pc:sldMk cId="1316816158" sldId="266"/>
@@ -319,7 +328,7 @@
           </ac:spMkLst>
         </pc:spChg>
         <pc:spChg chg="add mod">
-          <ac:chgData name="Thijs Oudes" userId="1c4e1f6e80555f8e" providerId="LiveId" clId="{99B89918-4C40-40E6-96AD-AAEB896620B6}" dt="2022-03-17T12:04:12.059" v="1301"/>
+          <ac:chgData name="Thijs Oudes" userId="1c4e1f6e80555f8e" providerId="LiveId" clId="{99B89918-4C40-40E6-96AD-AAEB896620B6}" dt="2022-03-17T14:08:50.307" v="2504" actId="1076"/>
           <ac:spMkLst>
             <pc:docMk/>
             <pc:sldMk cId="1316816158" sldId="266"/>
@@ -327,7 +336,7 @@
           </ac:spMkLst>
         </pc:spChg>
         <pc:spChg chg="add mod">
-          <ac:chgData name="Thijs Oudes" userId="1c4e1f6e80555f8e" providerId="LiveId" clId="{99B89918-4C40-40E6-96AD-AAEB896620B6}" dt="2022-03-17T12:48:10.165" v="2399" actId="20577"/>
+          <ac:chgData name="Thijs Oudes" userId="1c4e1f6e80555f8e" providerId="LiveId" clId="{99B89918-4C40-40E6-96AD-AAEB896620B6}" dt="2022-03-17T14:08:52.782" v="2505" actId="1076"/>
           <ac:spMkLst>
             <pc:docMk/>
             <pc:sldMk cId="1316816158" sldId="266"/>
@@ -335,7 +344,7 @@
           </ac:spMkLst>
         </pc:spChg>
         <pc:picChg chg="add mod modCrop">
-          <ac:chgData name="Thijs Oudes" userId="1c4e1f6e80555f8e" providerId="LiveId" clId="{99B89918-4C40-40E6-96AD-AAEB896620B6}" dt="2022-03-17T12:03:21.565" v="1192" actId="732"/>
+          <ac:chgData name="Thijs Oudes" userId="1c4e1f6e80555f8e" providerId="LiveId" clId="{99B89918-4C40-40E6-96AD-AAEB896620B6}" dt="2022-03-17T14:08:48.033" v="2503" actId="1076"/>
           <ac:picMkLst>
             <pc:docMk/>
             <pc:sldMk cId="1316816158" sldId="266"/>
@@ -344,13 +353,13 @@
         </pc:picChg>
       </pc:sldChg>
       <pc:sldChg chg="addSp delSp modSp new mod">
-        <pc:chgData name="Thijs Oudes" userId="1c4e1f6e80555f8e" providerId="LiveId" clId="{99B89918-4C40-40E6-96AD-AAEB896620B6}" dt="2022-03-17T12:37:24.749" v="1993" actId="20577"/>
+        <pc:chgData name="Thijs Oudes" userId="1c4e1f6e80555f8e" providerId="LiveId" clId="{99B89918-4C40-40E6-96AD-AAEB896620B6}" dt="2022-03-17T14:50:12.918" v="2907" actId="20577"/>
         <pc:sldMkLst>
           <pc:docMk/>
           <pc:sldMk cId="2580228770" sldId="267"/>
         </pc:sldMkLst>
         <pc:spChg chg="mod">
-          <ac:chgData name="Thijs Oudes" userId="1c4e1f6e80555f8e" providerId="LiveId" clId="{99B89918-4C40-40E6-96AD-AAEB896620B6}" dt="2022-03-17T12:37:11.868" v="1981" actId="20577"/>
+          <ac:chgData name="Thijs Oudes" userId="1c4e1f6e80555f8e" providerId="LiveId" clId="{99B89918-4C40-40E6-96AD-AAEB896620B6}" dt="2022-03-17T14:41:04.174" v="2512" actId="1076"/>
           <ac:spMkLst>
             <pc:docMk/>
             <pc:sldMk cId="2580228770" sldId="267"/>
@@ -366,13 +375,60 @@
           </ac:spMkLst>
         </pc:spChg>
         <pc:spChg chg="add mod">
-          <ac:chgData name="Thijs Oudes" userId="1c4e1f6e80555f8e" providerId="LiveId" clId="{99B89918-4C40-40E6-96AD-AAEB896620B6}" dt="2022-03-17T12:37:24.749" v="1993" actId="20577"/>
+          <ac:chgData name="Thijs Oudes" userId="1c4e1f6e80555f8e" providerId="LiveId" clId="{99B89918-4C40-40E6-96AD-AAEB896620B6}" dt="2022-03-17T14:50:12.918" v="2907" actId="20577"/>
+          <ac:spMkLst>
+            <pc:docMk/>
+            <pc:sldMk cId="2580228770" sldId="267"/>
+            <ac:spMk id="3" creationId="{9FD74EFC-D598-4D80-AE90-5338E7F18052}"/>
+          </ac:spMkLst>
+        </pc:spChg>
+        <pc:spChg chg="add del mod">
+          <ac:chgData name="Thijs Oudes" userId="1c4e1f6e80555f8e" providerId="LiveId" clId="{99B89918-4C40-40E6-96AD-AAEB896620B6}" dt="2022-03-17T14:39:13.121" v="2510"/>
           <ac:spMkLst>
             <pc:docMk/>
             <pc:sldMk cId="2580228770" sldId="267"/>
             <ac:spMk id="4" creationId="{0C13E555-1B68-4A2C-8D48-34E194F1117F}"/>
           </ac:spMkLst>
         </pc:spChg>
+      </pc:sldChg>
+      <pc:sldChg chg="addSp delSp modSp new mod">
+        <pc:chgData name="Thijs Oudes" userId="1c4e1f6e80555f8e" providerId="LiveId" clId="{99B89918-4C40-40E6-96AD-AAEB896620B6}" dt="2022-03-17T14:05:59.120" v="2496" actId="20577"/>
+        <pc:sldMkLst>
+          <pc:docMk/>
+          <pc:sldMk cId="499980281" sldId="268"/>
+        </pc:sldMkLst>
+        <pc:spChg chg="del">
+          <ac:chgData name="Thijs Oudes" userId="1c4e1f6e80555f8e" providerId="LiveId" clId="{99B89918-4C40-40E6-96AD-AAEB896620B6}" dt="2022-03-17T14:04:32.886" v="2401" actId="478"/>
+          <ac:spMkLst>
+            <pc:docMk/>
+            <pc:sldMk cId="499980281" sldId="268"/>
+            <ac:spMk id="2" creationId="{1BE65E8F-60B5-4745-83CC-0503E2B71949}"/>
+          </ac:spMkLst>
+        </pc:spChg>
+        <pc:spChg chg="del">
+          <ac:chgData name="Thijs Oudes" userId="1c4e1f6e80555f8e" providerId="LiveId" clId="{99B89918-4C40-40E6-96AD-AAEB896620B6}" dt="2022-03-17T14:04:34.073" v="2402" actId="478"/>
+          <ac:spMkLst>
+            <pc:docMk/>
+            <pc:sldMk cId="499980281" sldId="268"/>
+            <ac:spMk id="3" creationId="{AE749CDE-CB93-494E-BE39-1AE72707E678}"/>
+          </ac:spMkLst>
+        </pc:spChg>
+        <pc:spChg chg="add mod">
+          <ac:chgData name="Thijs Oudes" userId="1c4e1f6e80555f8e" providerId="LiveId" clId="{99B89918-4C40-40E6-96AD-AAEB896620B6}" dt="2022-03-17T14:05:59.120" v="2496" actId="20577"/>
+          <ac:spMkLst>
+            <pc:docMk/>
+            <pc:sldMk cId="499980281" sldId="268"/>
+            <ac:spMk id="6" creationId="{FDCD006E-6D96-4550-A4A4-84F71F599951}"/>
+          </ac:spMkLst>
+        </pc:spChg>
+        <pc:picChg chg="add">
+          <ac:chgData name="Thijs Oudes" userId="1c4e1f6e80555f8e" providerId="LiveId" clId="{99B89918-4C40-40E6-96AD-AAEB896620B6}" dt="2022-03-17T14:05:14.833" v="2403" actId="22"/>
+          <ac:picMkLst>
+            <pc:docMk/>
+            <pc:sldMk cId="499980281" sldId="268"/>
+            <ac:picMk id="5" creationId="{274BCC85-497F-45D1-998E-8359A4F46F51}"/>
+          </ac:picMkLst>
+        </pc:picChg>
       </pc:sldChg>
     </pc:docChg>
   </pc:docChgLst>
@@ -438,7 +494,7 @@
               <a:cs typeface="+mn-cs"/>
             </a:defRPr>
           </a:pPr>
-          <a:endParaRPr lang="en-US"/>
+          <a:endParaRPr lang="en-NL"/>
         </a:p>
       </c:txPr>
     </c:title>
@@ -3068,7 +3124,7 @@
                   <a:cs typeface="+mn-cs"/>
                 </a:defRPr>
               </a:pPr>
-              <a:endParaRPr lang="en-US"/>
+              <a:endParaRPr lang="en-NL"/>
             </a:p>
           </c:txPr>
         </c:title>
@@ -3106,7 +3162,7 @@
                 <a:cs typeface="+mn-cs"/>
               </a:defRPr>
             </a:pPr>
-            <a:endParaRPr lang="en-US"/>
+            <a:endParaRPr lang="en-NL"/>
           </a:p>
         </c:txPr>
         <c:crossAx val="1767837104"/>
@@ -3199,7 +3255,7 @@
                   <a:cs typeface="+mn-cs"/>
                 </a:defRPr>
               </a:pPr>
-              <a:endParaRPr lang="en-US"/>
+              <a:endParaRPr lang="en-NL"/>
             </a:p>
           </c:txPr>
         </c:title>
@@ -3237,7 +3293,7 @@
                 <a:cs typeface="+mn-cs"/>
               </a:defRPr>
             </a:pPr>
-            <a:endParaRPr lang="en-US"/>
+            <a:endParaRPr lang="en-NL"/>
           </a:p>
         </c:txPr>
         <c:crossAx val="1593113264"/>
@@ -3289,7 +3345,7 @@
               <a:cs typeface="+mn-cs"/>
             </a:defRPr>
           </a:pPr>
-          <a:endParaRPr lang="en-US"/>
+          <a:endParaRPr lang="en-NL"/>
         </a:p>
       </c:txPr>
     </c:legend>
@@ -3318,7 +3374,7 @@
       <a:pPr>
         <a:defRPr/>
       </a:pPr>
-      <a:endParaRPr lang="en-US"/>
+      <a:endParaRPr lang="en-NL"/>
     </a:p>
   </c:txPr>
   <c:externalData r:id="rId3">
@@ -3386,7 +3442,7 @@
               <a:cs typeface="+mn-cs"/>
             </a:defRPr>
           </a:pPr>
-          <a:endParaRPr lang="en-US"/>
+          <a:endParaRPr lang="en-NL"/>
         </a:p>
       </c:txPr>
     </c:title>
@@ -5879,7 +5935,7 @@
                   <a:cs typeface="+mn-cs"/>
                 </a:defRPr>
               </a:pPr>
-              <a:endParaRPr lang="en-US"/>
+              <a:endParaRPr lang="en-NL"/>
             </a:p>
           </c:txPr>
         </c:title>
@@ -5917,7 +5973,7 @@
                 <a:cs typeface="+mn-cs"/>
               </a:defRPr>
             </a:pPr>
-            <a:endParaRPr lang="en-US"/>
+            <a:endParaRPr lang="en-NL"/>
           </a:p>
         </c:txPr>
         <c:crossAx val="1767837104"/>
@@ -6018,7 +6074,7 @@
                   <a:cs typeface="+mn-cs"/>
                 </a:defRPr>
               </a:pPr>
-              <a:endParaRPr lang="en-US"/>
+              <a:endParaRPr lang="en-NL"/>
             </a:p>
           </c:txPr>
         </c:title>
@@ -6056,7 +6112,7 @@
                 <a:cs typeface="+mn-cs"/>
               </a:defRPr>
             </a:pPr>
-            <a:endParaRPr lang="en-US"/>
+            <a:endParaRPr lang="en-NL"/>
           </a:p>
         </c:txPr>
         <c:crossAx val="1593113264"/>
@@ -6096,7 +6152,7 @@
       <a:pPr>
         <a:defRPr/>
       </a:pPr>
-      <a:endParaRPr lang="en-US"/>
+      <a:endParaRPr lang="en-NL"/>
     </a:p>
   </c:txPr>
   <c:externalData r:id="rId3">
@@ -6164,7 +6220,7 @@
               <a:cs typeface="+mn-cs"/>
             </a:defRPr>
           </a:pPr>
-          <a:endParaRPr lang="en-US"/>
+          <a:endParaRPr lang="en-NL"/>
         </a:p>
       </c:txPr>
     </c:title>
@@ -8783,7 +8839,7 @@
                   <a:cs typeface="+mn-cs"/>
                 </a:defRPr>
               </a:pPr>
-              <a:endParaRPr lang="en-US"/>
+              <a:endParaRPr lang="en-NL"/>
             </a:p>
           </c:txPr>
         </c:title>
@@ -8821,7 +8877,7 @@
                 <a:cs typeface="+mn-cs"/>
               </a:defRPr>
             </a:pPr>
-            <a:endParaRPr lang="en-US"/>
+            <a:endParaRPr lang="en-NL"/>
           </a:p>
         </c:txPr>
         <c:crossAx val="1767837104"/>
@@ -8930,7 +8986,7 @@
                   <a:cs typeface="+mn-cs"/>
                 </a:defRPr>
               </a:pPr>
-              <a:endParaRPr lang="en-US"/>
+              <a:endParaRPr lang="en-NL"/>
             </a:p>
           </c:txPr>
         </c:title>
@@ -8968,7 +9024,7 @@
                 <a:cs typeface="+mn-cs"/>
               </a:defRPr>
             </a:pPr>
-            <a:endParaRPr lang="en-US"/>
+            <a:endParaRPr lang="en-NL"/>
           </a:p>
         </c:txPr>
         <c:crossAx val="1593113264"/>
@@ -9008,7 +9064,7 @@
       <a:pPr>
         <a:defRPr/>
       </a:pPr>
-      <a:endParaRPr lang="en-US"/>
+      <a:endParaRPr lang="en-NL"/>
     </a:p>
   </c:txPr>
   <c:externalData r:id="rId3">
@@ -14095,6 +14151,111 @@
           <a:chExt cx="0" cy="0"/>
         </a:xfrm>
       </p:grpSpPr>
+      <p:pic>
+        <p:nvPicPr>
+          <p:cNvPr id="5" name="Picture 4">
+            <a:extLst>
+              <a:ext uri="{FF2B5EF4-FFF2-40B4-BE49-F238E27FC236}">
+                <a16:creationId xmlns:a16="http://schemas.microsoft.com/office/drawing/2014/main" id="{274BCC85-497F-45D1-998E-8359A4F46F51}"/>
+              </a:ext>
+            </a:extLst>
+          </p:cNvPr>
+          <p:cNvPicPr>
+            <a:picLocks noChangeAspect="1"/>
+          </p:cNvPicPr>
+          <p:nvPr/>
+        </p:nvPicPr>
+        <p:blipFill>
+          <a:blip r:embed="rId2"/>
+          <a:stretch>
+            <a:fillRect/>
+          </a:stretch>
+        </p:blipFill>
+        <p:spPr>
+          <a:xfrm>
+            <a:off x="671512" y="1704975"/>
+            <a:ext cx="10848975" cy="3448050"/>
+          </a:xfrm>
+          <a:prstGeom prst="rect">
+            <a:avLst/>
+          </a:prstGeom>
+        </p:spPr>
+      </p:pic>
+      <p:sp>
+        <p:nvSpPr>
+          <p:cNvPr id="6" name="TextBox 5">
+            <a:extLst>
+              <a:ext uri="{FF2B5EF4-FFF2-40B4-BE49-F238E27FC236}">
+                <a16:creationId xmlns:a16="http://schemas.microsoft.com/office/drawing/2014/main" id="{FDCD006E-6D96-4550-A4A4-84F71F599951}"/>
+              </a:ext>
+            </a:extLst>
+          </p:cNvPr>
+          <p:cNvSpPr txBox="1"/>
+          <p:nvPr/>
+        </p:nvSpPr>
+        <p:spPr>
+          <a:xfrm>
+            <a:off x="297455" y="605928"/>
+            <a:ext cx="3316078" cy="923330"/>
+          </a:xfrm>
+          <a:prstGeom prst="rect">
+            <a:avLst/>
+          </a:prstGeom>
+          <a:noFill/>
+        </p:spPr>
+        <p:txBody>
+          <a:bodyPr wrap="square" rtlCol="0">
+            <a:spAutoFit/>
+          </a:bodyPr>
+          <a:lstStyle/>
+          <a:p>
+            <a:r>
+              <a:rPr lang="en-US" dirty="0"/>
+              <a:t>Alternative plot</a:t>
+            </a:r>
+          </a:p>
+          <a:p>
+            <a:endParaRPr lang="en-US" dirty="0"/>
+          </a:p>
+          <a:p>
+            <a:r>
+              <a:rPr lang="en-US" dirty="0"/>
+              <a:t>Order = Material, velocity, t/d</a:t>
+            </a:r>
+            <a:endParaRPr lang="en-NL" dirty="0"/>
+          </a:p>
+        </p:txBody>
+      </p:sp>
+    </p:spTree>
+    <p:extLst>
+      <p:ext uri="{BB962C8B-B14F-4D97-AF65-F5344CB8AC3E}">
+        <p14:creationId xmlns:p14="http://schemas.microsoft.com/office/powerpoint/2010/main" val="499980281"/>
+      </p:ext>
+    </p:extLst>
+  </p:cSld>
+  <p:clrMapOvr>
+    <a:masterClrMapping/>
+  </p:clrMapOvr>
+</p:sld>
+</file>
+
+<file path=ppt/slides/slide12.xml><?xml version="1.0" encoding="utf-8"?>
+<p:sld xmlns:a="http://schemas.openxmlformats.org/drawingml/2006/main" xmlns:r="http://schemas.openxmlformats.org/officeDocument/2006/relationships" xmlns:p="http://schemas.openxmlformats.org/presentationml/2006/main">
+  <p:cSld>
+    <p:spTree>
+      <p:nvGrpSpPr>
+        <p:cNvPr id="1" name=""/>
+        <p:cNvGrpSpPr/>
+        <p:nvPr/>
+      </p:nvGrpSpPr>
+      <p:grpSpPr>
+        <a:xfrm>
+          <a:off x="0" y="0"/>
+          <a:ext cx="0" cy="0"/>
+          <a:chOff x="0" y="0"/>
+          <a:chExt cx="0" cy="0"/>
+        </a:xfrm>
+      </p:grpSpPr>
       <p:sp>
         <p:nvSpPr>
           <p:cNvPr id="2" name="Title 1">
@@ -14126,10 +14287,10 @@
       </p:sp>
       <p:sp>
         <p:nvSpPr>
-          <p:cNvPr id="4" name="TextBox 3">
+          <p:cNvPr id="3" name="TextBox 2">
             <a:extLst>
               <a:ext uri="{FF2B5EF4-FFF2-40B4-BE49-F238E27FC236}">
-                <a16:creationId xmlns:a16="http://schemas.microsoft.com/office/drawing/2014/main" id="{0C13E555-1B68-4A2C-8D48-34E194F1117F}"/>
+                <a16:creationId xmlns:a16="http://schemas.microsoft.com/office/drawing/2014/main" id="{9FD74EFC-D598-4D80-AE90-5338E7F18052}"/>
               </a:ext>
             </a:extLst>
           </p:cNvPr>
@@ -14138,8 +14299,8 @@
         </p:nvSpPr>
         <p:spPr>
           <a:xfrm>
-            <a:off x="1312752" y="1690688"/>
-            <a:ext cx="4092167" cy="369332"/>
+            <a:off x="838200" y="2000815"/>
+            <a:ext cx="8410671" cy="3416320"/>
           </a:xfrm>
           <a:prstGeom prst="rect">
             <a:avLst/>
@@ -14157,9 +14318,106 @@
               <a:buChar char="•"/>
             </a:pPr>
             <a:r>
-              <a:rPr lang="en-US" dirty="0" err="1"/>
-              <a:t>sfdsfdsgf</a:t>
+              <a:rPr lang="en-US" dirty="0"/>
+              <a:t>Ideally: Perform high velocity impact experiments to validate numerical simulations</a:t>
             </a:r>
+          </a:p>
+          <a:p>
+            <a:pPr marL="285750" indent="-285750">
+              <a:buFont typeface="Arial" panose="020B0604020202020204" pitchFamily="34" charset="0"/>
+              <a:buChar char="•"/>
+            </a:pPr>
+            <a:endParaRPr lang="en-US" dirty="0"/>
+          </a:p>
+          <a:p>
+            <a:pPr marL="285750" indent="-285750">
+              <a:buFont typeface="Arial" panose="020B0604020202020204" pitchFamily="34" charset="0"/>
+              <a:buChar char="•"/>
+            </a:pPr>
+            <a:r>
+              <a:rPr lang="en-US" dirty="0"/>
+              <a:t> Extent material parameter study:</a:t>
+            </a:r>
+          </a:p>
+          <a:p>
+            <a:pPr marL="742950" lvl="1" indent="-285750">
+              <a:buFont typeface="Arial" panose="020B0604020202020204" pitchFamily="34" charset="0"/>
+              <a:buChar char="•"/>
+            </a:pPr>
+            <a:r>
+              <a:rPr lang="en-US" dirty="0"/>
+              <a:t>Mesh size</a:t>
+            </a:r>
+          </a:p>
+          <a:p>
+            <a:pPr marL="742950" lvl="1" indent="-285750">
+              <a:buFont typeface="Arial" panose="020B0604020202020204" pitchFamily="34" charset="0"/>
+              <a:buChar char="•"/>
+            </a:pPr>
+            <a:r>
+              <a:rPr lang="en-US" dirty="0"/>
+              <a:t>Different set of materials</a:t>
+            </a:r>
+          </a:p>
+          <a:p>
+            <a:pPr marL="742950" lvl="1" indent="-285750">
+              <a:buFont typeface="Arial" panose="020B0604020202020204" pitchFamily="34" charset="0"/>
+              <a:buChar char="•"/>
+            </a:pPr>
+            <a:r>
+              <a:rPr lang="en-US" dirty="0"/>
+              <a:t>Different impactor material</a:t>
+            </a:r>
+          </a:p>
+          <a:p>
+            <a:pPr marL="742950" lvl="1" indent="-285750">
+              <a:buFont typeface="Arial" panose="020B0604020202020204" pitchFamily="34" charset="0"/>
+              <a:buChar char="•"/>
+            </a:pPr>
+            <a:r>
+              <a:rPr lang="en-US" dirty="0"/>
+              <a:t>…</a:t>
+            </a:r>
+          </a:p>
+          <a:p>
+            <a:pPr marL="742950" lvl="1" indent="-285750">
+              <a:buFont typeface="Arial" panose="020B0604020202020204" pitchFamily="34" charset="0"/>
+              <a:buChar char="•"/>
+            </a:pPr>
+            <a:endParaRPr lang="en-US" dirty="0"/>
+          </a:p>
+          <a:p>
+            <a:pPr marL="285750" indent="-285750">
+              <a:buFont typeface="Arial" panose="020B0604020202020204" pitchFamily="34" charset="0"/>
+              <a:buChar char="•"/>
+            </a:pPr>
+            <a:r>
+              <a:rPr lang="en-US" dirty="0"/>
+              <a:t>Impact under an angle</a:t>
+            </a:r>
+          </a:p>
+          <a:p>
+            <a:pPr marL="285750" indent="-285750">
+              <a:buFont typeface="Arial" panose="020B0604020202020204" pitchFamily="34" charset="0"/>
+              <a:buChar char="•"/>
+            </a:pPr>
+            <a:endParaRPr lang="en-US" dirty="0"/>
+          </a:p>
+          <a:p>
+            <a:pPr marL="285750" indent="-285750">
+              <a:buFont typeface="Arial" panose="020B0604020202020204" pitchFamily="34" charset="0"/>
+              <a:buChar char="•"/>
+            </a:pPr>
+            <a:r>
+              <a:rPr lang="en-US" dirty="0"/>
+              <a:t>Impactor shape</a:t>
+            </a:r>
+          </a:p>
+          <a:p>
+            <a:pPr marL="742950" lvl="1" indent="-285750">
+              <a:buFont typeface="Arial" panose="020B0604020202020204" pitchFamily="34" charset="0"/>
+              <a:buChar char="•"/>
+            </a:pPr>
             <a:endParaRPr lang="en-NL" dirty="0"/>
           </a:p>
         </p:txBody>
@@ -15770,31 +16028,6 @@
           <a:chExt cx="0" cy="0"/>
         </a:xfrm>
       </p:grpSpPr>
-      <p:sp>
-        <p:nvSpPr>
-          <p:cNvPr id="2" name="Title 1">
-            <a:extLst>
-              <a:ext uri="{FF2B5EF4-FFF2-40B4-BE49-F238E27FC236}">
-                <a16:creationId xmlns:a16="http://schemas.microsoft.com/office/drawing/2014/main" id="{EA18D626-D15E-41AF-AA32-2162A26305C5}"/>
-              </a:ext>
-            </a:extLst>
-          </p:cNvPr>
-          <p:cNvSpPr>
-            <a:spLocks noGrp="1"/>
-          </p:cNvSpPr>
-          <p:nvPr>
-            <p:ph type="title"/>
-          </p:nvPr>
-        </p:nvSpPr>
-        <p:spPr/>
-        <p:txBody>
-          <a:bodyPr/>
-          <a:lstStyle/>
-          <a:p>
-            <a:endParaRPr lang="en-NL"/>
-          </a:p>
-        </p:txBody>
-      </p:sp>
       <p:pic>
         <p:nvPicPr>
           <p:cNvPr id="4" name="Picture 3">
@@ -15817,8 +16050,8 @@
         </p:blipFill>
         <p:spPr>
           <a:xfrm>
-            <a:off x="315362" y="174835"/>
-            <a:ext cx="11561275" cy="3737969"/>
+            <a:off x="0" y="0"/>
+            <a:ext cx="9169651" cy="2964714"/>
           </a:xfrm>
           <a:prstGeom prst="rect">
             <a:avLst/>
@@ -15839,7 +16072,7 @@
         </p:nvSpPr>
         <p:spPr>
           <a:xfrm>
-            <a:off x="84498" y="3912804"/>
+            <a:off x="202194" y="3285002"/>
             <a:ext cx="6011501" cy="4524315"/>
           </a:xfrm>
           <a:prstGeom prst="rect">
@@ -15986,7 +16219,7 @@
         </p:nvSpPr>
         <p:spPr>
           <a:xfrm>
-            <a:off x="6636188" y="3439760"/>
+            <a:off x="9080623" y="839154"/>
             <a:ext cx="2996699" cy="1446550"/>
           </a:xfrm>
           <a:prstGeom prst="rect">
@@ -16063,7 +16296,7 @@
         </p:nvSpPr>
         <p:spPr>
           <a:xfrm>
-            <a:off x="5865136" y="4656925"/>
+            <a:off x="5792708" y="3124858"/>
             <a:ext cx="6011501" cy="4524315"/>
           </a:xfrm>
           <a:prstGeom prst="rect">
@@ -16163,15 +16396,7 @@
             </a:pPr>
             <a:r>
               <a:rPr lang="en-US" dirty="0"/>
-              <a:t>i</a:t>
-            </a:r>
-            <a:r>
-              <a:rPr lang="en-US"/>
-              <a:t>ncreased </a:t>
-            </a:r>
-            <a:r>
-              <a:rPr lang="en-US" dirty="0"/>
-              <a:t>hole diameter</a:t>
+              <a:t>increased hole diameter</a:t>
             </a:r>
           </a:p>
           <a:p>

--- a/Results_Presentation.pptx
+++ b/Results_Presentation.pptx
@@ -11,12 +11,13 @@
     <p:sldId id="263" r:id="rId5"/>
     <p:sldId id="260" r:id="rId6"/>
     <p:sldId id="261" r:id="rId7"/>
-    <p:sldId id="262" r:id="rId8"/>
-    <p:sldId id="264" r:id="rId9"/>
-    <p:sldId id="266" r:id="rId10"/>
-    <p:sldId id="265" r:id="rId11"/>
+    <p:sldId id="269" r:id="rId8"/>
+    <p:sldId id="262" r:id="rId9"/>
+    <p:sldId id="264" r:id="rId10"/>
+    <p:sldId id="266" r:id="rId11"/>
     <p:sldId id="268" r:id="rId12"/>
     <p:sldId id="267" r:id="rId13"/>
+    <p:sldId id="265" r:id="rId14"/>
   </p:sldIdLst>
   <p:sldSz cx="12192000" cy="6858000"/>
   <p:notesSz cx="6858000" cy="9144000"/>
@@ -494,7 +495,7 @@
               <a:cs typeface="+mn-cs"/>
             </a:defRPr>
           </a:pPr>
-          <a:endParaRPr lang="en-NL"/>
+          <a:endParaRPr lang="en-US"/>
         </a:p>
       </c:txPr>
     </c:title>
@@ -3124,7 +3125,7 @@
                   <a:cs typeface="+mn-cs"/>
                 </a:defRPr>
               </a:pPr>
-              <a:endParaRPr lang="en-NL"/>
+              <a:endParaRPr lang="en-US"/>
             </a:p>
           </c:txPr>
         </c:title>
@@ -3162,7 +3163,7 @@
                 <a:cs typeface="+mn-cs"/>
               </a:defRPr>
             </a:pPr>
-            <a:endParaRPr lang="en-NL"/>
+            <a:endParaRPr lang="en-US"/>
           </a:p>
         </c:txPr>
         <c:crossAx val="1767837104"/>
@@ -3255,7 +3256,7 @@
                   <a:cs typeface="+mn-cs"/>
                 </a:defRPr>
               </a:pPr>
-              <a:endParaRPr lang="en-NL"/>
+              <a:endParaRPr lang="en-US"/>
             </a:p>
           </c:txPr>
         </c:title>
@@ -3293,7 +3294,7 @@
                 <a:cs typeface="+mn-cs"/>
               </a:defRPr>
             </a:pPr>
-            <a:endParaRPr lang="en-NL"/>
+            <a:endParaRPr lang="en-US"/>
           </a:p>
         </c:txPr>
         <c:crossAx val="1593113264"/>
@@ -3345,7 +3346,7 @@
               <a:cs typeface="+mn-cs"/>
             </a:defRPr>
           </a:pPr>
-          <a:endParaRPr lang="en-NL"/>
+          <a:endParaRPr lang="en-US"/>
         </a:p>
       </c:txPr>
     </c:legend>
@@ -3374,7 +3375,7 @@
       <a:pPr>
         <a:defRPr/>
       </a:pPr>
-      <a:endParaRPr lang="en-NL"/>
+      <a:endParaRPr lang="en-US"/>
     </a:p>
   </c:txPr>
   <c:externalData r:id="rId3">
@@ -3442,7 +3443,7 @@
               <a:cs typeface="+mn-cs"/>
             </a:defRPr>
           </a:pPr>
-          <a:endParaRPr lang="en-NL"/>
+          <a:endParaRPr lang="en-US"/>
         </a:p>
       </c:txPr>
     </c:title>
@@ -5935,7 +5936,7 @@
                   <a:cs typeface="+mn-cs"/>
                 </a:defRPr>
               </a:pPr>
-              <a:endParaRPr lang="en-NL"/>
+              <a:endParaRPr lang="en-US"/>
             </a:p>
           </c:txPr>
         </c:title>
@@ -5973,7 +5974,7 @@
                 <a:cs typeface="+mn-cs"/>
               </a:defRPr>
             </a:pPr>
-            <a:endParaRPr lang="en-NL"/>
+            <a:endParaRPr lang="en-US"/>
           </a:p>
         </c:txPr>
         <c:crossAx val="1767837104"/>
@@ -6074,7 +6075,7 @@
                   <a:cs typeface="+mn-cs"/>
                 </a:defRPr>
               </a:pPr>
-              <a:endParaRPr lang="en-NL"/>
+              <a:endParaRPr lang="en-US"/>
             </a:p>
           </c:txPr>
         </c:title>
@@ -6112,7 +6113,7 @@
                 <a:cs typeface="+mn-cs"/>
               </a:defRPr>
             </a:pPr>
-            <a:endParaRPr lang="en-NL"/>
+            <a:endParaRPr lang="en-US"/>
           </a:p>
         </c:txPr>
         <c:crossAx val="1593113264"/>
@@ -6152,7 +6153,7 @@
       <a:pPr>
         <a:defRPr/>
       </a:pPr>
-      <a:endParaRPr lang="en-NL"/>
+      <a:endParaRPr lang="en-US"/>
     </a:p>
   </c:txPr>
   <c:externalData r:id="rId3">
@@ -6220,7 +6221,7 @@
               <a:cs typeface="+mn-cs"/>
             </a:defRPr>
           </a:pPr>
-          <a:endParaRPr lang="en-NL"/>
+          <a:endParaRPr lang="en-US"/>
         </a:p>
       </c:txPr>
     </c:title>
@@ -8839,7 +8840,7 @@
                   <a:cs typeface="+mn-cs"/>
                 </a:defRPr>
               </a:pPr>
-              <a:endParaRPr lang="en-NL"/>
+              <a:endParaRPr lang="en-US"/>
             </a:p>
           </c:txPr>
         </c:title>
@@ -8877,7 +8878,7 @@
                 <a:cs typeface="+mn-cs"/>
               </a:defRPr>
             </a:pPr>
-            <a:endParaRPr lang="en-NL"/>
+            <a:endParaRPr lang="en-US"/>
           </a:p>
         </c:txPr>
         <c:crossAx val="1767837104"/>
@@ -8986,7 +8987,7 @@
                   <a:cs typeface="+mn-cs"/>
                 </a:defRPr>
               </a:pPr>
-              <a:endParaRPr lang="en-NL"/>
+              <a:endParaRPr lang="en-US"/>
             </a:p>
           </c:txPr>
         </c:title>
@@ -9024,7 +9025,7 @@
                 <a:cs typeface="+mn-cs"/>
               </a:defRPr>
             </a:pPr>
-            <a:endParaRPr lang="en-NL"/>
+            <a:endParaRPr lang="en-US"/>
           </a:p>
         </c:txPr>
         <c:crossAx val="1593113264"/>
@@ -9064,7 +9065,7 @@
       <a:pPr>
         <a:defRPr/>
       </a:pPr>
-      <a:endParaRPr lang="en-NL"/>
+      <a:endParaRPr lang="en-US"/>
     </a:p>
   </c:txPr>
   <c:externalData r:id="rId3">
@@ -10890,7 +10891,7 @@
           <a:p>
             <a:fld id="{ED1D69A2-FB5B-402A-AF16-977A1EC30EE5}" type="datetimeFigureOut">
               <a:rPr lang="en-GB" smtClean="0"/>
-              <a:t>17/03/2022</a:t>
+              <a:t>21/03/2022</a:t>
             </a:fld>
             <a:endParaRPr lang="en-GB"/>
           </a:p>
@@ -11090,7 +11091,7 @@
           <a:p>
             <a:fld id="{ED1D69A2-FB5B-402A-AF16-977A1EC30EE5}" type="datetimeFigureOut">
               <a:rPr lang="en-GB" smtClean="0"/>
-              <a:t>17/03/2022</a:t>
+              <a:t>21/03/2022</a:t>
             </a:fld>
             <a:endParaRPr lang="en-GB"/>
           </a:p>
@@ -11300,7 +11301,7 @@
           <a:p>
             <a:fld id="{ED1D69A2-FB5B-402A-AF16-977A1EC30EE5}" type="datetimeFigureOut">
               <a:rPr lang="en-GB" smtClean="0"/>
-              <a:t>17/03/2022</a:t>
+              <a:t>21/03/2022</a:t>
             </a:fld>
             <a:endParaRPr lang="en-GB"/>
           </a:p>
@@ -11500,7 +11501,7 @@
           <a:p>
             <a:fld id="{ED1D69A2-FB5B-402A-AF16-977A1EC30EE5}" type="datetimeFigureOut">
               <a:rPr lang="en-GB" smtClean="0"/>
-              <a:t>17/03/2022</a:t>
+              <a:t>21/03/2022</a:t>
             </a:fld>
             <a:endParaRPr lang="en-GB"/>
           </a:p>
@@ -11776,7 +11777,7 @@
           <a:p>
             <a:fld id="{ED1D69A2-FB5B-402A-AF16-977A1EC30EE5}" type="datetimeFigureOut">
               <a:rPr lang="en-GB" smtClean="0"/>
-              <a:t>17/03/2022</a:t>
+              <a:t>21/03/2022</a:t>
             </a:fld>
             <a:endParaRPr lang="en-GB"/>
           </a:p>
@@ -12044,7 +12045,7 @@
           <a:p>
             <a:fld id="{ED1D69A2-FB5B-402A-AF16-977A1EC30EE5}" type="datetimeFigureOut">
               <a:rPr lang="en-GB" smtClean="0"/>
-              <a:t>17/03/2022</a:t>
+              <a:t>21/03/2022</a:t>
             </a:fld>
             <a:endParaRPr lang="en-GB"/>
           </a:p>
@@ -12459,7 +12460,7 @@
           <a:p>
             <a:fld id="{ED1D69A2-FB5B-402A-AF16-977A1EC30EE5}" type="datetimeFigureOut">
               <a:rPr lang="en-GB" smtClean="0"/>
-              <a:t>17/03/2022</a:t>
+              <a:t>21/03/2022</a:t>
             </a:fld>
             <a:endParaRPr lang="en-GB"/>
           </a:p>
@@ -12601,7 +12602,7 @@
           <a:p>
             <a:fld id="{ED1D69A2-FB5B-402A-AF16-977A1EC30EE5}" type="datetimeFigureOut">
               <a:rPr lang="en-GB" smtClean="0"/>
-              <a:t>17/03/2022</a:t>
+              <a:t>21/03/2022</a:t>
             </a:fld>
             <a:endParaRPr lang="en-GB"/>
           </a:p>
@@ -12714,7 +12715,7 @@
           <a:p>
             <a:fld id="{ED1D69A2-FB5B-402A-AF16-977A1EC30EE5}" type="datetimeFigureOut">
               <a:rPr lang="en-GB" smtClean="0"/>
-              <a:t>17/03/2022</a:t>
+              <a:t>21/03/2022</a:t>
             </a:fld>
             <a:endParaRPr lang="en-GB"/>
           </a:p>
@@ -13027,7 +13028,7 @@
           <a:p>
             <a:fld id="{ED1D69A2-FB5B-402A-AF16-977A1EC30EE5}" type="datetimeFigureOut">
               <a:rPr lang="en-GB" smtClean="0"/>
-              <a:t>17/03/2022</a:t>
+              <a:t>21/03/2022</a:t>
             </a:fld>
             <a:endParaRPr lang="en-GB"/>
           </a:p>
@@ -13316,7 +13317,7 @@
           <a:p>
             <a:fld id="{ED1D69A2-FB5B-402A-AF16-977A1EC30EE5}" type="datetimeFigureOut">
               <a:rPr lang="en-GB" smtClean="0"/>
-              <a:t>17/03/2022</a:t>
+              <a:t>21/03/2022</a:t>
             </a:fld>
             <a:endParaRPr lang="en-GB"/>
           </a:p>
@@ -13559,7 +13560,7 @@
           <a:p>
             <a:fld id="{ED1D69A2-FB5B-402A-AF16-977A1EC30EE5}" type="datetimeFigureOut">
               <a:rPr lang="en-GB" smtClean="0"/>
-              <a:t>17/03/2022</a:t>
+              <a:t>21/03/2022</a:t>
             </a:fld>
             <a:endParaRPr lang="en-GB"/>
           </a:p>
@@ -14036,10 +14037,10 @@
       </p:grpSpPr>
       <p:pic>
         <p:nvPicPr>
-          <p:cNvPr id="5" name="Picture 4">
+          <p:cNvPr id="4" name="Picture 3">
             <a:extLst>
               <a:ext uri="{FF2B5EF4-FFF2-40B4-BE49-F238E27FC236}">
-                <a16:creationId xmlns:a16="http://schemas.microsoft.com/office/drawing/2014/main" id="{6BAFFB86-340D-4248-8EA7-8058366FAB55}"/>
+                <a16:creationId xmlns:a16="http://schemas.microsoft.com/office/drawing/2014/main" id="{A9BB92B1-EA33-439E-8E75-B2AD72BAE7A7}"/>
               </a:ext>
             </a:extLst>
           </p:cNvPr>
@@ -14048,83 +14049,388 @@
           </p:cNvPicPr>
           <p:nvPr/>
         </p:nvPicPr>
-        <p:blipFill rotWithShape="1">
+        <p:blipFill>
           <a:blip r:embed="rId2"/>
-          <a:srcRect r="49901" b="50000"/>
-          <a:stretch/>
+          <a:stretch>
+            <a:fillRect/>
+          </a:stretch>
         </p:blipFill>
         <p:spPr>
           <a:xfrm>
-            <a:off x="1" y="-1"/>
-            <a:ext cx="3684156" cy="2443737"/>
+            <a:off x="0" y="0"/>
+            <a:ext cx="9169651" cy="2964714"/>
           </a:xfrm>
           <a:prstGeom prst="rect">
             <a:avLst/>
           </a:prstGeom>
         </p:spPr>
       </p:pic>
-      <p:pic>
-        <p:nvPicPr>
-          <p:cNvPr id="7" name="Picture 6">
+      <p:sp>
+        <p:nvSpPr>
+          <p:cNvPr id="5" name="TextBox 4">
             <a:extLst>
               <a:ext uri="{FF2B5EF4-FFF2-40B4-BE49-F238E27FC236}">
-                <a16:creationId xmlns:a16="http://schemas.microsoft.com/office/drawing/2014/main" id="{B89E934B-910C-4789-813C-5436E0FB77D6}"/>
+                <a16:creationId xmlns:a16="http://schemas.microsoft.com/office/drawing/2014/main" id="{E9A298FD-5C24-4C8C-A5F9-2DC06010FBC2}"/>
               </a:ext>
             </a:extLst>
           </p:cNvPr>
-          <p:cNvPicPr>
-            <a:picLocks noChangeAspect="1"/>
-          </p:cNvPicPr>
+          <p:cNvSpPr txBox="1"/>
           <p:nvPr/>
-        </p:nvPicPr>
-        <p:blipFill rotWithShape="1">
-          <a:blip r:embed="rId2"/>
-          <a:srcRect l="50000" b="50000"/>
-          <a:stretch/>
-        </p:blipFill>
+        </p:nvSpPr>
         <p:spPr>
           <a:xfrm>
-            <a:off x="4024445" y="0"/>
-            <a:ext cx="3676876" cy="2443738"/>
+            <a:off x="748518" y="3066135"/>
+            <a:ext cx="5347482" cy="4801314"/>
           </a:xfrm>
           <a:prstGeom prst="rect">
             <a:avLst/>
           </a:prstGeom>
+          <a:noFill/>
         </p:spPr>
-      </p:pic>
-      <p:pic>
-        <p:nvPicPr>
-          <p:cNvPr id="9" name="Picture 8">
+        <p:txBody>
+          <a:bodyPr wrap="square" rtlCol="0">
+            <a:spAutoFit/>
+          </a:bodyPr>
+          <a:lstStyle/>
+          <a:p>
+            <a:r>
+              <a:rPr lang="en-US" dirty="0"/>
+              <a:t>Observations:</a:t>
+            </a:r>
+          </a:p>
+          <a:p>
+            <a:pPr marL="285750" indent="-285750">
+              <a:buFont typeface="Arial" panose="020B0604020202020204" pitchFamily="34" charset="0"/>
+              <a:buChar char="•"/>
+            </a:pPr>
+            <a:r>
+              <a:rPr lang="en-US" b="1" dirty="0"/>
+              <a:t>Input velocity has little impact on</a:t>
+            </a:r>
+            <a:r>
+              <a:rPr lang="en-US" dirty="0"/>
+              <a:t>:</a:t>
+            </a:r>
+          </a:p>
+          <a:p>
+            <a:pPr marL="742950" lvl="1" indent="-285750">
+              <a:buFont typeface="Arial" panose="020B0604020202020204" pitchFamily="34" charset="0"/>
+              <a:buChar char="•"/>
+            </a:pPr>
+            <a:r>
+              <a:rPr lang="en-US" dirty="0"/>
+              <a:t>Hole diameter</a:t>
+            </a:r>
+          </a:p>
+          <a:p>
+            <a:pPr marL="742950" lvl="1" indent="-285750">
+              <a:buFont typeface="Arial" panose="020B0604020202020204" pitchFamily="34" charset="0"/>
+              <a:buChar char="•"/>
+            </a:pPr>
+            <a:r>
+              <a:rPr lang="en-US" dirty="0"/>
+              <a:t>Cloud diameter</a:t>
+            </a:r>
+          </a:p>
+          <a:p>
+            <a:pPr marL="742950" lvl="1" indent="-285750">
+              <a:buFont typeface="Arial" panose="020B0604020202020204" pitchFamily="34" charset="0"/>
+              <a:buChar char="•"/>
+            </a:pPr>
+            <a:r>
+              <a:rPr lang="en-US" dirty="0"/>
+              <a:t>Conversion due to temperature</a:t>
+            </a:r>
+          </a:p>
+          <a:p>
+            <a:pPr marL="285750" indent="-285750">
+              <a:buFont typeface="Arial" panose="020B0604020202020204" pitchFamily="34" charset="0"/>
+              <a:buChar char="•"/>
+            </a:pPr>
+            <a:r>
+              <a:rPr lang="en-US" dirty="0"/>
+              <a:t>Input velocity affects: percentage of solid material &amp; residual velocity</a:t>
+            </a:r>
+          </a:p>
+          <a:p>
+            <a:pPr marL="285750" indent="-285750">
+              <a:buFont typeface="Arial" panose="020B0604020202020204" pitchFamily="34" charset="0"/>
+              <a:buChar char="•"/>
+            </a:pPr>
+            <a:r>
+              <a:rPr lang="en-US" dirty="0"/>
+              <a:t>Inverse correlation between percentage of solid material and residual velocity</a:t>
+            </a:r>
+          </a:p>
+          <a:p>
+            <a:pPr marL="285750" indent="-285750">
+              <a:buFont typeface="Arial" panose="020B0604020202020204" pitchFamily="34" charset="0"/>
+              <a:buChar char="•"/>
+            </a:pPr>
+            <a:r>
+              <a:rPr lang="en-US" dirty="0"/>
+              <a:t>Target hole diameter, debris cloud diameter and conversion due to temperature are equally sensitive to all input parameter changes</a:t>
+            </a:r>
+          </a:p>
+          <a:p>
+            <a:pPr marL="285750" indent="-285750">
+              <a:buFont typeface="Arial" panose="020B0604020202020204" pitchFamily="34" charset="0"/>
+              <a:buChar char="•"/>
+            </a:pPr>
+            <a:endParaRPr lang="en-US" dirty="0"/>
+          </a:p>
+          <a:p>
+            <a:pPr marL="285750" indent="-285750">
+              <a:buFont typeface="Arial" panose="020B0604020202020204" pitchFamily="34" charset="0"/>
+              <a:buChar char="•"/>
+            </a:pPr>
+            <a:endParaRPr lang="en-US" dirty="0"/>
+          </a:p>
+          <a:p>
+            <a:pPr marL="742950" lvl="1" indent="-285750">
+              <a:buFont typeface="Arial" panose="020B0604020202020204" pitchFamily="34" charset="0"/>
+              <a:buChar char="•"/>
+            </a:pPr>
+            <a:endParaRPr lang="en-US" dirty="0"/>
+          </a:p>
+          <a:p>
+            <a:pPr marL="285750" indent="-285750">
+              <a:buFont typeface="Arial" panose="020B0604020202020204" pitchFamily="34" charset="0"/>
+              <a:buChar char="•"/>
+            </a:pPr>
+            <a:endParaRPr lang="en-US" dirty="0"/>
+          </a:p>
+          <a:p>
+            <a:pPr marL="285750" indent="-285750">
+              <a:buFont typeface="Arial" panose="020B0604020202020204" pitchFamily="34" charset="0"/>
+              <a:buChar char="•"/>
+            </a:pPr>
+            <a:endParaRPr lang="en-US" dirty="0"/>
+          </a:p>
+        </p:txBody>
+      </p:sp>
+      <p:sp>
+        <p:nvSpPr>
+          <p:cNvPr id="7" name="TextBox 6">
             <a:extLst>
               <a:ext uri="{FF2B5EF4-FFF2-40B4-BE49-F238E27FC236}">
-                <a16:creationId xmlns:a16="http://schemas.microsoft.com/office/drawing/2014/main" id="{BBA077DD-237D-46C5-93BD-46331AEB654D}"/>
+                <a16:creationId xmlns:a16="http://schemas.microsoft.com/office/drawing/2014/main" id="{6A034EFA-ADD9-48FD-B4DB-0111787D6E1A}"/>
               </a:ext>
             </a:extLst>
           </p:cNvPr>
-          <p:cNvPicPr>
-            <a:picLocks noChangeAspect="1"/>
-          </p:cNvPicPr>
+          <p:cNvSpPr txBox="1"/>
           <p:nvPr/>
-        </p:nvPicPr>
-        <p:blipFill rotWithShape="1">
-          <a:blip r:embed="rId2"/>
-          <a:srcRect t="52277" r="51170"/>
-          <a:stretch/>
-        </p:blipFill>
+        </p:nvSpPr>
         <p:spPr>
           <a:xfrm>
-            <a:off x="8471024" y="116297"/>
-            <a:ext cx="3404103" cy="2211139"/>
+            <a:off x="5868209" y="3429000"/>
+            <a:ext cx="5851211" cy="3693319"/>
           </a:xfrm>
           <a:prstGeom prst="rect">
             <a:avLst/>
           </a:prstGeom>
+          <a:noFill/>
         </p:spPr>
-      </p:pic>
+        <p:txBody>
+          <a:bodyPr wrap="square" rtlCol="0">
+            <a:spAutoFit/>
+          </a:bodyPr>
+          <a:lstStyle/>
+          <a:p>
+            <a:pPr marL="742950" lvl="1" indent="-285750">
+              <a:buFont typeface="Arial" panose="020B0604020202020204" pitchFamily="34" charset="0"/>
+              <a:buChar char="•"/>
+            </a:pPr>
+            <a:r>
+              <a:rPr lang="en-US" dirty="0"/>
+              <a:t>Lower velocity simulations have a higher percentage velocity decrease</a:t>
+            </a:r>
+          </a:p>
+          <a:p>
+            <a:pPr marL="742950" lvl="1" indent="-285750">
+              <a:buFont typeface="Arial" panose="020B0604020202020204" pitchFamily="34" charset="0"/>
+              <a:buChar char="•"/>
+            </a:pPr>
+            <a:r>
+              <a:rPr lang="en-US" dirty="0"/>
+              <a:t>Increasing velocity does not strictly result in larger target hole diameter</a:t>
+            </a:r>
+          </a:p>
+          <a:p>
+            <a:pPr marL="742950" lvl="1" indent="-285750">
+              <a:buFont typeface="Arial" panose="020B0604020202020204" pitchFamily="34" charset="0"/>
+              <a:buChar char="•"/>
+            </a:pPr>
+            <a:r>
+              <a:rPr lang="en-US" dirty="0"/>
+              <a:t>Increasing t/d leads:</a:t>
+            </a:r>
+          </a:p>
+          <a:p>
+            <a:pPr marL="1200150" lvl="2" indent="-285750">
+              <a:buFont typeface="Arial" panose="020B0604020202020204" pitchFamily="34" charset="0"/>
+              <a:buChar char="•"/>
+            </a:pPr>
+            <a:r>
+              <a:rPr lang="en-US" dirty="0"/>
+              <a:t>to lower percentage of solid material</a:t>
+            </a:r>
+          </a:p>
+          <a:p>
+            <a:pPr marL="1200150" lvl="2" indent="-285750">
+              <a:buFont typeface="Arial" panose="020B0604020202020204" pitchFamily="34" charset="0"/>
+              <a:buChar char="•"/>
+            </a:pPr>
+            <a:r>
+              <a:rPr lang="en-US" dirty="0"/>
+              <a:t>higher conversion due to temperature</a:t>
+            </a:r>
+          </a:p>
+          <a:p>
+            <a:pPr marL="1200150" lvl="2" indent="-285750">
+              <a:buFont typeface="Arial" panose="020B0604020202020204" pitchFamily="34" charset="0"/>
+              <a:buChar char="•"/>
+            </a:pPr>
+            <a:r>
+              <a:rPr lang="en-US" dirty="0"/>
+              <a:t>decreasing residual velocity </a:t>
+            </a:r>
+          </a:p>
+          <a:p>
+            <a:pPr marL="1200150" lvl="2" indent="-285750">
+              <a:buFont typeface="Arial" panose="020B0604020202020204" pitchFamily="34" charset="0"/>
+              <a:buChar char="•"/>
+            </a:pPr>
+            <a:r>
+              <a:rPr lang="en-US" dirty="0"/>
+              <a:t>increased cloud diameter </a:t>
+            </a:r>
+          </a:p>
+          <a:p>
+            <a:pPr marL="1200150" lvl="2" indent="-285750">
+              <a:buFont typeface="Arial" panose="020B0604020202020204" pitchFamily="34" charset="0"/>
+              <a:buChar char="•"/>
+            </a:pPr>
+            <a:r>
+              <a:rPr lang="en-US" dirty="0"/>
+              <a:t>increased hole diameter</a:t>
+            </a:r>
+          </a:p>
+          <a:p>
+            <a:pPr marL="742950" lvl="1" indent="-285750">
+              <a:buFont typeface="Arial" panose="020B0604020202020204" pitchFamily="34" charset="0"/>
+              <a:buChar char="•"/>
+            </a:pPr>
+            <a:endParaRPr lang="en-US" dirty="0"/>
+          </a:p>
+          <a:p>
+            <a:pPr marL="285750" indent="-285750">
+              <a:buFont typeface="Arial" panose="020B0604020202020204" pitchFamily="34" charset="0"/>
+              <a:buChar char="•"/>
+            </a:pPr>
+            <a:endParaRPr lang="en-US" dirty="0"/>
+          </a:p>
+          <a:p>
+            <a:pPr marL="285750" indent="-285750">
+              <a:buFont typeface="Arial" panose="020B0604020202020204" pitchFamily="34" charset="0"/>
+              <a:buChar char="•"/>
+            </a:pPr>
+            <a:endParaRPr lang="en-US" dirty="0"/>
+          </a:p>
+        </p:txBody>
+      </p:sp>
+      <p:sp>
+        <p:nvSpPr>
+          <p:cNvPr id="8" name="TextBox 7">
+            <a:extLst>
+              <a:ext uri="{FF2B5EF4-FFF2-40B4-BE49-F238E27FC236}">
+                <a16:creationId xmlns:a16="http://schemas.microsoft.com/office/drawing/2014/main" id="{BC107AC1-C4F3-48D0-BB5A-DC420B38D683}"/>
+              </a:ext>
+            </a:extLst>
+          </p:cNvPr>
+          <p:cNvSpPr txBox="1"/>
+          <p:nvPr/>
+        </p:nvSpPr>
+        <p:spPr>
+          <a:xfrm>
+            <a:off x="9051226" y="897581"/>
+            <a:ext cx="2861141" cy="1169551"/>
+          </a:xfrm>
+          <a:prstGeom prst="rect">
+            <a:avLst/>
+          </a:prstGeom>
+          <a:ln w="6350"/>
+        </p:spPr>
+        <p:style>
+          <a:lnRef idx="2">
+            <a:schemeClr val="dk1"/>
+          </a:lnRef>
+          <a:fillRef idx="1">
+            <a:schemeClr val="lt1"/>
+          </a:fillRef>
+          <a:effectRef idx="0">
+            <a:schemeClr val="dk1"/>
+          </a:effectRef>
+          <a:fontRef idx="minor">
+            <a:schemeClr val="dk1"/>
+          </a:fontRef>
+        </p:style>
+        <p:txBody>
+          <a:bodyPr wrap="square" rtlCol="0">
+            <a:spAutoFit/>
+          </a:bodyPr>
+          <a:lstStyle/>
+          <a:p>
+            <a:r>
+              <a:rPr lang="en-US" sz="1400" dirty="0">
+                <a:latin typeface="Calibri" panose="020F0502020204030204" pitchFamily="34" charset="0"/>
+                <a:cs typeface="Calibri" panose="020F0502020204030204" pitchFamily="34" charset="0"/>
+              </a:rPr>
+              <a:t>R1 = Target hole diameter</a:t>
+            </a:r>
+          </a:p>
+          <a:p>
+            <a:r>
+              <a:rPr lang="en-US" sz="1400" dirty="0">
+                <a:latin typeface="Calibri" panose="020F0502020204030204" pitchFamily="34" charset="0"/>
+                <a:cs typeface="Calibri" panose="020F0502020204030204" pitchFamily="34" charset="0"/>
+              </a:rPr>
+              <a:t>R2 = Debris cloud diameter</a:t>
+            </a:r>
+          </a:p>
+          <a:p>
+            <a:r>
+              <a:rPr lang="en-US" sz="1400" dirty="0">
+                <a:latin typeface="Calibri" panose="020F0502020204030204" pitchFamily="34" charset="0"/>
+                <a:cs typeface="Calibri" panose="020F0502020204030204" pitchFamily="34" charset="0"/>
+              </a:rPr>
+              <a:t>R3 = Percentage of solid material</a:t>
+            </a:r>
+          </a:p>
+          <a:p>
+            <a:r>
+              <a:rPr lang="en-US" sz="1400" dirty="0">
+                <a:latin typeface="Calibri" panose="020F0502020204030204" pitchFamily="34" charset="0"/>
+                <a:cs typeface="Calibri" panose="020F0502020204030204" pitchFamily="34" charset="0"/>
+              </a:rPr>
+              <a:t>R4 = Residual velocity</a:t>
+            </a:r>
+          </a:p>
+          <a:p>
+            <a:r>
+              <a:rPr lang="en-US" sz="1400" dirty="0">
+                <a:latin typeface="Calibri" panose="020F0502020204030204" pitchFamily="34" charset="0"/>
+                <a:cs typeface="Calibri" panose="020F0502020204030204" pitchFamily="34" charset="0"/>
+              </a:rPr>
+              <a:t>R5 = Conversion due to temperature</a:t>
+            </a:r>
+          </a:p>
+        </p:txBody>
+      </p:sp>
     </p:spTree>
     <p:extLst>
       <p:ext uri="{BB962C8B-B14F-4D97-AF65-F5344CB8AC3E}">
-        <p14:creationId xmlns:p14="http://schemas.microsoft.com/office/powerpoint/2010/main" val="2986890126"/>
+        <p14:creationId xmlns:p14="http://schemas.microsoft.com/office/powerpoint/2010/main" val="1316816158"/>
       </p:ext>
     </p:extLst>
   </p:cSld>
@@ -14195,8 +14501,8 @@
         </p:nvSpPr>
         <p:spPr>
           <a:xfrm>
-            <a:off x="297455" y="605928"/>
-            <a:ext cx="3316078" cy="923330"/>
+            <a:off x="935018" y="689818"/>
+            <a:ext cx="3316078" cy="646331"/>
           </a:xfrm>
           <a:prstGeom prst="rect">
             <a:avLst/>
@@ -14210,12 +14516,9 @@
           <a:lstStyle/>
           <a:p>
             <a:r>
-              <a:rPr lang="en-US" dirty="0"/>
+              <a:rPr lang="en-US" b="1" dirty="0"/>
               <a:t>Alternative plot</a:t>
             </a:r>
-          </a:p>
-          <a:p>
-            <a:endParaRPr lang="en-US" dirty="0"/>
           </a:p>
           <a:p>
             <a:r>
@@ -14426,6 +14729,123 @@
     <p:extLst>
       <p:ext uri="{BB962C8B-B14F-4D97-AF65-F5344CB8AC3E}">
         <p14:creationId xmlns:p14="http://schemas.microsoft.com/office/powerpoint/2010/main" val="2580228770"/>
+      </p:ext>
+    </p:extLst>
+  </p:cSld>
+  <p:clrMapOvr>
+    <a:masterClrMapping/>
+  </p:clrMapOvr>
+</p:sld>
+</file>
+
+<file path=ppt/slides/slide13.xml><?xml version="1.0" encoding="utf-8"?>
+<p:sld xmlns:a="http://schemas.openxmlformats.org/drawingml/2006/main" xmlns:r="http://schemas.openxmlformats.org/officeDocument/2006/relationships" xmlns:p="http://schemas.openxmlformats.org/presentationml/2006/main">
+  <p:cSld>
+    <p:spTree>
+      <p:nvGrpSpPr>
+        <p:cNvPr id="1" name=""/>
+        <p:cNvGrpSpPr/>
+        <p:nvPr/>
+      </p:nvGrpSpPr>
+      <p:grpSpPr>
+        <a:xfrm>
+          <a:off x="0" y="0"/>
+          <a:ext cx="0" cy="0"/>
+          <a:chOff x="0" y="0"/>
+          <a:chExt cx="0" cy="0"/>
+        </a:xfrm>
+      </p:grpSpPr>
+      <p:pic>
+        <p:nvPicPr>
+          <p:cNvPr id="5" name="Picture 4">
+            <a:extLst>
+              <a:ext uri="{FF2B5EF4-FFF2-40B4-BE49-F238E27FC236}">
+                <a16:creationId xmlns:a16="http://schemas.microsoft.com/office/drawing/2014/main" id="{6BAFFB86-340D-4248-8EA7-8058366FAB55}"/>
+              </a:ext>
+            </a:extLst>
+          </p:cNvPr>
+          <p:cNvPicPr>
+            <a:picLocks noChangeAspect="1"/>
+          </p:cNvPicPr>
+          <p:nvPr/>
+        </p:nvPicPr>
+        <p:blipFill rotWithShape="1">
+          <a:blip r:embed="rId2"/>
+          <a:srcRect r="49901" b="50000"/>
+          <a:stretch/>
+        </p:blipFill>
+        <p:spPr>
+          <a:xfrm>
+            <a:off x="360727" y="1383034"/>
+            <a:ext cx="3684156" cy="2443737"/>
+          </a:xfrm>
+          <a:prstGeom prst="rect">
+            <a:avLst/>
+          </a:prstGeom>
+        </p:spPr>
+      </p:pic>
+      <p:pic>
+        <p:nvPicPr>
+          <p:cNvPr id="7" name="Picture 6">
+            <a:extLst>
+              <a:ext uri="{FF2B5EF4-FFF2-40B4-BE49-F238E27FC236}">
+                <a16:creationId xmlns:a16="http://schemas.microsoft.com/office/drawing/2014/main" id="{B89E934B-910C-4789-813C-5436E0FB77D6}"/>
+              </a:ext>
+            </a:extLst>
+          </p:cNvPr>
+          <p:cNvPicPr>
+            <a:picLocks noChangeAspect="1"/>
+          </p:cNvPicPr>
+          <p:nvPr/>
+        </p:nvPicPr>
+        <p:blipFill rotWithShape="1">
+          <a:blip r:embed="rId2"/>
+          <a:srcRect l="50000" b="50000"/>
+          <a:stretch/>
+        </p:blipFill>
+        <p:spPr>
+          <a:xfrm>
+            <a:off x="4200613" y="1383034"/>
+            <a:ext cx="3676876" cy="2443738"/>
+          </a:xfrm>
+          <a:prstGeom prst="rect">
+            <a:avLst/>
+          </a:prstGeom>
+        </p:spPr>
+      </p:pic>
+      <p:pic>
+        <p:nvPicPr>
+          <p:cNvPr id="9" name="Picture 8">
+            <a:extLst>
+              <a:ext uri="{FF2B5EF4-FFF2-40B4-BE49-F238E27FC236}">
+                <a16:creationId xmlns:a16="http://schemas.microsoft.com/office/drawing/2014/main" id="{BBA077DD-237D-46C5-93BD-46331AEB654D}"/>
+              </a:ext>
+            </a:extLst>
+          </p:cNvPr>
+          <p:cNvPicPr>
+            <a:picLocks noChangeAspect="1"/>
+          </p:cNvPicPr>
+          <p:nvPr/>
+        </p:nvPicPr>
+        <p:blipFill rotWithShape="1">
+          <a:blip r:embed="rId2"/>
+          <a:srcRect t="52277" r="51170"/>
+          <a:stretch/>
+        </p:blipFill>
+        <p:spPr>
+          <a:xfrm>
+            <a:off x="8216745" y="1499332"/>
+            <a:ext cx="3490601" cy="2267324"/>
+          </a:xfrm>
+          <a:prstGeom prst="rect">
+            <a:avLst/>
+          </a:prstGeom>
+        </p:spPr>
+      </p:pic>
+    </p:spTree>
+    <p:extLst>
+      <p:ext uri="{BB962C8B-B14F-4D97-AF65-F5344CB8AC3E}">
+        <p14:creationId xmlns:p14="http://schemas.microsoft.com/office/powerpoint/2010/main" val="2986890126"/>
       </p:ext>
     </p:extLst>
   </p:cSld>
@@ -15360,6 +15780,494 @@
           <a:chExt cx="0" cy="0"/>
         </a:xfrm>
       </p:grpSpPr>
+      <p:pic>
+        <p:nvPicPr>
+          <p:cNvPr id="4" name="Picture 3">
+            <a:extLst>
+              <a:ext uri="{FF2B5EF4-FFF2-40B4-BE49-F238E27FC236}">
+                <a16:creationId xmlns:a16="http://schemas.microsoft.com/office/drawing/2014/main" id="{5DEA3FE4-4DD7-492A-8B7B-786F27916129}"/>
+              </a:ext>
+            </a:extLst>
+          </p:cNvPr>
+          <p:cNvPicPr>
+            <a:picLocks noChangeAspect="1"/>
+          </p:cNvPicPr>
+          <p:nvPr/>
+        </p:nvPicPr>
+        <p:blipFill>
+          <a:blip r:embed="rId2">
+            <a:extLst>
+              <a:ext uri="{28A0092B-C50C-407E-A947-70E740481C1C}">
+                <a14:useLocalDpi xmlns:a14="http://schemas.microsoft.com/office/drawing/2010/main" val="0"/>
+              </a:ext>
+            </a:extLst>
+          </a:blip>
+          <a:stretch>
+            <a:fillRect/>
+          </a:stretch>
+        </p:blipFill>
+        <p:spPr>
+          <a:xfrm>
+            <a:off x="588979" y="928176"/>
+            <a:ext cx="3299634" cy="2463469"/>
+          </a:xfrm>
+          <a:prstGeom prst="rect">
+            <a:avLst/>
+          </a:prstGeom>
+        </p:spPr>
+      </p:pic>
+      <p:pic>
+        <p:nvPicPr>
+          <p:cNvPr id="5" name="Content Placeholder 4">
+            <a:extLst>
+              <a:ext uri="{FF2B5EF4-FFF2-40B4-BE49-F238E27FC236}">
+                <a16:creationId xmlns:a16="http://schemas.microsoft.com/office/drawing/2014/main" id="{1911B030-FDE4-4A2A-AD31-1C0BC95F2020}"/>
+              </a:ext>
+            </a:extLst>
+          </p:cNvPr>
+          <p:cNvPicPr>
+            <a:picLocks noGrp="1" noChangeAspect="1"/>
+          </p:cNvPicPr>
+          <p:nvPr>
+            <p:ph idx="1"/>
+          </p:nvPr>
+        </p:nvPicPr>
+        <p:blipFill rotWithShape="1">
+          <a:blip r:embed="rId3">
+            <a:extLst>
+              <a:ext uri="{28A0092B-C50C-407E-A947-70E740481C1C}">
+                <a14:useLocalDpi xmlns:a14="http://schemas.microsoft.com/office/drawing/2010/main" val="0"/>
+              </a:ext>
+            </a:extLst>
+          </a:blip>
+          <a:srcRect t="3813" b="3218"/>
+          <a:stretch/>
+        </p:blipFill>
+        <p:spPr>
+          <a:xfrm>
+            <a:off x="3724712" y="1064496"/>
+            <a:ext cx="2503979" cy="2114017"/>
+          </a:xfrm>
+        </p:spPr>
+      </p:pic>
+      <p:pic>
+        <p:nvPicPr>
+          <p:cNvPr id="6" name="Picture 5">
+            <a:extLst>
+              <a:ext uri="{FF2B5EF4-FFF2-40B4-BE49-F238E27FC236}">
+                <a16:creationId xmlns:a16="http://schemas.microsoft.com/office/drawing/2014/main" id="{F5178FA4-695B-4E0A-895C-A0369F68CAF5}"/>
+              </a:ext>
+            </a:extLst>
+          </p:cNvPr>
+          <p:cNvPicPr>
+            <a:picLocks noChangeAspect="1"/>
+          </p:cNvPicPr>
+          <p:nvPr/>
+        </p:nvPicPr>
+        <p:blipFill>
+          <a:blip r:embed="rId4">
+            <a:extLst>
+              <a:ext uri="{28A0092B-C50C-407E-A947-70E740481C1C}">
+                <a14:useLocalDpi xmlns:a14="http://schemas.microsoft.com/office/drawing/2010/main" val="0"/>
+              </a:ext>
+            </a:extLst>
+          </a:blip>
+          <a:stretch>
+            <a:fillRect/>
+          </a:stretch>
+        </p:blipFill>
+        <p:spPr>
+          <a:xfrm>
+            <a:off x="6812185" y="1119440"/>
+            <a:ext cx="2652907" cy="2164952"/>
+          </a:xfrm>
+          <a:prstGeom prst="rect">
+            <a:avLst/>
+          </a:prstGeom>
+        </p:spPr>
+      </p:pic>
+      <p:pic>
+        <p:nvPicPr>
+          <p:cNvPr id="7" name="Picture 6">
+            <a:extLst>
+              <a:ext uri="{FF2B5EF4-FFF2-40B4-BE49-F238E27FC236}">
+                <a16:creationId xmlns:a16="http://schemas.microsoft.com/office/drawing/2014/main" id="{79C2719F-BAFF-4D87-BC6B-64B9404981ED}"/>
+              </a:ext>
+            </a:extLst>
+          </p:cNvPr>
+          <p:cNvPicPr>
+            <a:picLocks noChangeAspect="1"/>
+          </p:cNvPicPr>
+          <p:nvPr/>
+        </p:nvPicPr>
+        <p:blipFill>
+          <a:blip r:embed="rId5">
+            <a:extLst>
+              <a:ext uri="{28A0092B-C50C-407E-A947-70E740481C1C}">
+                <a14:useLocalDpi xmlns:a14="http://schemas.microsoft.com/office/drawing/2010/main" val="0"/>
+              </a:ext>
+            </a:extLst>
+          </a:blip>
+          <a:stretch>
+            <a:fillRect/>
+          </a:stretch>
+        </p:blipFill>
+        <p:spPr>
+          <a:xfrm>
+            <a:off x="9364424" y="1077434"/>
+            <a:ext cx="2707978" cy="1982988"/>
+          </a:xfrm>
+          <a:prstGeom prst="rect">
+            <a:avLst/>
+          </a:prstGeom>
+        </p:spPr>
+      </p:pic>
+      <p:pic>
+        <p:nvPicPr>
+          <p:cNvPr id="8" name="Picture 7">
+            <a:extLst>
+              <a:ext uri="{FF2B5EF4-FFF2-40B4-BE49-F238E27FC236}">
+                <a16:creationId xmlns:a16="http://schemas.microsoft.com/office/drawing/2014/main" id="{B2B7AC2C-3C5B-4F68-A394-3B0AD65371E2}"/>
+              </a:ext>
+            </a:extLst>
+          </p:cNvPr>
+          <p:cNvPicPr>
+            <a:picLocks noChangeAspect="1"/>
+          </p:cNvPicPr>
+          <p:nvPr/>
+        </p:nvPicPr>
+        <p:blipFill>
+          <a:blip r:embed="rId6">
+            <a:extLst>
+              <a:ext uri="{28A0092B-C50C-407E-A947-70E740481C1C}">
+                <a14:useLocalDpi xmlns:a14="http://schemas.microsoft.com/office/drawing/2010/main" val="0"/>
+              </a:ext>
+            </a:extLst>
+          </a:blip>
+          <a:stretch>
+            <a:fillRect/>
+          </a:stretch>
+        </p:blipFill>
+        <p:spPr>
+          <a:xfrm>
+            <a:off x="811603" y="3466355"/>
+            <a:ext cx="2971832" cy="2327149"/>
+          </a:xfrm>
+          <a:prstGeom prst="rect">
+            <a:avLst/>
+          </a:prstGeom>
+        </p:spPr>
+      </p:pic>
+      <p:pic>
+        <p:nvPicPr>
+          <p:cNvPr id="9" name="Picture 8">
+            <a:extLst>
+              <a:ext uri="{FF2B5EF4-FFF2-40B4-BE49-F238E27FC236}">
+                <a16:creationId xmlns:a16="http://schemas.microsoft.com/office/drawing/2014/main" id="{3B06D62A-4B01-4EBC-B641-9A5B101F6C6C}"/>
+              </a:ext>
+            </a:extLst>
+          </p:cNvPr>
+          <p:cNvPicPr>
+            <a:picLocks noChangeAspect="1"/>
+          </p:cNvPicPr>
+          <p:nvPr/>
+        </p:nvPicPr>
+        <p:blipFill rotWithShape="1">
+          <a:blip r:embed="rId7">
+            <a:extLst>
+              <a:ext uri="{28A0092B-C50C-407E-A947-70E740481C1C}">
+                <a14:useLocalDpi xmlns:a14="http://schemas.microsoft.com/office/drawing/2010/main" val="0"/>
+              </a:ext>
+            </a:extLst>
+          </a:blip>
+          <a:srcRect r="15064"/>
+          <a:stretch/>
+        </p:blipFill>
+        <p:spPr>
+          <a:xfrm>
+            <a:off x="3622137" y="3572920"/>
+            <a:ext cx="2709127" cy="2114017"/>
+          </a:xfrm>
+          <a:prstGeom prst="rect">
+            <a:avLst/>
+          </a:prstGeom>
+        </p:spPr>
+      </p:pic>
+      <p:pic>
+        <p:nvPicPr>
+          <p:cNvPr id="10" name="Picture 9">
+            <a:extLst>
+              <a:ext uri="{FF2B5EF4-FFF2-40B4-BE49-F238E27FC236}">
+                <a16:creationId xmlns:a16="http://schemas.microsoft.com/office/drawing/2014/main" id="{F426E4DA-87BB-452E-B711-9FF3117DEB32}"/>
+              </a:ext>
+            </a:extLst>
+          </p:cNvPr>
+          <p:cNvPicPr>
+            <a:picLocks noChangeAspect="1"/>
+          </p:cNvPicPr>
+          <p:nvPr/>
+        </p:nvPicPr>
+        <p:blipFill rotWithShape="1">
+          <a:blip r:embed="rId8">
+            <a:extLst>
+              <a:ext uri="{28A0092B-C50C-407E-A947-70E740481C1C}">
+                <a14:useLocalDpi xmlns:a14="http://schemas.microsoft.com/office/drawing/2010/main" val="0"/>
+              </a:ext>
+            </a:extLst>
+          </a:blip>
+          <a:srcRect r="18158"/>
+          <a:stretch/>
+        </p:blipFill>
+        <p:spPr>
+          <a:xfrm>
+            <a:off x="6488324" y="3615615"/>
+            <a:ext cx="2811787" cy="2455346"/>
+          </a:xfrm>
+          <a:prstGeom prst="rect">
+            <a:avLst/>
+          </a:prstGeom>
+        </p:spPr>
+      </p:pic>
+      <p:pic>
+        <p:nvPicPr>
+          <p:cNvPr id="11" name="Picture 10">
+            <a:extLst>
+              <a:ext uri="{FF2B5EF4-FFF2-40B4-BE49-F238E27FC236}">
+                <a16:creationId xmlns:a16="http://schemas.microsoft.com/office/drawing/2014/main" id="{2F008E3C-63E6-4FA9-BBFB-D3B51805F2CC}"/>
+              </a:ext>
+            </a:extLst>
+          </p:cNvPr>
+          <p:cNvPicPr>
+            <a:picLocks noChangeAspect="1"/>
+          </p:cNvPicPr>
+          <p:nvPr/>
+        </p:nvPicPr>
+        <p:blipFill rotWithShape="1">
+          <a:blip r:embed="rId9">
+            <a:extLst>
+              <a:ext uri="{28A0092B-C50C-407E-A947-70E740481C1C}">
+                <a14:useLocalDpi xmlns:a14="http://schemas.microsoft.com/office/drawing/2010/main" val="0"/>
+              </a:ext>
+            </a:extLst>
+          </a:blip>
+          <a:srcRect t="4204" r="6427" b="3799"/>
+          <a:stretch/>
+        </p:blipFill>
+        <p:spPr>
+          <a:xfrm>
+            <a:off x="9141798" y="3391645"/>
+            <a:ext cx="2666191" cy="2741122"/>
+          </a:xfrm>
+          <a:prstGeom prst="rect">
+            <a:avLst/>
+          </a:prstGeom>
+        </p:spPr>
+      </p:pic>
+      <p:sp>
+        <p:nvSpPr>
+          <p:cNvPr id="12" name="TextBox 11">
+            <a:extLst>
+              <a:ext uri="{FF2B5EF4-FFF2-40B4-BE49-F238E27FC236}">
+                <a16:creationId xmlns:a16="http://schemas.microsoft.com/office/drawing/2014/main" id="{32A869B1-33E8-4FA7-AEDF-0FDF02A50457}"/>
+              </a:ext>
+            </a:extLst>
+          </p:cNvPr>
+          <p:cNvSpPr txBox="1"/>
+          <p:nvPr/>
+        </p:nvSpPr>
+        <p:spPr>
+          <a:xfrm>
+            <a:off x="1757083" y="3175845"/>
+            <a:ext cx="1240946" cy="338554"/>
+          </a:xfrm>
+          <a:prstGeom prst="rect">
+            <a:avLst/>
+          </a:prstGeom>
+          <a:noFill/>
+        </p:spPr>
+        <p:txBody>
+          <a:bodyPr wrap="square" rtlCol="0">
+            <a:spAutoFit/>
+          </a:bodyPr>
+          <a:lstStyle/>
+          <a:p>
+            <a:r>
+              <a:rPr lang="en-GB" sz="1600" dirty="0"/>
+              <a:t>AA6061-T4</a:t>
+            </a:r>
+          </a:p>
+        </p:txBody>
+      </p:sp>
+      <p:sp>
+        <p:nvSpPr>
+          <p:cNvPr id="13" name="TextBox 12">
+            <a:extLst>
+              <a:ext uri="{FF2B5EF4-FFF2-40B4-BE49-F238E27FC236}">
+                <a16:creationId xmlns:a16="http://schemas.microsoft.com/office/drawing/2014/main" id="{54F88633-D46E-4763-B6D0-C643A5A237C2}"/>
+              </a:ext>
+            </a:extLst>
+          </p:cNvPr>
+          <p:cNvSpPr txBox="1"/>
+          <p:nvPr/>
+        </p:nvSpPr>
+        <p:spPr>
+          <a:xfrm>
+            <a:off x="4442121" y="3175845"/>
+            <a:ext cx="1069158" cy="338554"/>
+          </a:xfrm>
+          <a:prstGeom prst="rect">
+            <a:avLst/>
+          </a:prstGeom>
+          <a:noFill/>
+        </p:spPr>
+        <p:txBody>
+          <a:bodyPr wrap="square" rtlCol="0">
+            <a:spAutoFit/>
+          </a:bodyPr>
+          <a:lstStyle/>
+          <a:p>
+            <a:r>
+              <a:rPr lang="en-GB" sz="1600" dirty="0"/>
+              <a:t>AA6070-0</a:t>
+            </a:r>
+          </a:p>
+        </p:txBody>
+      </p:sp>
+      <p:sp>
+        <p:nvSpPr>
+          <p:cNvPr id="14" name="TextBox 13">
+            <a:extLst>
+              <a:ext uri="{FF2B5EF4-FFF2-40B4-BE49-F238E27FC236}">
+                <a16:creationId xmlns:a16="http://schemas.microsoft.com/office/drawing/2014/main" id="{9009A827-7A24-4A29-BDCD-787E7A94D0C9}"/>
+              </a:ext>
+            </a:extLst>
+          </p:cNvPr>
+          <p:cNvSpPr txBox="1"/>
+          <p:nvPr/>
+        </p:nvSpPr>
+        <p:spPr>
+          <a:xfrm>
+            <a:off x="8882165" y="3175845"/>
+            <a:ext cx="1449274" cy="338554"/>
+          </a:xfrm>
+          <a:prstGeom prst="rect">
+            <a:avLst/>
+          </a:prstGeom>
+          <a:noFill/>
+        </p:spPr>
+        <p:txBody>
+          <a:bodyPr wrap="square" rtlCol="0">
+            <a:spAutoFit/>
+          </a:bodyPr>
+          <a:lstStyle/>
+          <a:p>
+            <a:r>
+              <a:rPr lang="en-GB" sz="1600" dirty="0"/>
+              <a:t>AISI 4340</a:t>
+            </a:r>
+          </a:p>
+        </p:txBody>
+      </p:sp>
+      <p:sp>
+        <p:nvSpPr>
+          <p:cNvPr id="15" name="TextBox 14">
+            <a:extLst>
+              <a:ext uri="{FF2B5EF4-FFF2-40B4-BE49-F238E27FC236}">
+                <a16:creationId xmlns:a16="http://schemas.microsoft.com/office/drawing/2014/main" id="{174BD880-9173-4926-BF38-1E28CBC5EED7}"/>
+              </a:ext>
+            </a:extLst>
+          </p:cNvPr>
+          <p:cNvSpPr txBox="1"/>
+          <p:nvPr/>
+        </p:nvSpPr>
+        <p:spPr>
+          <a:xfrm>
+            <a:off x="2922528" y="6208057"/>
+            <a:ext cx="1264801" cy="338554"/>
+          </a:xfrm>
+          <a:prstGeom prst="rect">
+            <a:avLst/>
+          </a:prstGeom>
+          <a:noFill/>
+        </p:spPr>
+        <p:txBody>
+          <a:bodyPr wrap="square" rtlCol="0">
+            <a:spAutoFit/>
+          </a:bodyPr>
+          <a:lstStyle/>
+          <a:p>
+            <a:r>
+              <a:rPr lang="en-GB" sz="1600" dirty="0"/>
+              <a:t>Ti-6Al-4V</a:t>
+            </a:r>
+          </a:p>
+        </p:txBody>
+      </p:sp>
+      <p:sp>
+        <p:nvSpPr>
+          <p:cNvPr id="17" name="TextBox 16">
+            <a:extLst>
+              <a:ext uri="{FF2B5EF4-FFF2-40B4-BE49-F238E27FC236}">
+                <a16:creationId xmlns:a16="http://schemas.microsoft.com/office/drawing/2014/main" id="{6F37C134-3656-4D05-AC13-4FE3480420C6}"/>
+              </a:ext>
+            </a:extLst>
+          </p:cNvPr>
+          <p:cNvSpPr txBox="1"/>
+          <p:nvPr/>
+        </p:nvSpPr>
+        <p:spPr>
+          <a:xfrm>
+            <a:off x="8372757" y="6208057"/>
+            <a:ext cx="2184670" cy="338554"/>
+          </a:xfrm>
+          <a:prstGeom prst="rect">
+            <a:avLst/>
+          </a:prstGeom>
+          <a:noFill/>
+        </p:spPr>
+        <p:txBody>
+          <a:bodyPr wrap="square" rtlCol="0">
+            <a:spAutoFit/>
+          </a:bodyPr>
+          <a:lstStyle/>
+          <a:p>
+            <a:r>
+              <a:rPr lang="en-GB" sz="1600" dirty="0"/>
+              <a:t>TUNGSTEN ALLOY</a:t>
+            </a:r>
+          </a:p>
+        </p:txBody>
+      </p:sp>
+    </p:spTree>
+    <p:extLst>
+      <p:ext uri="{BB962C8B-B14F-4D97-AF65-F5344CB8AC3E}">
+        <p14:creationId xmlns:p14="http://schemas.microsoft.com/office/powerpoint/2010/main" val="3431951663"/>
+      </p:ext>
+    </p:extLst>
+  </p:cSld>
+  <p:clrMapOvr>
+    <a:masterClrMapping/>
+  </p:clrMapOvr>
+</p:sld>
+</file>
+
+<file path=ppt/slides/slide8.xml><?xml version="1.0" encoding="utf-8"?>
+<p:sld xmlns:a="http://schemas.openxmlformats.org/drawingml/2006/main" xmlns:r="http://schemas.openxmlformats.org/officeDocument/2006/relationships" xmlns:p="http://schemas.openxmlformats.org/presentationml/2006/main">
+  <p:cSld>
+    <p:spTree>
+      <p:nvGrpSpPr>
+        <p:cNvPr id="1" name=""/>
+        <p:cNvGrpSpPr/>
+        <p:nvPr/>
+      </p:nvGrpSpPr>
+      <p:grpSpPr>
+        <a:xfrm>
+          <a:off x="0" y="0"/>
+          <a:ext cx="0" cy="0"/>
+          <a:chOff x="0" y="0"/>
+          <a:chExt cx="0" cy="0"/>
+        </a:xfrm>
+      </p:grpSpPr>
       <p:sp>
         <p:nvSpPr>
           <p:cNvPr id="4" name="TextBox 3">
@@ -15637,7 +16545,7 @@
 </p:sld>
 </file>
 
-<file path=ppt/slides/slide8.xml><?xml version="1.0" encoding="utf-8"?>
+<file path=ppt/slides/slide9.xml><?xml version="1.0" encoding="utf-8"?>
 <p:sld xmlns:a="http://schemas.openxmlformats.org/drawingml/2006/main" xmlns:r="http://schemas.openxmlformats.org/officeDocument/2006/relationships" xmlns:p="http://schemas.openxmlformats.org/presentationml/2006/main">
   <p:cSld>
     <p:spTree>
@@ -15676,7 +16584,7 @@
         </p:blipFill>
         <p:spPr>
           <a:xfrm>
-            <a:off x="315362" y="174835"/>
+            <a:off x="315362" y="45972"/>
             <a:ext cx="11561275" cy="3737969"/>
           </a:xfrm>
           <a:prstGeom prst="rect">
@@ -15698,14 +16606,28 @@
         </p:nvSpPr>
         <p:spPr>
           <a:xfrm>
-            <a:off x="870641" y="3685981"/>
-            <a:ext cx="2518373" cy="954107"/>
+            <a:off x="1480849" y="3757828"/>
+            <a:ext cx="4190110" cy="276999"/>
           </a:xfrm>
           <a:prstGeom prst="rect">
             <a:avLst/>
           </a:prstGeom>
-          <a:noFill/>
+          <a:ln w="9525"/>
         </p:spPr>
+        <p:style>
+          <a:lnRef idx="2">
+            <a:schemeClr val="dk1"/>
+          </a:lnRef>
+          <a:fillRef idx="1">
+            <a:schemeClr val="lt1"/>
+          </a:fillRef>
+          <a:effectRef idx="0">
+            <a:schemeClr val="dk1"/>
+          </a:effectRef>
+          <a:fontRef idx="minor">
+            <a:schemeClr val="dk1"/>
+          </a:fontRef>
+        </p:style>
         <p:txBody>
           <a:bodyPr wrap="square" rtlCol="0">
             <a:spAutoFit/>
@@ -15713,48 +16635,42 @@
           <a:lstStyle/>
           <a:p>
             <a:r>
-              <a:rPr lang="en-US" sz="1400" dirty="0">
+              <a:rPr lang="en-US" sz="1200" dirty="0">
                 <a:solidFill>
                   <a:srgbClr val="FF0000"/>
                 </a:solidFill>
               </a:rPr>
-              <a:t>Red 	– </a:t>
+              <a:t>Red – </a:t>
             </a:r>
             <a:r>
-              <a:rPr lang="en-GB" sz="1400" dirty="0">
+              <a:rPr lang="en-GB" sz="1200" dirty="0">
                 <a:solidFill>
                   <a:srgbClr val="FF0000"/>
                 </a:solidFill>
               </a:rPr>
-              <a:t>Aluminium</a:t>
+              <a:t>Aluminium, </a:t>
             </a:r>
-          </a:p>
-          <a:p>
             <a:r>
-              <a:rPr lang="en-US" sz="1400" dirty="0">
+              <a:rPr lang="en-US" sz="1200" dirty="0">
                 <a:solidFill>
                   <a:srgbClr val="002060"/>
                 </a:solidFill>
               </a:rPr>
-              <a:t>Blue	– Titanium</a:t>
+              <a:t>Blue– Titanium, </a:t>
             </a:r>
-          </a:p>
-          <a:p>
             <a:r>
-              <a:rPr lang="en-US" sz="1400" dirty="0">
+              <a:rPr lang="en-US" sz="1200" dirty="0">
                 <a:solidFill>
                   <a:srgbClr val="00B0F0"/>
                 </a:solidFill>
               </a:rPr>
-              <a:t>Cyan 	– Steel</a:t>
+              <a:t>Cyan – Steel, </a:t>
             </a:r>
-          </a:p>
-          <a:p>
             <a:r>
-              <a:rPr lang="en-US" sz="1400" dirty="0"/>
-              <a:t>Black 	– Tungsten</a:t>
+              <a:rPr lang="en-US" sz="1200" dirty="0"/>
+              <a:t>Black – Tungsten</a:t>
             </a:r>
-            <a:endParaRPr lang="en-NL" sz="1400" dirty="0"/>
+            <a:endParaRPr lang="en-NL" sz="1200" dirty="0"/>
           </a:p>
         </p:txBody>
       </p:sp>
@@ -15772,14 +16688,28 @@
         </p:nvSpPr>
         <p:spPr>
           <a:xfrm>
-            <a:off x="2981612" y="3912804"/>
-            <a:ext cx="2643611" cy="1015663"/>
+            <a:off x="2058470" y="4071301"/>
+            <a:ext cx="3251762" cy="276999"/>
           </a:xfrm>
           <a:prstGeom prst="rect">
             <a:avLst/>
           </a:prstGeom>
-          <a:noFill/>
+          <a:ln w="9525"/>
         </p:spPr>
+        <p:style>
+          <a:lnRef idx="2">
+            <a:schemeClr val="dk1"/>
+          </a:lnRef>
+          <a:fillRef idx="1">
+            <a:schemeClr val="lt1"/>
+          </a:fillRef>
+          <a:effectRef idx="0">
+            <a:schemeClr val="dk1"/>
+          </a:effectRef>
+          <a:fontRef idx="minor">
+            <a:schemeClr val="dk1"/>
+          </a:fontRef>
+        </p:style>
         <p:txBody>
           <a:bodyPr wrap="square" rtlCol="0">
             <a:spAutoFit/>
@@ -15787,33 +16717,12 @@
           <a:lstStyle/>
           <a:p>
             <a:r>
-              <a:rPr lang="en-US" sz="1400" dirty="0">
+              <a:rPr lang="en-US" sz="1200" dirty="0">
                 <a:latin typeface="Calibri" panose="020F0502020204030204" pitchFamily="34" charset="0"/>
                 <a:cs typeface="Calibri" panose="020F0502020204030204" pitchFamily="34" charset="0"/>
               </a:rPr>
-              <a:t>∆ - t/d = 0.0418</a:t>
+              <a:t>∆ - t/d = 0.0418,  ▪ - t/d = 0.0835,  ▫ - t/d = 0.1253</a:t>
             </a:r>
-          </a:p>
-          <a:p>
-            <a:r>
-              <a:rPr lang="en-US" sz="1400" dirty="0">
-                <a:latin typeface="Calibri" panose="020F0502020204030204" pitchFamily="34" charset="0"/>
-                <a:cs typeface="Calibri" panose="020F0502020204030204" pitchFamily="34" charset="0"/>
-              </a:rPr>
-              <a:t>▪ - t/d = 0.0835</a:t>
-            </a:r>
-          </a:p>
-          <a:p>
-            <a:r>
-              <a:rPr lang="en-US" sz="1400" dirty="0">
-                <a:latin typeface="Calibri" panose="020F0502020204030204" pitchFamily="34" charset="0"/>
-                <a:cs typeface="Calibri" panose="020F0502020204030204" pitchFamily="34" charset="0"/>
-              </a:rPr>
-              <a:t>▫ - t/d = 0.1253</a:t>
-            </a:r>
-          </a:p>
-          <a:p>
-            <a:endParaRPr lang="en-NL" dirty="0"/>
           </a:p>
         </p:txBody>
       </p:sp>
@@ -15831,20 +16740,35 @@
         </p:nvSpPr>
         <p:spPr>
           <a:xfrm>
-            <a:off x="6636188" y="3439760"/>
-            <a:ext cx="2996699" cy="1446550"/>
+            <a:off x="7714452" y="3783941"/>
+            <a:ext cx="2996699" cy="1169551"/>
           </a:xfrm>
           <a:prstGeom prst="rect">
             <a:avLst/>
           </a:prstGeom>
-          <a:noFill/>
+          <a:ln w="6350"/>
         </p:spPr>
+        <p:style>
+          <a:lnRef idx="2">
+            <a:schemeClr val="dk1"/>
+          </a:lnRef>
+          <a:fillRef idx="1">
+            <a:schemeClr val="lt1"/>
+          </a:fillRef>
+          <a:effectRef idx="0">
+            <a:schemeClr val="dk1"/>
+          </a:effectRef>
+          <a:fontRef idx="minor">
+            <a:schemeClr val="dk1"/>
+          </a:fontRef>
+        </p:style>
         <p:txBody>
           <a:bodyPr wrap="square" rtlCol="0">
             <a:spAutoFit/>
           </a:bodyPr>
           <a:lstStyle/>
           <a:p>
+            <a:pPr algn="ctr"/>
             <a:r>
               <a:rPr lang="en-US" sz="1400" dirty="0">
                 <a:latin typeface="Calibri" panose="020F0502020204030204" pitchFamily="34" charset="0"/>
@@ -15854,6 +16778,7 @@
             </a:r>
           </a:p>
           <a:p>
+            <a:pPr algn="ctr"/>
             <a:r>
               <a:rPr lang="en-US" sz="1400" dirty="0">
                 <a:latin typeface="Calibri" panose="020F0502020204030204" pitchFamily="34" charset="0"/>
@@ -15863,6 +16788,7 @@
             </a:r>
           </a:p>
           <a:p>
+            <a:pPr algn="ctr"/>
             <a:r>
               <a:rPr lang="en-US" sz="1400" dirty="0">
                 <a:latin typeface="Calibri" panose="020F0502020204030204" pitchFamily="34" charset="0"/>
@@ -15872,6 +16798,7 @@
             </a:r>
           </a:p>
           <a:p>
+            <a:pPr algn="ctr"/>
             <a:r>
               <a:rPr lang="en-US" sz="1400" dirty="0">
                 <a:latin typeface="Calibri" panose="020F0502020204030204" pitchFamily="34" charset="0"/>
@@ -15881,6 +16808,7 @@
             </a:r>
           </a:p>
           <a:p>
+            <a:pPr algn="ctr"/>
             <a:r>
               <a:rPr lang="en-US" sz="1400" dirty="0">
                 <a:latin typeface="Calibri" panose="020F0502020204030204" pitchFamily="34" charset="0"/>
@@ -15888,9 +16816,6 @@
               </a:rPr>
               <a:t>R5 = Conversion due to temperature</a:t>
             </a:r>
-          </a:p>
-          <a:p>
-            <a:endParaRPr lang="en-NL" dirty="0"/>
           </a:p>
         </p:txBody>
       </p:sp>
@@ -15908,8 +16833,8 @@
         </p:nvSpPr>
         <p:spPr>
           <a:xfrm>
-            <a:off x="383263" y="4762122"/>
-            <a:ext cx="6011501" cy="2308324"/>
+            <a:off x="658727" y="4511517"/>
+            <a:ext cx="8543996" cy="2585323"/>
           </a:xfrm>
           <a:prstGeom prst="rect">
             <a:avLst/>
@@ -15980,122 +16905,6 @@
               <a:buFont typeface="Arial" panose="020B0604020202020204" pitchFamily="34" charset="0"/>
               <a:buChar char="•"/>
             </a:pPr>
-            <a:endParaRPr lang="en-US" dirty="0"/>
-          </a:p>
-          <a:p>
-            <a:pPr marL="285750" indent="-285750">
-              <a:buFont typeface="Arial" panose="020B0604020202020204" pitchFamily="34" charset="0"/>
-              <a:buChar char="•"/>
-            </a:pPr>
-            <a:endParaRPr lang="en-US" dirty="0"/>
-          </a:p>
-          <a:p>
-            <a:pPr marL="285750" indent="-285750">
-              <a:buFont typeface="Arial" panose="020B0604020202020204" pitchFamily="34" charset="0"/>
-              <a:buChar char="•"/>
-            </a:pPr>
-            <a:endParaRPr lang="en-US" dirty="0"/>
-          </a:p>
-        </p:txBody>
-      </p:sp>
-    </p:spTree>
-    <p:extLst>
-      <p:ext uri="{BB962C8B-B14F-4D97-AF65-F5344CB8AC3E}">
-        <p14:creationId xmlns:p14="http://schemas.microsoft.com/office/powerpoint/2010/main" val="4231696852"/>
-      </p:ext>
-    </p:extLst>
-  </p:cSld>
-  <p:clrMapOvr>
-    <a:masterClrMapping/>
-  </p:clrMapOvr>
-</p:sld>
-</file>
-
-<file path=ppt/slides/slide9.xml><?xml version="1.0" encoding="utf-8"?>
-<p:sld xmlns:a="http://schemas.openxmlformats.org/drawingml/2006/main" xmlns:r="http://schemas.openxmlformats.org/officeDocument/2006/relationships" xmlns:p="http://schemas.openxmlformats.org/presentationml/2006/main">
-  <p:cSld>
-    <p:spTree>
-      <p:nvGrpSpPr>
-        <p:cNvPr id="1" name=""/>
-        <p:cNvGrpSpPr/>
-        <p:nvPr/>
-      </p:nvGrpSpPr>
-      <p:grpSpPr>
-        <a:xfrm>
-          <a:off x="0" y="0"/>
-          <a:ext cx="0" cy="0"/>
-          <a:chOff x="0" y="0"/>
-          <a:chExt cx="0" cy="0"/>
-        </a:xfrm>
-      </p:grpSpPr>
-      <p:pic>
-        <p:nvPicPr>
-          <p:cNvPr id="4" name="Picture 3">
-            <a:extLst>
-              <a:ext uri="{FF2B5EF4-FFF2-40B4-BE49-F238E27FC236}">
-                <a16:creationId xmlns:a16="http://schemas.microsoft.com/office/drawing/2014/main" id="{A9BB92B1-EA33-439E-8E75-B2AD72BAE7A7}"/>
-              </a:ext>
-            </a:extLst>
-          </p:cNvPr>
-          <p:cNvPicPr>
-            <a:picLocks noChangeAspect="1"/>
-          </p:cNvPicPr>
-          <p:nvPr/>
-        </p:nvPicPr>
-        <p:blipFill>
-          <a:blip r:embed="rId2"/>
-          <a:stretch>
-            <a:fillRect/>
-          </a:stretch>
-        </p:blipFill>
-        <p:spPr>
-          <a:xfrm>
-            <a:off x="0" y="0"/>
-            <a:ext cx="9169651" cy="2964714"/>
-          </a:xfrm>
-          <a:prstGeom prst="rect">
-            <a:avLst/>
-          </a:prstGeom>
-        </p:spPr>
-      </p:pic>
-      <p:sp>
-        <p:nvSpPr>
-          <p:cNvPr id="5" name="TextBox 4">
-            <a:extLst>
-              <a:ext uri="{FF2B5EF4-FFF2-40B4-BE49-F238E27FC236}">
-                <a16:creationId xmlns:a16="http://schemas.microsoft.com/office/drawing/2014/main" id="{E9A298FD-5C24-4C8C-A5F9-2DC06010FBC2}"/>
-              </a:ext>
-            </a:extLst>
-          </p:cNvPr>
-          <p:cNvSpPr txBox="1"/>
-          <p:nvPr/>
-        </p:nvSpPr>
-        <p:spPr>
-          <a:xfrm>
-            <a:off x="202194" y="3285002"/>
-            <a:ext cx="6011501" cy="4524315"/>
-          </a:xfrm>
-          <a:prstGeom prst="rect">
-            <a:avLst/>
-          </a:prstGeom>
-          <a:noFill/>
-        </p:spPr>
-        <p:txBody>
-          <a:bodyPr wrap="square" rtlCol="0">
-            <a:spAutoFit/>
-          </a:bodyPr>
-          <a:lstStyle/>
-          <a:p>
-            <a:r>
-              <a:rPr lang="en-US" dirty="0"/>
-              <a:t>Observations:</a:t>
-            </a:r>
-          </a:p>
-          <a:p>
-            <a:pPr marL="285750" indent="-285750">
-              <a:buFont typeface="Arial" panose="020B0604020202020204" pitchFamily="34" charset="0"/>
-              <a:buChar char="•"/>
-            </a:pPr>
             <a:r>
               <a:rPr lang="en-US" dirty="0"/>
               <a:t>Material properties and t/d ratio affect all</a:t>
@@ -16116,64 +16925,7 @@
               <a:buFont typeface="Arial" panose="020B0604020202020204" pitchFamily="34" charset="0"/>
               <a:buChar char="•"/>
             </a:pPr>
-            <a:r>
-              <a:rPr lang="en-US" b="1" dirty="0"/>
-              <a:t>Input velocity has little impact on</a:t>
-            </a:r>
-            <a:r>
-              <a:rPr lang="en-US" dirty="0"/>
-              <a:t>:</a:t>
-            </a:r>
-          </a:p>
-          <a:p>
-            <a:pPr marL="742950" lvl="1" indent="-285750">
-              <a:buFont typeface="Arial" panose="020B0604020202020204" pitchFamily="34" charset="0"/>
-              <a:buChar char="•"/>
-            </a:pPr>
-            <a:r>
-              <a:rPr lang="en-US" dirty="0"/>
-              <a:t>Hole diameter</a:t>
-            </a:r>
-          </a:p>
-          <a:p>
-            <a:pPr marL="742950" lvl="1" indent="-285750">
-              <a:buFont typeface="Arial" panose="020B0604020202020204" pitchFamily="34" charset="0"/>
-              <a:buChar char="•"/>
-            </a:pPr>
-            <a:r>
-              <a:rPr lang="en-US" dirty="0"/>
-              <a:t>Cloud diameter</a:t>
-            </a:r>
-          </a:p>
-          <a:p>
-            <a:pPr marL="742950" lvl="1" indent="-285750">
-              <a:buFont typeface="Arial" panose="020B0604020202020204" pitchFamily="34" charset="0"/>
-              <a:buChar char="•"/>
-            </a:pPr>
-            <a:r>
-              <a:rPr lang="en-US" dirty="0"/>
-              <a:t>Conversion due to temperature</a:t>
-            </a:r>
-          </a:p>
-          <a:p>
-            <a:pPr marL="285750" indent="-285750">
-              <a:buFont typeface="Arial" panose="020B0604020202020204" pitchFamily="34" charset="0"/>
-              <a:buChar char="•"/>
-            </a:pPr>
-            <a:r>
-              <a:rPr lang="en-US" dirty="0"/>
-              <a:t>Input velocity affects: percentage of solid material &amp; residual velocity</a:t>
-            </a:r>
-          </a:p>
-          <a:p>
-            <a:pPr marL="285750" indent="-285750">
-              <a:buFont typeface="Arial" panose="020B0604020202020204" pitchFamily="34" charset="0"/>
-              <a:buChar char="•"/>
-            </a:pPr>
-            <a:r>
-              <a:rPr lang="en-US" dirty="0"/>
-              <a:t>Inverse correlation between percentage of solid material and residual velocity</a:t>
-            </a:r>
+            <a:endParaRPr lang="en-US" dirty="0"/>
           </a:p>
           <a:p>
             <a:pPr marL="285750" indent="-285750">
@@ -16182,250 +16934,12 @@
             </a:pPr>
             <a:endParaRPr lang="en-US" dirty="0"/>
           </a:p>
-          <a:p>
-            <a:pPr marL="742950" lvl="1" indent="-285750">
-              <a:buFont typeface="Arial" panose="020B0604020202020204" pitchFamily="34" charset="0"/>
-              <a:buChar char="•"/>
-            </a:pPr>
-            <a:endParaRPr lang="en-US" dirty="0"/>
-          </a:p>
-          <a:p>
-            <a:pPr marL="285750" indent="-285750">
-              <a:buFont typeface="Arial" panose="020B0604020202020204" pitchFamily="34" charset="0"/>
-              <a:buChar char="•"/>
-            </a:pPr>
-            <a:endParaRPr lang="en-US" dirty="0"/>
-          </a:p>
-          <a:p>
-            <a:pPr marL="285750" indent="-285750">
-              <a:buFont typeface="Arial" panose="020B0604020202020204" pitchFamily="34" charset="0"/>
-              <a:buChar char="•"/>
-            </a:pPr>
-            <a:endParaRPr lang="en-US" dirty="0"/>
-          </a:p>
-        </p:txBody>
-      </p:sp>
-      <p:sp>
-        <p:nvSpPr>
-          <p:cNvPr id="6" name="TextBox 5">
-            <a:extLst>
-              <a:ext uri="{FF2B5EF4-FFF2-40B4-BE49-F238E27FC236}">
-                <a16:creationId xmlns:a16="http://schemas.microsoft.com/office/drawing/2014/main" id="{31C5670B-DB82-4E3D-BC7C-0A19E4F0D10F}"/>
-              </a:ext>
-            </a:extLst>
-          </p:cNvPr>
-          <p:cNvSpPr txBox="1"/>
-          <p:nvPr/>
-        </p:nvSpPr>
-        <p:spPr>
-          <a:xfrm>
-            <a:off x="9080623" y="839154"/>
-            <a:ext cx="2996699" cy="1446550"/>
-          </a:xfrm>
-          <a:prstGeom prst="rect">
-            <a:avLst/>
-          </a:prstGeom>
-          <a:noFill/>
-        </p:spPr>
-        <p:txBody>
-          <a:bodyPr wrap="square" rtlCol="0">
-            <a:spAutoFit/>
-          </a:bodyPr>
-          <a:lstStyle/>
-          <a:p>
-            <a:r>
-              <a:rPr lang="en-US" sz="1400" dirty="0">
-                <a:latin typeface="Calibri" panose="020F0502020204030204" pitchFamily="34" charset="0"/>
-                <a:cs typeface="Calibri" panose="020F0502020204030204" pitchFamily="34" charset="0"/>
-              </a:rPr>
-              <a:t>R1 = Target hole diameter</a:t>
-            </a:r>
-          </a:p>
-          <a:p>
-            <a:r>
-              <a:rPr lang="en-US" sz="1400" dirty="0">
-                <a:latin typeface="Calibri" panose="020F0502020204030204" pitchFamily="34" charset="0"/>
-                <a:cs typeface="Calibri" panose="020F0502020204030204" pitchFamily="34" charset="0"/>
-              </a:rPr>
-              <a:t>R2 = Debris cloud diameter</a:t>
-            </a:r>
-          </a:p>
-          <a:p>
-            <a:r>
-              <a:rPr lang="en-US" sz="1400" dirty="0">
-                <a:latin typeface="Calibri" panose="020F0502020204030204" pitchFamily="34" charset="0"/>
-                <a:cs typeface="Calibri" panose="020F0502020204030204" pitchFamily="34" charset="0"/>
-              </a:rPr>
-              <a:t>R3 = Percentage of solid material</a:t>
-            </a:r>
-          </a:p>
-          <a:p>
-            <a:r>
-              <a:rPr lang="en-US" sz="1400" dirty="0">
-                <a:latin typeface="Calibri" panose="020F0502020204030204" pitchFamily="34" charset="0"/>
-                <a:cs typeface="Calibri" panose="020F0502020204030204" pitchFamily="34" charset="0"/>
-              </a:rPr>
-              <a:t>R4 = Residual velocity</a:t>
-            </a:r>
-          </a:p>
-          <a:p>
-            <a:r>
-              <a:rPr lang="en-US" sz="1400" dirty="0">
-                <a:latin typeface="Calibri" panose="020F0502020204030204" pitchFamily="34" charset="0"/>
-                <a:cs typeface="Calibri" panose="020F0502020204030204" pitchFamily="34" charset="0"/>
-              </a:rPr>
-              <a:t>R5 = Conversion due to temperature</a:t>
-            </a:r>
-          </a:p>
-          <a:p>
-            <a:endParaRPr lang="en-NL" dirty="0"/>
-          </a:p>
-        </p:txBody>
-      </p:sp>
-      <p:sp>
-        <p:nvSpPr>
-          <p:cNvPr id="7" name="TextBox 6">
-            <a:extLst>
-              <a:ext uri="{FF2B5EF4-FFF2-40B4-BE49-F238E27FC236}">
-                <a16:creationId xmlns:a16="http://schemas.microsoft.com/office/drawing/2014/main" id="{6A034EFA-ADD9-48FD-B4DB-0111787D6E1A}"/>
-              </a:ext>
-            </a:extLst>
-          </p:cNvPr>
-          <p:cNvSpPr txBox="1"/>
-          <p:nvPr/>
-        </p:nvSpPr>
-        <p:spPr>
-          <a:xfrm>
-            <a:off x="5792708" y="3124858"/>
-            <a:ext cx="6011501" cy="4524315"/>
-          </a:xfrm>
-          <a:prstGeom prst="rect">
-            <a:avLst/>
-          </a:prstGeom>
-          <a:noFill/>
-        </p:spPr>
-        <p:txBody>
-          <a:bodyPr wrap="square" rtlCol="0">
-            <a:spAutoFit/>
-          </a:bodyPr>
-          <a:lstStyle/>
-          <a:p>
-            <a:pPr marL="742950" lvl="1" indent="-285750">
-              <a:buFont typeface="Arial" panose="020B0604020202020204" pitchFamily="34" charset="0"/>
-              <a:buChar char="•"/>
-            </a:pPr>
-            <a:r>
-              <a:rPr lang="en-US" dirty="0"/>
-              <a:t>Target hole diameter, debris cloud diameter and conversion due to temperature are equally sensitive to all input parameter changes</a:t>
-            </a:r>
-          </a:p>
-          <a:p>
-            <a:pPr marL="742950" lvl="1" indent="-285750">
-              <a:buFont typeface="Arial" panose="020B0604020202020204" pitchFamily="34" charset="0"/>
-              <a:buChar char="•"/>
-            </a:pPr>
-            <a:r>
-              <a:rPr lang="en-US" dirty="0"/>
-              <a:t>Lower velocity simulations have a higher percentage velocity decrease</a:t>
-            </a:r>
-          </a:p>
-          <a:p>
-            <a:pPr marL="742950" lvl="1" indent="-285750">
-              <a:buFont typeface="Arial" panose="020B0604020202020204" pitchFamily="34" charset="0"/>
-              <a:buChar char="•"/>
-            </a:pPr>
-            <a:r>
-              <a:rPr lang="en-US" dirty="0"/>
-              <a:t>Increasing velocity does not strictly result in larger target hole diameter</a:t>
-            </a:r>
-          </a:p>
-          <a:p>
-            <a:pPr marL="742950" lvl="1" indent="-285750">
-              <a:buFont typeface="Arial" panose="020B0604020202020204" pitchFamily="34" charset="0"/>
-              <a:buChar char="•"/>
-            </a:pPr>
-            <a:r>
-              <a:rPr lang="en-US" dirty="0"/>
-              <a:t>Increasing t/d leads:</a:t>
-            </a:r>
-          </a:p>
-          <a:p>
-            <a:pPr marL="1200150" lvl="2" indent="-285750">
-              <a:buFont typeface="Arial" panose="020B0604020202020204" pitchFamily="34" charset="0"/>
-              <a:buChar char="•"/>
-            </a:pPr>
-            <a:r>
-              <a:rPr lang="en-US" dirty="0"/>
-              <a:t>to lower percentage of solid material</a:t>
-            </a:r>
-          </a:p>
-          <a:p>
-            <a:pPr marL="1200150" lvl="2" indent="-285750">
-              <a:buFont typeface="Arial" panose="020B0604020202020204" pitchFamily="34" charset="0"/>
-              <a:buChar char="•"/>
-            </a:pPr>
-            <a:r>
-              <a:rPr lang="en-US" dirty="0"/>
-              <a:t>higher conversion due to temperature</a:t>
-            </a:r>
-          </a:p>
-          <a:p>
-            <a:pPr marL="1200150" lvl="2" indent="-285750">
-              <a:buFont typeface="Arial" panose="020B0604020202020204" pitchFamily="34" charset="0"/>
-              <a:buChar char="•"/>
-            </a:pPr>
-            <a:r>
-              <a:rPr lang="en-US" dirty="0"/>
-              <a:t>decreasing residual velocity </a:t>
-            </a:r>
-          </a:p>
-          <a:p>
-            <a:pPr marL="1200150" lvl="2" indent="-285750">
-              <a:buFont typeface="Arial" panose="020B0604020202020204" pitchFamily="34" charset="0"/>
-              <a:buChar char="•"/>
-            </a:pPr>
-            <a:r>
-              <a:rPr lang="en-US" dirty="0"/>
-              <a:t>increased cloud diameter </a:t>
-            </a:r>
-          </a:p>
-          <a:p>
-            <a:pPr marL="1200150" lvl="2" indent="-285750">
-              <a:buFont typeface="Arial" panose="020B0604020202020204" pitchFamily="34" charset="0"/>
-              <a:buChar char="•"/>
-            </a:pPr>
-            <a:r>
-              <a:rPr lang="en-US" dirty="0"/>
-              <a:t>increased hole diameter</a:t>
-            </a:r>
-          </a:p>
-          <a:p>
-            <a:pPr marL="742950" lvl="1" indent="-285750">
-              <a:buFont typeface="Arial" panose="020B0604020202020204" pitchFamily="34" charset="0"/>
-              <a:buChar char="•"/>
-            </a:pPr>
-            <a:endParaRPr lang="en-US" dirty="0"/>
-          </a:p>
-          <a:p>
-            <a:pPr marL="285750" indent="-285750">
-              <a:buFont typeface="Arial" panose="020B0604020202020204" pitchFamily="34" charset="0"/>
-              <a:buChar char="•"/>
-            </a:pPr>
-            <a:endParaRPr lang="en-US" dirty="0"/>
-          </a:p>
-          <a:p>
-            <a:pPr marL="285750" indent="-285750">
-              <a:buFont typeface="Arial" panose="020B0604020202020204" pitchFamily="34" charset="0"/>
-              <a:buChar char="•"/>
-            </a:pPr>
-            <a:endParaRPr lang="en-US" dirty="0"/>
-          </a:p>
         </p:txBody>
       </p:sp>
     </p:spTree>
     <p:extLst>
       <p:ext uri="{BB962C8B-B14F-4D97-AF65-F5344CB8AC3E}">
-        <p14:creationId xmlns:p14="http://schemas.microsoft.com/office/powerpoint/2010/main" val="1316816158"/>
+        <p14:creationId xmlns:p14="http://schemas.microsoft.com/office/powerpoint/2010/main" val="4231696852"/>
       </p:ext>
     </p:extLst>
   </p:cSld>

--- a/Results_Presentation.pptx
+++ b/Results_Presentation.pptx
@@ -18,6 +18,7 @@
     <p:sldId id="268" r:id="rId12"/>
     <p:sldId id="267" r:id="rId13"/>
     <p:sldId id="265" r:id="rId14"/>
+    <p:sldId id="270" r:id="rId15"/>
   </p:sldIdLst>
   <p:sldSz cx="12192000" cy="6858000"/>
   <p:notesSz cx="6858000" cy="9144000"/>
@@ -10891,7 +10892,7 @@
           <a:p>
             <a:fld id="{ED1D69A2-FB5B-402A-AF16-977A1EC30EE5}" type="datetimeFigureOut">
               <a:rPr lang="en-GB" smtClean="0"/>
-              <a:t>21/03/2022</a:t>
+              <a:t>31/03/2022</a:t>
             </a:fld>
             <a:endParaRPr lang="en-GB"/>
           </a:p>
@@ -11091,7 +11092,7 @@
           <a:p>
             <a:fld id="{ED1D69A2-FB5B-402A-AF16-977A1EC30EE5}" type="datetimeFigureOut">
               <a:rPr lang="en-GB" smtClean="0"/>
-              <a:t>21/03/2022</a:t>
+              <a:t>31/03/2022</a:t>
             </a:fld>
             <a:endParaRPr lang="en-GB"/>
           </a:p>
@@ -11301,7 +11302,7 @@
           <a:p>
             <a:fld id="{ED1D69A2-FB5B-402A-AF16-977A1EC30EE5}" type="datetimeFigureOut">
               <a:rPr lang="en-GB" smtClean="0"/>
-              <a:t>21/03/2022</a:t>
+              <a:t>31/03/2022</a:t>
             </a:fld>
             <a:endParaRPr lang="en-GB"/>
           </a:p>
@@ -11501,7 +11502,7 @@
           <a:p>
             <a:fld id="{ED1D69A2-FB5B-402A-AF16-977A1EC30EE5}" type="datetimeFigureOut">
               <a:rPr lang="en-GB" smtClean="0"/>
-              <a:t>21/03/2022</a:t>
+              <a:t>31/03/2022</a:t>
             </a:fld>
             <a:endParaRPr lang="en-GB"/>
           </a:p>
@@ -11777,7 +11778,7 @@
           <a:p>
             <a:fld id="{ED1D69A2-FB5B-402A-AF16-977A1EC30EE5}" type="datetimeFigureOut">
               <a:rPr lang="en-GB" smtClean="0"/>
-              <a:t>21/03/2022</a:t>
+              <a:t>31/03/2022</a:t>
             </a:fld>
             <a:endParaRPr lang="en-GB"/>
           </a:p>
@@ -12045,7 +12046,7 @@
           <a:p>
             <a:fld id="{ED1D69A2-FB5B-402A-AF16-977A1EC30EE5}" type="datetimeFigureOut">
               <a:rPr lang="en-GB" smtClean="0"/>
-              <a:t>21/03/2022</a:t>
+              <a:t>31/03/2022</a:t>
             </a:fld>
             <a:endParaRPr lang="en-GB"/>
           </a:p>
@@ -12460,7 +12461,7 @@
           <a:p>
             <a:fld id="{ED1D69A2-FB5B-402A-AF16-977A1EC30EE5}" type="datetimeFigureOut">
               <a:rPr lang="en-GB" smtClean="0"/>
-              <a:t>21/03/2022</a:t>
+              <a:t>31/03/2022</a:t>
             </a:fld>
             <a:endParaRPr lang="en-GB"/>
           </a:p>
@@ -12602,7 +12603,7 @@
           <a:p>
             <a:fld id="{ED1D69A2-FB5B-402A-AF16-977A1EC30EE5}" type="datetimeFigureOut">
               <a:rPr lang="en-GB" smtClean="0"/>
-              <a:t>21/03/2022</a:t>
+              <a:t>31/03/2022</a:t>
             </a:fld>
             <a:endParaRPr lang="en-GB"/>
           </a:p>
@@ -12715,7 +12716,7 @@
           <a:p>
             <a:fld id="{ED1D69A2-FB5B-402A-AF16-977A1EC30EE5}" type="datetimeFigureOut">
               <a:rPr lang="en-GB" smtClean="0"/>
-              <a:t>21/03/2022</a:t>
+              <a:t>31/03/2022</a:t>
             </a:fld>
             <a:endParaRPr lang="en-GB"/>
           </a:p>
@@ -13028,7 +13029,7 @@
           <a:p>
             <a:fld id="{ED1D69A2-FB5B-402A-AF16-977A1EC30EE5}" type="datetimeFigureOut">
               <a:rPr lang="en-GB" smtClean="0"/>
-              <a:t>21/03/2022</a:t>
+              <a:t>31/03/2022</a:t>
             </a:fld>
             <a:endParaRPr lang="en-GB"/>
           </a:p>
@@ -13317,7 +13318,7 @@
           <a:p>
             <a:fld id="{ED1D69A2-FB5B-402A-AF16-977A1EC30EE5}" type="datetimeFigureOut">
               <a:rPr lang="en-GB" smtClean="0"/>
-              <a:t>21/03/2022</a:t>
+              <a:t>31/03/2022</a:t>
             </a:fld>
             <a:endParaRPr lang="en-GB"/>
           </a:p>
@@ -13560,7 +13561,7 @@
           <a:p>
             <a:fld id="{ED1D69A2-FB5B-402A-AF16-977A1EC30EE5}" type="datetimeFigureOut">
               <a:rPr lang="en-GB" smtClean="0"/>
-              <a:t>21/03/2022</a:t>
+              <a:t>31/03/2022</a:t>
             </a:fld>
             <a:endParaRPr lang="en-GB"/>
           </a:p>
@@ -14855,6 +14856,399 @@
 </p:sld>
 </file>
 
+<file path=ppt/slides/slide14.xml><?xml version="1.0" encoding="utf-8"?>
+<p:sld xmlns:a="http://schemas.openxmlformats.org/drawingml/2006/main" xmlns:r="http://schemas.openxmlformats.org/officeDocument/2006/relationships" xmlns:p="http://schemas.openxmlformats.org/presentationml/2006/main">
+  <p:cSld>
+    <p:spTree>
+      <p:nvGrpSpPr>
+        <p:cNvPr id="1" name=""/>
+        <p:cNvGrpSpPr/>
+        <p:nvPr/>
+      </p:nvGrpSpPr>
+      <p:grpSpPr>
+        <a:xfrm>
+          <a:off x="0" y="0"/>
+          <a:ext cx="0" cy="0"/>
+          <a:chOff x="0" y="0"/>
+          <a:chExt cx="0" cy="0"/>
+        </a:xfrm>
+      </p:grpSpPr>
+      <p:pic>
+        <p:nvPicPr>
+          <p:cNvPr id="6" name="Content Placeholder 4">
+            <a:extLst>
+              <a:ext uri="{FF2B5EF4-FFF2-40B4-BE49-F238E27FC236}">
+                <a16:creationId xmlns:a16="http://schemas.microsoft.com/office/drawing/2014/main" id="{146FBC4B-5C31-4FE1-AF67-4101CEACC70D}"/>
+              </a:ext>
+            </a:extLst>
+          </p:cNvPr>
+          <p:cNvPicPr>
+            <a:picLocks noGrp="1" noChangeAspect="1"/>
+          </p:cNvPicPr>
+          <p:nvPr>
+            <p:ph idx="1"/>
+          </p:nvPr>
+        </p:nvPicPr>
+        <p:blipFill rotWithShape="1">
+          <a:blip r:embed="rId2">
+            <a:extLst>
+              <a:ext uri="{28A0092B-C50C-407E-A947-70E740481C1C}">
+                <a14:useLocalDpi xmlns:a14="http://schemas.microsoft.com/office/drawing/2010/main" val="0"/>
+              </a:ext>
+            </a:extLst>
+          </a:blip>
+          <a:srcRect t="3814" b="7652"/>
+          <a:stretch/>
+        </p:blipFill>
+        <p:spPr>
+          <a:xfrm>
+            <a:off x="2370281" y="185615"/>
+            <a:ext cx="3389800" cy="2725365"/>
+          </a:xfrm>
+        </p:spPr>
+      </p:pic>
+      <p:grpSp>
+        <p:nvGrpSpPr>
+          <p:cNvPr id="18" name="Group 17">
+            <a:extLst>
+              <a:ext uri="{FF2B5EF4-FFF2-40B4-BE49-F238E27FC236}">
+                <a16:creationId xmlns:a16="http://schemas.microsoft.com/office/drawing/2014/main" id="{892F64A9-D8A9-4CF7-8C14-0998274E8C5E}"/>
+              </a:ext>
+            </a:extLst>
+          </p:cNvPr>
+          <p:cNvGrpSpPr/>
+          <p:nvPr/>
+        </p:nvGrpSpPr>
+        <p:grpSpPr>
+          <a:xfrm>
+            <a:off x="2291250" y="176299"/>
+            <a:ext cx="7171532" cy="6187684"/>
+            <a:chOff x="2291250" y="176299"/>
+            <a:chExt cx="7171532" cy="6187684"/>
+          </a:xfrm>
+        </p:grpSpPr>
+        <p:pic>
+          <p:nvPicPr>
+            <p:cNvPr id="10" name="Picture 9">
+              <a:extLst>
+                <a:ext uri="{FF2B5EF4-FFF2-40B4-BE49-F238E27FC236}">
+                  <a16:creationId xmlns:a16="http://schemas.microsoft.com/office/drawing/2014/main" id="{2FAD3472-2127-48DF-AFEE-C6A7190DF02E}"/>
+                </a:ext>
+              </a:extLst>
+            </p:cNvPr>
+            <p:cNvPicPr>
+              <a:picLocks noChangeAspect="1"/>
+            </p:cNvPicPr>
+            <p:nvPr/>
+          </p:nvPicPr>
+          <p:blipFill rotWithShape="1">
+            <a:blip r:embed="rId3">
+              <a:extLst>
+                <a:ext uri="{28A0092B-C50C-407E-A947-70E740481C1C}">
+                  <a14:useLocalDpi xmlns:a14="http://schemas.microsoft.com/office/drawing/2010/main" val="0"/>
+                </a:ext>
+              </a:extLst>
+            </a:blip>
+            <a:srcRect t="13318" r="6427" b="8635"/>
+            <a:stretch/>
+          </p:blipFill>
+          <p:spPr>
+            <a:xfrm>
+              <a:off x="5384275" y="3035843"/>
+              <a:ext cx="3762319" cy="3281523"/>
+            </a:xfrm>
+            <a:prstGeom prst="rect">
+              <a:avLst/>
+            </a:prstGeom>
+          </p:spPr>
+        </p:pic>
+        <p:grpSp>
+          <p:nvGrpSpPr>
+            <p:cNvPr id="16" name="Group 15">
+              <a:extLst>
+                <a:ext uri="{FF2B5EF4-FFF2-40B4-BE49-F238E27FC236}">
+                  <a16:creationId xmlns:a16="http://schemas.microsoft.com/office/drawing/2014/main" id="{27E77627-6797-4BA1-9254-A4B735497971}"/>
+                </a:ext>
+              </a:extLst>
+            </p:cNvPr>
+            <p:cNvGrpSpPr/>
+            <p:nvPr/>
+          </p:nvGrpSpPr>
+          <p:grpSpPr>
+            <a:xfrm>
+              <a:off x="2291250" y="176299"/>
+              <a:ext cx="7171532" cy="6187684"/>
+              <a:chOff x="2291250" y="176299"/>
+              <a:chExt cx="7171532" cy="6187684"/>
+            </a:xfrm>
+          </p:grpSpPr>
+          <p:pic>
+            <p:nvPicPr>
+              <p:cNvPr id="11" name="Picture 10">
+                <a:extLst>
+                  <a:ext uri="{FF2B5EF4-FFF2-40B4-BE49-F238E27FC236}">
+                    <a16:creationId xmlns:a16="http://schemas.microsoft.com/office/drawing/2014/main" id="{409B328D-A642-4078-9600-8F6442AE33DC}"/>
+                  </a:ext>
+                </a:extLst>
+              </p:cNvPr>
+              <p:cNvPicPr>
+                <a:picLocks noChangeAspect="1"/>
+              </p:cNvPicPr>
+              <p:nvPr/>
+            </p:nvPicPr>
+            <p:blipFill rotWithShape="1">
+              <a:blip r:embed="rId4">
+                <a:extLst>
+                  <a:ext uri="{28A0092B-C50C-407E-A947-70E740481C1C}">
+                    <a14:useLocalDpi xmlns:a14="http://schemas.microsoft.com/office/drawing/2010/main" val="0"/>
+                  </a:ext>
+                </a:extLst>
+              </a:blip>
+              <a:srcRect r="15064"/>
+              <a:stretch/>
+            </p:blipFill>
+            <p:spPr>
+              <a:xfrm>
+                <a:off x="2291250" y="3368811"/>
+                <a:ext cx="3389800" cy="2645168"/>
+              </a:xfrm>
+              <a:prstGeom prst="rect">
+                <a:avLst/>
+              </a:prstGeom>
+            </p:spPr>
+          </p:pic>
+          <p:grpSp>
+            <p:nvGrpSpPr>
+              <p:cNvPr id="15" name="Group 14">
+                <a:extLst>
+                  <a:ext uri="{FF2B5EF4-FFF2-40B4-BE49-F238E27FC236}">
+                    <a16:creationId xmlns:a16="http://schemas.microsoft.com/office/drawing/2014/main" id="{0516597E-D281-4859-A73A-FD6A65CFF199}"/>
+                  </a:ext>
+                </a:extLst>
+              </p:cNvPr>
+              <p:cNvGrpSpPr/>
+              <p:nvPr/>
+            </p:nvGrpSpPr>
+            <p:grpSpPr>
+              <a:xfrm>
+                <a:off x="3611414" y="176299"/>
+                <a:ext cx="5851368" cy="6187684"/>
+                <a:chOff x="3711023" y="149559"/>
+                <a:chExt cx="5851368" cy="6187684"/>
+              </a:xfrm>
+            </p:grpSpPr>
+            <p:pic>
+              <p:nvPicPr>
+                <p:cNvPr id="8" name="Picture 7">
+                  <a:extLst>
+                    <a:ext uri="{FF2B5EF4-FFF2-40B4-BE49-F238E27FC236}">
+                      <a16:creationId xmlns:a16="http://schemas.microsoft.com/office/drawing/2014/main" id="{6850F8C4-1E00-4F3C-B33D-AB9D6515E74B}"/>
+                    </a:ext>
+                  </a:extLst>
+                </p:cNvPr>
+                <p:cNvPicPr>
+                  <a:picLocks noChangeAspect="1"/>
+                </p:cNvPicPr>
+                <p:nvPr/>
+              </p:nvPicPr>
+              <p:blipFill rotWithShape="1">
+                <a:blip r:embed="rId5">
+                  <a:extLst>
+                    <a:ext uri="{28A0092B-C50C-407E-A947-70E740481C1C}">
+                      <a14:useLocalDpi xmlns:a14="http://schemas.microsoft.com/office/drawing/2010/main" val="0"/>
+                    </a:ext>
+                  </a:extLst>
+                </a:blip>
+                <a:srcRect r="6422"/>
+                <a:stretch/>
+              </p:blipFill>
+              <p:spPr>
+                <a:xfrm>
+                  <a:off x="5873997" y="149559"/>
+                  <a:ext cx="3688394" cy="2886284"/>
+                </a:xfrm>
+                <a:prstGeom prst="rect">
+                  <a:avLst/>
+                </a:prstGeom>
+              </p:spPr>
+            </p:pic>
+            <p:grpSp>
+              <p:nvGrpSpPr>
+                <p:cNvPr id="14" name="Group 13">
+                  <a:extLst>
+                    <a:ext uri="{FF2B5EF4-FFF2-40B4-BE49-F238E27FC236}">
+                      <a16:creationId xmlns:a16="http://schemas.microsoft.com/office/drawing/2014/main" id="{9DE4C019-590D-46AE-BA84-3B7BEB712FBB}"/>
+                    </a:ext>
+                  </a:extLst>
+                </p:cNvPr>
+                <p:cNvGrpSpPr/>
+                <p:nvPr/>
+              </p:nvGrpSpPr>
+              <p:grpSpPr>
+                <a:xfrm>
+                  <a:off x="3711023" y="2928998"/>
+                  <a:ext cx="5163471" cy="3408245"/>
+                  <a:chOff x="3711023" y="2928998"/>
+                  <a:chExt cx="5163471" cy="3408245"/>
+                </a:xfrm>
+              </p:grpSpPr>
+              <p:sp>
+                <p:nvSpPr>
+                  <p:cNvPr id="7" name="TextBox 6">
+                    <a:extLst>
+                      <a:ext uri="{FF2B5EF4-FFF2-40B4-BE49-F238E27FC236}">
+                        <a16:creationId xmlns:a16="http://schemas.microsoft.com/office/drawing/2014/main" id="{26A12487-D33A-417A-8899-2AE42073A687}"/>
+                      </a:ext>
+                    </a:extLst>
+                  </p:cNvPr>
+                  <p:cNvSpPr txBox="1"/>
+                  <p:nvPr/>
+                </p:nvSpPr>
+                <p:spPr>
+                  <a:xfrm>
+                    <a:off x="3711023" y="2928998"/>
+                    <a:ext cx="2248274" cy="338554"/>
+                  </a:xfrm>
+                  <a:prstGeom prst="rect">
+                    <a:avLst/>
+                  </a:prstGeom>
+                  <a:noFill/>
+                </p:spPr>
+                <p:txBody>
+                  <a:bodyPr wrap="square" rtlCol="0">
+                    <a:spAutoFit/>
+                  </a:bodyPr>
+                  <a:lstStyle/>
+                  <a:p>
+                    <a:r>
+                      <a:rPr lang="en-GB" sz="1600" dirty="0"/>
+                      <a:t>AA6070-0</a:t>
+                    </a:r>
+                  </a:p>
+                </p:txBody>
+              </p:sp>
+              <p:sp>
+                <p:nvSpPr>
+                  <p:cNvPr id="12" name="TextBox 11">
+                    <a:extLst>
+                      <a:ext uri="{FF2B5EF4-FFF2-40B4-BE49-F238E27FC236}">
+                        <a16:creationId xmlns:a16="http://schemas.microsoft.com/office/drawing/2014/main" id="{52E7B83D-296D-4B2E-A8B7-9E02A166969C}"/>
+                      </a:ext>
+                    </a:extLst>
+                  </p:cNvPr>
+                  <p:cNvSpPr txBox="1"/>
+                  <p:nvPr/>
+                </p:nvSpPr>
+                <p:spPr>
+                  <a:xfrm>
+                    <a:off x="7172762" y="5998689"/>
+                    <a:ext cx="1701732" cy="338554"/>
+                  </a:xfrm>
+                  <a:prstGeom prst="rect">
+                    <a:avLst/>
+                  </a:prstGeom>
+                  <a:noFill/>
+                </p:spPr>
+                <p:txBody>
+                  <a:bodyPr wrap="square" rtlCol="0">
+                    <a:spAutoFit/>
+                  </a:bodyPr>
+                  <a:lstStyle/>
+                  <a:p>
+                    <a:r>
+                      <a:rPr lang="en-GB" sz="1600" dirty="0"/>
+                      <a:t>TUNGSTEN ALLOY</a:t>
+                    </a:r>
+                  </a:p>
+                </p:txBody>
+              </p:sp>
+              <p:sp>
+                <p:nvSpPr>
+                  <p:cNvPr id="13" name="TextBox 12">
+                    <a:extLst>
+                      <a:ext uri="{FF2B5EF4-FFF2-40B4-BE49-F238E27FC236}">
+                        <a16:creationId xmlns:a16="http://schemas.microsoft.com/office/drawing/2014/main" id="{E1392DF4-B2E9-4CA0-A5A6-05C593756F8F}"/>
+                      </a:ext>
+                    </a:extLst>
+                  </p:cNvPr>
+                  <p:cNvSpPr txBox="1"/>
+                  <p:nvPr/>
+                </p:nvSpPr>
+                <p:spPr>
+                  <a:xfrm>
+                    <a:off x="3711023" y="5998689"/>
+                    <a:ext cx="1160185" cy="338554"/>
+                  </a:xfrm>
+                  <a:prstGeom prst="rect">
+                    <a:avLst/>
+                  </a:prstGeom>
+                  <a:noFill/>
+                </p:spPr>
+                <p:txBody>
+                  <a:bodyPr wrap="square" rtlCol="0">
+                    <a:spAutoFit/>
+                  </a:bodyPr>
+                  <a:lstStyle/>
+                  <a:p>
+                    <a:r>
+                      <a:rPr lang="en-GB" sz="1600" dirty="0"/>
+                      <a:t>Ti-6Al-4V</a:t>
+                    </a:r>
+                  </a:p>
+                </p:txBody>
+              </p:sp>
+              <p:sp>
+                <p:nvSpPr>
+                  <p:cNvPr id="9" name="TextBox 8">
+                    <a:extLst>
+                      <a:ext uri="{FF2B5EF4-FFF2-40B4-BE49-F238E27FC236}">
+                        <a16:creationId xmlns:a16="http://schemas.microsoft.com/office/drawing/2014/main" id="{6684939E-100F-4165-83C9-ABE78B720C1C}"/>
+                      </a:ext>
+                    </a:extLst>
+                  </p:cNvPr>
+                  <p:cNvSpPr txBox="1"/>
+                  <p:nvPr/>
+                </p:nvSpPr>
+                <p:spPr>
+                  <a:xfrm>
+                    <a:off x="7140392" y="2928998"/>
+                    <a:ext cx="1188817" cy="338554"/>
+                  </a:xfrm>
+                  <a:prstGeom prst="rect">
+                    <a:avLst/>
+                  </a:prstGeom>
+                  <a:noFill/>
+                </p:spPr>
+                <p:txBody>
+                  <a:bodyPr wrap="square" rtlCol="0">
+                    <a:spAutoFit/>
+                  </a:bodyPr>
+                  <a:lstStyle/>
+                  <a:p>
+                    <a:r>
+                      <a:rPr lang="en-GB" sz="1600" dirty="0"/>
+                      <a:t>AISI 4340</a:t>
+                    </a:r>
+                  </a:p>
+                </p:txBody>
+              </p:sp>
+            </p:grpSp>
+          </p:grpSp>
+        </p:grpSp>
+      </p:grpSp>
+    </p:spTree>
+    <p:extLst>
+      <p:ext uri="{BB962C8B-B14F-4D97-AF65-F5344CB8AC3E}">
+        <p14:creationId xmlns:p14="http://schemas.microsoft.com/office/powerpoint/2010/main" val="1371320744"/>
+      </p:ext>
+    </p:extLst>
+  </p:cSld>
+  <p:clrMapOvr>
+    <a:masterClrMapping/>
+  </p:clrMapOvr>
+</p:sld>
+</file>
+
 <file path=ppt/slides/slide2.xml><?xml version="1.0" encoding="utf-8"?>
 <p:sld xmlns:a="http://schemas.openxmlformats.org/drawingml/2006/main" xmlns:r="http://schemas.openxmlformats.org/officeDocument/2006/relationships" xmlns:p="http://schemas.openxmlformats.org/presentationml/2006/main">
   <p:cSld>

--- a/Results_Presentation.pptx
+++ b/Results_Presentation.pptx
@@ -19,6 +19,7 @@
     <p:sldId id="267" r:id="rId13"/>
     <p:sldId id="265" r:id="rId14"/>
     <p:sldId id="270" r:id="rId15"/>
+    <p:sldId id="271" r:id="rId16"/>
   </p:sldIdLst>
   <p:sldSz cx="12192000" cy="6858000"/>
   <p:notesSz cx="6858000" cy="9144000"/>
@@ -10892,7 +10893,7 @@
           <a:p>
             <a:fld id="{ED1D69A2-FB5B-402A-AF16-977A1EC30EE5}" type="datetimeFigureOut">
               <a:rPr lang="en-GB" smtClean="0"/>
-              <a:t>31/03/2022</a:t>
+              <a:t>02/04/2022</a:t>
             </a:fld>
             <a:endParaRPr lang="en-GB"/>
           </a:p>
@@ -11092,7 +11093,7 @@
           <a:p>
             <a:fld id="{ED1D69A2-FB5B-402A-AF16-977A1EC30EE5}" type="datetimeFigureOut">
               <a:rPr lang="en-GB" smtClean="0"/>
-              <a:t>31/03/2022</a:t>
+              <a:t>02/04/2022</a:t>
             </a:fld>
             <a:endParaRPr lang="en-GB"/>
           </a:p>
@@ -11302,7 +11303,7 @@
           <a:p>
             <a:fld id="{ED1D69A2-FB5B-402A-AF16-977A1EC30EE5}" type="datetimeFigureOut">
               <a:rPr lang="en-GB" smtClean="0"/>
-              <a:t>31/03/2022</a:t>
+              <a:t>02/04/2022</a:t>
             </a:fld>
             <a:endParaRPr lang="en-GB"/>
           </a:p>
@@ -11502,7 +11503,7 @@
           <a:p>
             <a:fld id="{ED1D69A2-FB5B-402A-AF16-977A1EC30EE5}" type="datetimeFigureOut">
               <a:rPr lang="en-GB" smtClean="0"/>
-              <a:t>31/03/2022</a:t>
+              <a:t>02/04/2022</a:t>
             </a:fld>
             <a:endParaRPr lang="en-GB"/>
           </a:p>
@@ -11778,7 +11779,7 @@
           <a:p>
             <a:fld id="{ED1D69A2-FB5B-402A-AF16-977A1EC30EE5}" type="datetimeFigureOut">
               <a:rPr lang="en-GB" smtClean="0"/>
-              <a:t>31/03/2022</a:t>
+              <a:t>02/04/2022</a:t>
             </a:fld>
             <a:endParaRPr lang="en-GB"/>
           </a:p>
@@ -12046,7 +12047,7 @@
           <a:p>
             <a:fld id="{ED1D69A2-FB5B-402A-AF16-977A1EC30EE5}" type="datetimeFigureOut">
               <a:rPr lang="en-GB" smtClean="0"/>
-              <a:t>31/03/2022</a:t>
+              <a:t>02/04/2022</a:t>
             </a:fld>
             <a:endParaRPr lang="en-GB"/>
           </a:p>
@@ -12461,7 +12462,7 @@
           <a:p>
             <a:fld id="{ED1D69A2-FB5B-402A-AF16-977A1EC30EE5}" type="datetimeFigureOut">
               <a:rPr lang="en-GB" smtClean="0"/>
-              <a:t>31/03/2022</a:t>
+              <a:t>02/04/2022</a:t>
             </a:fld>
             <a:endParaRPr lang="en-GB"/>
           </a:p>
@@ -12603,7 +12604,7 @@
           <a:p>
             <a:fld id="{ED1D69A2-FB5B-402A-AF16-977A1EC30EE5}" type="datetimeFigureOut">
               <a:rPr lang="en-GB" smtClean="0"/>
-              <a:t>31/03/2022</a:t>
+              <a:t>02/04/2022</a:t>
             </a:fld>
             <a:endParaRPr lang="en-GB"/>
           </a:p>
@@ -12716,7 +12717,7 @@
           <a:p>
             <a:fld id="{ED1D69A2-FB5B-402A-AF16-977A1EC30EE5}" type="datetimeFigureOut">
               <a:rPr lang="en-GB" smtClean="0"/>
-              <a:t>31/03/2022</a:t>
+              <a:t>02/04/2022</a:t>
             </a:fld>
             <a:endParaRPr lang="en-GB"/>
           </a:p>
@@ -13029,7 +13030,7 @@
           <a:p>
             <a:fld id="{ED1D69A2-FB5B-402A-AF16-977A1EC30EE5}" type="datetimeFigureOut">
               <a:rPr lang="en-GB" smtClean="0"/>
-              <a:t>31/03/2022</a:t>
+              <a:t>02/04/2022</a:t>
             </a:fld>
             <a:endParaRPr lang="en-GB"/>
           </a:p>
@@ -13318,7 +13319,7 @@
           <a:p>
             <a:fld id="{ED1D69A2-FB5B-402A-AF16-977A1EC30EE5}" type="datetimeFigureOut">
               <a:rPr lang="en-GB" smtClean="0"/>
-              <a:t>31/03/2022</a:t>
+              <a:t>02/04/2022</a:t>
             </a:fld>
             <a:endParaRPr lang="en-GB"/>
           </a:p>
@@ -13561,7 +13562,7 @@
           <a:p>
             <a:fld id="{ED1D69A2-FB5B-402A-AF16-977A1EC30EE5}" type="datetimeFigureOut">
               <a:rPr lang="en-GB" smtClean="0"/>
-              <a:t>31/03/2022</a:t>
+              <a:t>02/04/2022</a:t>
             </a:fld>
             <a:endParaRPr lang="en-GB"/>
           </a:p>
@@ -15249,6 +15250,36 @@
 </p:sld>
 </file>
 
+<file path=ppt/slides/slide15.xml><?xml version="1.0" encoding="utf-8"?>
+<p:sld xmlns:a="http://schemas.openxmlformats.org/drawingml/2006/main" xmlns:r="http://schemas.openxmlformats.org/officeDocument/2006/relationships" xmlns:p="http://schemas.openxmlformats.org/presentationml/2006/main">
+  <p:cSld>
+    <p:spTree>
+      <p:nvGrpSpPr>
+        <p:cNvPr id="1" name=""/>
+        <p:cNvGrpSpPr/>
+        <p:nvPr/>
+      </p:nvGrpSpPr>
+      <p:grpSpPr>
+        <a:xfrm>
+          <a:off x="0" y="0"/>
+          <a:ext cx="0" cy="0"/>
+          <a:chOff x="0" y="0"/>
+          <a:chExt cx="0" cy="0"/>
+        </a:xfrm>
+      </p:grpSpPr>
+    </p:spTree>
+    <p:extLst>
+      <p:ext uri="{BB962C8B-B14F-4D97-AF65-F5344CB8AC3E}">
+        <p14:creationId xmlns:p14="http://schemas.microsoft.com/office/powerpoint/2010/main" val="1240996956"/>
+      </p:ext>
+    </p:extLst>
+  </p:cSld>
+  <p:clrMapOvr>
+    <a:masterClrMapping/>
+  </p:clrMapOvr>
+</p:sld>
+</file>
+
 <file path=ppt/slides/slide2.xml><?xml version="1.0" encoding="utf-8"?>
 <p:sld xmlns:a="http://schemas.openxmlformats.org/drawingml/2006/main" xmlns:r="http://schemas.openxmlformats.org/officeDocument/2006/relationships" xmlns:p="http://schemas.openxmlformats.org/presentationml/2006/main">
   <p:cSld>
@@ -15346,13 +15377,13 @@
           <p:nvPr>
             <p:extLst>
               <p:ext uri="{D42A27DB-BD31-4B8C-83A1-F6EECF244321}">
-                <p14:modId xmlns:p14="http://schemas.microsoft.com/office/powerpoint/2010/main" val="364062173"/>
+                <p14:modId xmlns:p14="http://schemas.microsoft.com/office/powerpoint/2010/main" val="4017874471"/>
               </p:ext>
             </p:extLst>
           </p:nvPr>
         </p:nvGraphicFramePr>
         <p:xfrm>
-          <a:off x="910797" y="3884071"/>
+          <a:off x="952217" y="3884071"/>
           <a:ext cx="4995054" cy="2856182"/>
         </p:xfrm>
         <a:graphic>
@@ -15376,13 +15407,13 @@
           <p:nvPr>
             <p:extLst>
               <p:ext uri="{D42A27DB-BD31-4B8C-83A1-F6EECF244321}">
-                <p14:modId xmlns:p14="http://schemas.microsoft.com/office/powerpoint/2010/main" val="2568744778"/>
+                <p14:modId xmlns:p14="http://schemas.microsoft.com/office/powerpoint/2010/main" val="563572343"/>
               </p:ext>
             </p:extLst>
           </p:nvPr>
         </p:nvGraphicFramePr>
         <p:xfrm>
-          <a:off x="6096000" y="3884071"/>
+          <a:off x="6095999" y="3884071"/>
           <a:ext cx="5094914" cy="2856182"/>
         </p:xfrm>
         <a:graphic>
